--- a/FinML/Open_lesson_TechML/Presentation/TechML.pptx
+++ b/FinML/Open_lesson_TechML/Presentation/TechML.pptx
@@ -6,7 +6,7 @@
     <p:sldMasterId id="2147483707" r:id="rId2"/>
   </p:sldMasterIdLst>
   <p:notesMasterIdLst>
-    <p:notesMasterId r:id="rId39"/>
+    <p:notesMasterId r:id="rId45"/>
   </p:notesMasterIdLst>
   <p:sldIdLst>
     <p:sldId id="257" r:id="rId3"/>
@@ -26,42 +26,52 @@
     <p:sldId id="414" r:id="rId17"/>
     <p:sldId id="419" r:id="rId18"/>
     <p:sldId id="485" r:id="rId19"/>
-    <p:sldId id="483" r:id="rId20"/>
-    <p:sldId id="484" r:id="rId21"/>
-    <p:sldId id="418" r:id="rId22"/>
-    <p:sldId id="281" r:id="rId23"/>
-    <p:sldId id="280" r:id="rId24"/>
-    <p:sldId id="366" r:id="rId25"/>
-    <p:sldId id="288" r:id="rId26"/>
-    <p:sldId id="474" r:id="rId27"/>
-    <p:sldId id="372" r:id="rId28"/>
-    <p:sldId id="475" r:id="rId29"/>
-    <p:sldId id="476" r:id="rId30"/>
-    <p:sldId id="477" r:id="rId31"/>
-    <p:sldId id="478" r:id="rId32"/>
-    <p:sldId id="479" r:id="rId33"/>
-    <p:sldId id="480" r:id="rId34"/>
-    <p:sldId id="401" r:id="rId35"/>
-    <p:sldId id="289" r:id="rId36"/>
-    <p:sldId id="302" r:id="rId37"/>
-    <p:sldId id="303" r:id="rId38"/>
+    <p:sldId id="496" r:id="rId20"/>
+    <p:sldId id="495" r:id="rId21"/>
+    <p:sldId id="498" r:id="rId22"/>
+    <p:sldId id="499" r:id="rId23"/>
+    <p:sldId id="500" r:id="rId24"/>
+    <p:sldId id="501" r:id="rId25"/>
+    <p:sldId id="483" r:id="rId26"/>
+    <p:sldId id="484" r:id="rId27"/>
+    <p:sldId id="418" r:id="rId28"/>
+    <p:sldId id="281" r:id="rId29"/>
+    <p:sldId id="280" r:id="rId30"/>
+    <p:sldId id="366" r:id="rId31"/>
+    <p:sldId id="288" r:id="rId32"/>
+    <p:sldId id="474" r:id="rId33"/>
+    <p:sldId id="372" r:id="rId34"/>
+    <p:sldId id="475" r:id="rId35"/>
+    <p:sldId id="476" r:id="rId36"/>
+    <p:sldId id="477" r:id="rId37"/>
+    <p:sldId id="478" r:id="rId38"/>
+    <p:sldId id="479" r:id="rId39"/>
+    <p:sldId id="480" r:id="rId40"/>
+    <p:sldId id="401" r:id="rId41"/>
+    <p:sldId id="289" r:id="rId42"/>
+    <p:sldId id="302" r:id="rId43"/>
+    <p:sldId id="303" r:id="rId44"/>
   </p:sldIdLst>
   <p:sldSz cx="9144000" cy="5143500" type="screen16x9"/>
   <p:notesSz cx="6858000" cy="9144000"/>
   <p:embeddedFontLst>
     <p:embeddedFont>
       <p:font typeface="AkayaTelivigala" panose="020F0502020204030204" pitchFamily="34" charset="0"/>
-      <p:regular r:id="rId40"/>
-      <p:bold r:id="rId41"/>
-      <p:italic r:id="rId42"/>
-      <p:boldItalic r:id="rId43"/>
+      <p:regular r:id="rId46"/>
+      <p:bold r:id="rId47"/>
+      <p:italic r:id="rId48"/>
+      <p:boldItalic r:id="rId49"/>
+    </p:embeddedFont>
+    <p:embeddedFont>
+      <p:font typeface="Cambria Math" panose="02040503050406030204" pitchFamily="18" charset="0"/>
+      <p:regular r:id="rId50"/>
     </p:embeddedFont>
     <p:embeddedFont>
       <p:font typeface="Roboto" panose="02000000000000000000" pitchFamily="2" charset="0"/>
-      <p:regular r:id="rId44"/>
-      <p:bold r:id="rId45"/>
-      <p:italic r:id="rId46"/>
-      <p:boldItalic r:id="rId47"/>
+      <p:regular r:id="rId51"/>
+      <p:bold r:id="rId52"/>
+      <p:italic r:id="rId53"/>
+      <p:boldItalic r:id="rId54"/>
     </p:embeddedFont>
   </p:embeddedFontLst>
   <p:defaultTextStyle>
@@ -17961,6 +17971,2393 @@
   <p:cSld>
     <p:spTree>
       <p:nvGrpSpPr>
+        <p:cNvPr id="1" name=""/>
+        <p:cNvGrpSpPr/>
+        <p:nvPr/>
+      </p:nvGrpSpPr>
+      <p:grpSpPr>
+        <a:xfrm>
+          <a:off x="0" y="0"/>
+          <a:ext cx="0" cy="0"/>
+          <a:chOff x="0" y="0"/>
+          <a:chExt cx="0" cy="0"/>
+        </a:xfrm>
+      </p:grpSpPr>
+      <p:sp>
+        <p:nvSpPr>
+          <p:cNvPr id="3" name="Title 2">
+            <a:extLst>
+              <a:ext uri="{FF2B5EF4-FFF2-40B4-BE49-F238E27FC236}">
+                <a16:creationId xmlns:a16="http://schemas.microsoft.com/office/drawing/2014/main" id="{B53200C2-EEDC-A348-A3AC-B435BA04C6F0}"/>
+              </a:ext>
+            </a:extLst>
+          </p:cNvPr>
+          <p:cNvSpPr>
+            <a:spLocks noGrp="1"/>
+          </p:cNvSpPr>
+          <p:nvPr>
+            <p:ph type="title"/>
+          </p:nvPr>
+        </p:nvSpPr>
+        <p:spPr/>
+        <p:txBody>
+          <a:bodyPr/>
+          <a:lstStyle/>
+          <a:p>
+            <a:r>
+              <a:rPr lang="ru-RU" dirty="0"/>
+              <a:t>Простая скользящая средняя </a:t>
+            </a:r>
+            <a:endParaRPr lang="en-US" dirty="0"/>
+          </a:p>
+        </p:txBody>
+      </p:sp>
+      <p:sp>
+        <p:nvSpPr>
+          <p:cNvPr id="4" name="TextBox 3">
+            <a:extLst>
+              <a:ext uri="{FF2B5EF4-FFF2-40B4-BE49-F238E27FC236}">
+                <a16:creationId xmlns:a16="http://schemas.microsoft.com/office/drawing/2014/main" id="{D3F3A926-1997-DB46-B2C1-9800956DA368}"/>
+              </a:ext>
+            </a:extLst>
+          </p:cNvPr>
+          <p:cNvSpPr txBox="1"/>
+          <p:nvPr/>
+        </p:nvSpPr>
+        <p:spPr>
+          <a:xfrm>
+            <a:off x="500550" y="1350424"/>
+            <a:ext cx="3451586" cy="375552"/>
+          </a:xfrm>
+          <a:prstGeom prst="rect">
+            <a:avLst/>
+          </a:prstGeom>
+          <a:noFill/>
+        </p:spPr>
+        <p:txBody>
+          <a:bodyPr wrap="none" rtlCol="0">
+            <a:spAutoFit/>
+          </a:bodyPr>
+          <a:lstStyle/>
+          <a:p>
+            <a:pPr>
+              <a:lnSpc>
+                <a:spcPct val="150000"/>
+              </a:lnSpc>
+            </a:pPr>
+            <a:r>
+              <a:rPr lang="ru-RU" b="1" dirty="0"/>
+              <a:t>Простая скользящая средняя (</a:t>
+            </a:r>
+            <a:r>
+              <a:rPr lang="en-US" b="1" dirty="0"/>
+              <a:t>SMA)</a:t>
+            </a:r>
+            <a:r>
+              <a:rPr lang="en-US" dirty="0"/>
+              <a:t>:</a:t>
+            </a:r>
+          </a:p>
+        </p:txBody>
+      </p:sp>
+      <mc:AlternateContent xmlns:mc="http://schemas.openxmlformats.org/markup-compatibility/2006" xmlns:a14="http://schemas.microsoft.com/office/drawing/2010/main">
+        <mc:Choice Requires="a14">
+          <p:sp>
+            <p:nvSpPr>
+              <p:cNvPr id="2" name="TextBox 1">
+                <a:extLst>
+                  <a:ext uri="{FF2B5EF4-FFF2-40B4-BE49-F238E27FC236}">
+                    <a16:creationId xmlns:a16="http://schemas.microsoft.com/office/drawing/2014/main" id="{415D82CF-CEE6-F145-B732-656BEA950BBC}"/>
+                  </a:ext>
+                </a:extLst>
+              </p:cNvPr>
+              <p:cNvSpPr txBox="1"/>
+              <p:nvPr/>
+            </p:nvSpPr>
+            <p:spPr>
+              <a:xfrm>
+                <a:off x="4335729" y="1244113"/>
+                <a:ext cx="602986" cy="588174"/>
+              </a:xfrm>
+              <a:prstGeom prst="rect">
+                <a:avLst/>
+              </a:prstGeom>
+              <a:noFill/>
+            </p:spPr>
+            <p:txBody>
+              <a:bodyPr wrap="none" lIns="0" tIns="0" rIns="0" bIns="0" rtlCol="0">
+                <a:spAutoFit/>
+              </a:bodyPr>
+              <a:lstStyle/>
+              <a:p>
+                <a:pPr/>
+                <a14:m>
+                  <m:oMathPara xmlns:m="http://schemas.openxmlformats.org/officeDocument/2006/math">
+                    <m:oMathParaPr>
+                      <m:jc m:val="centerGroup"/>
+                    </m:oMathParaPr>
+                    <m:oMath xmlns:m="http://schemas.openxmlformats.org/officeDocument/2006/math">
+                      <m:f>
+                        <m:fPr>
+                          <m:ctrlPr>
+                            <a:rPr lang="en-US" b="0" i="1" smtClean="0">
+                              <a:latin typeface="Cambria Math" panose="02040503050406030204" pitchFamily="18" charset="0"/>
+                            </a:rPr>
+                          </m:ctrlPr>
+                        </m:fPr>
+                        <m:num>
+                          <m:r>
+                            <a:rPr lang="en-US" b="0" i="1" smtClean="0">
+                              <a:latin typeface="Cambria Math" panose="02040503050406030204" pitchFamily="18" charset="0"/>
+                            </a:rPr>
+                            <m:t>1</m:t>
+                          </m:r>
+                        </m:num>
+                        <m:den>
+                          <m:r>
+                            <a:rPr lang="en-US" b="0" i="1" smtClean="0">
+                              <a:latin typeface="Cambria Math" panose="02040503050406030204" pitchFamily="18" charset="0"/>
+                            </a:rPr>
+                            <m:t>𝑛</m:t>
+                          </m:r>
+                        </m:den>
+                      </m:f>
+                      <m:nary>
+                        <m:naryPr>
+                          <m:chr m:val="∑"/>
+                          <m:ctrlPr>
+                            <a:rPr lang="en-US" b="0" i="1" smtClean="0">
+                              <a:latin typeface="Cambria Math" panose="02040503050406030204" pitchFamily="18" charset="0"/>
+                            </a:rPr>
+                          </m:ctrlPr>
+                        </m:naryPr>
+                        <m:sub>
+                          <m:r>
+                            <m:rPr>
+                              <m:brk m:alnAt="23"/>
+                            </m:rPr>
+                            <a:rPr lang="en-US" b="0" i="1" smtClean="0">
+                              <a:latin typeface="Cambria Math" panose="02040503050406030204" pitchFamily="18" charset="0"/>
+                            </a:rPr>
+                            <m:t>𝑖</m:t>
+                          </m:r>
+                          <m:r>
+                            <a:rPr lang="en-US" b="0" i="1" smtClean="0">
+                              <a:latin typeface="Cambria Math" panose="02040503050406030204" pitchFamily="18" charset="0"/>
+                            </a:rPr>
+                            <m:t>=1</m:t>
+                          </m:r>
+                        </m:sub>
+                        <m:sup>
+                          <m:r>
+                            <a:rPr lang="en-US" b="0" i="1" smtClean="0">
+                              <a:latin typeface="Cambria Math" panose="02040503050406030204" pitchFamily="18" charset="0"/>
+                            </a:rPr>
+                            <m:t>𝑛</m:t>
+                          </m:r>
+                        </m:sup>
+                        <m:e>
+                          <m:sSub>
+                            <m:sSubPr>
+                              <m:ctrlPr>
+                                <a:rPr lang="en-US" b="0" i="1" smtClean="0">
+                                  <a:latin typeface="Cambria Math" panose="02040503050406030204" pitchFamily="18" charset="0"/>
+                                </a:rPr>
+                              </m:ctrlPr>
+                            </m:sSubPr>
+                            <m:e>
+                              <m:r>
+                                <a:rPr lang="en-US" b="0" i="1" smtClean="0">
+                                  <a:latin typeface="Cambria Math" panose="02040503050406030204" pitchFamily="18" charset="0"/>
+                                </a:rPr>
+                                <m:t>𝑃</m:t>
+                              </m:r>
+                            </m:e>
+                            <m:sub>
+                              <m:r>
+                                <a:rPr lang="en-US" b="0" i="1" smtClean="0">
+                                  <a:latin typeface="Cambria Math" panose="02040503050406030204" pitchFamily="18" charset="0"/>
+                                </a:rPr>
+                                <m:t>𝑖</m:t>
+                              </m:r>
+                            </m:sub>
+                          </m:sSub>
+                        </m:e>
+                      </m:nary>
+                    </m:oMath>
+                  </m:oMathPara>
+                </a14:m>
+                <a:endParaRPr lang="en-US" dirty="0"/>
+              </a:p>
+            </p:txBody>
+          </p:sp>
+        </mc:Choice>
+        <mc:Fallback xmlns="">
+          <p:sp>
+            <p:nvSpPr>
+              <p:cNvPr id="2" name="TextBox 1">
+                <a:extLst>
+                  <a:ext uri="{FF2B5EF4-FFF2-40B4-BE49-F238E27FC236}">
+                    <a16:creationId xmlns:a16="http://schemas.microsoft.com/office/drawing/2014/main" id="{415D82CF-CEE6-F145-B732-656BEA950BBC}"/>
+                  </a:ext>
+                </a:extLst>
+              </p:cNvPr>
+              <p:cNvSpPr txBox="1">
+                <a:spLocks noRot="1" noChangeAspect="1" noMove="1" noResize="1" noEditPoints="1" noAdjustHandles="1" noChangeArrowheads="1" noChangeShapeType="1" noTextEdit="1"/>
+              </p:cNvSpPr>
+              <p:nvPr/>
+            </p:nvSpPr>
+            <p:spPr>
+              <a:xfrm>
+                <a:off x="4335729" y="1244113"/>
+                <a:ext cx="602986" cy="588174"/>
+              </a:xfrm>
+              <a:prstGeom prst="rect">
+                <a:avLst/>
+              </a:prstGeom>
+              <a:blipFill>
+                <a:blip r:embed="rId2"/>
+                <a:stretch>
+                  <a:fillRect l="-85417" t="-116667" r="-41667" b="-181250"/>
+                </a:stretch>
+              </a:blipFill>
+            </p:spPr>
+            <p:txBody>
+              <a:bodyPr/>
+              <a:lstStyle/>
+              <a:p>
+                <a:r>
+                  <a:rPr lang="en-US">
+                    <a:noFill/>
+                  </a:rPr>
+                  <a:t> </a:t>
+                </a:r>
+              </a:p>
+            </p:txBody>
+          </p:sp>
+        </mc:Fallback>
+      </mc:AlternateContent>
+      <p:sp>
+        <p:nvSpPr>
+          <p:cNvPr id="5" name="TextBox 4">
+            <a:extLst>
+              <a:ext uri="{FF2B5EF4-FFF2-40B4-BE49-F238E27FC236}">
+                <a16:creationId xmlns:a16="http://schemas.microsoft.com/office/drawing/2014/main" id="{A2B06500-362E-6849-8488-7313246937FD}"/>
+              </a:ext>
+            </a:extLst>
+          </p:cNvPr>
+          <p:cNvSpPr txBox="1"/>
+          <p:nvPr/>
+        </p:nvSpPr>
+        <p:spPr>
+          <a:xfrm>
+            <a:off x="500550" y="1832287"/>
+            <a:ext cx="8520600" cy="2862322"/>
+          </a:xfrm>
+          <a:prstGeom prst="rect">
+            <a:avLst/>
+          </a:prstGeom>
+          <a:noFill/>
+        </p:spPr>
+        <p:txBody>
+          <a:bodyPr wrap="square" rtlCol="0">
+            <a:spAutoFit/>
+          </a:bodyPr>
+          <a:lstStyle/>
+          <a:p>
+            <a:r>
+              <a:rPr lang="ru-RU" dirty="0"/>
+              <a:t>Краткосрочные скользящие средние</a:t>
+            </a:r>
+          </a:p>
+          <a:p>
+            <a:pPr marL="285750" indent="-285750">
+              <a:buFont typeface="Arial" panose="020B0604020202020204" pitchFamily="34" charset="0"/>
+              <a:buChar char="•"/>
+            </a:pPr>
+            <a:r>
+              <a:rPr lang="ru-RU" sz="1100" dirty="0"/>
+              <a:t>5-дневная </a:t>
+            </a:r>
+            <a:r>
+              <a:rPr lang="en-US" sz="1100" dirty="0"/>
+              <a:t>SMA/EMA</a:t>
+            </a:r>
+          </a:p>
+          <a:p>
+            <a:pPr marL="285750" indent="-285750">
+              <a:buFont typeface="Arial" panose="020B0604020202020204" pitchFamily="34" charset="0"/>
+              <a:buChar char="•"/>
+            </a:pPr>
+            <a:r>
+              <a:rPr lang="ru-RU" sz="1100" dirty="0"/>
+              <a:t>10-дневная </a:t>
+            </a:r>
+            <a:r>
+              <a:rPr lang="en-US" sz="1100" dirty="0"/>
+              <a:t>SMA/EMA</a:t>
+            </a:r>
+            <a:endParaRPr lang="ru-RU" sz="1100" dirty="0"/>
+          </a:p>
+          <a:p>
+            <a:pPr marL="285750" indent="-285750">
+              <a:buFont typeface="Arial" panose="020B0604020202020204" pitchFamily="34" charset="0"/>
+              <a:buChar char="•"/>
+            </a:pPr>
+            <a:r>
+              <a:rPr lang="ru-RU" sz="1100" dirty="0"/>
+              <a:t>20-дневная </a:t>
+            </a:r>
+            <a:r>
+              <a:rPr lang="en-US" sz="1100" dirty="0"/>
+              <a:t>SMA/EMA</a:t>
+            </a:r>
+            <a:endParaRPr lang="ru-RU" sz="1100" dirty="0"/>
+          </a:p>
+          <a:p>
+            <a:endParaRPr lang="en-US" b="1" dirty="0"/>
+          </a:p>
+          <a:p>
+            <a:r>
+              <a:rPr lang="ru-RU" dirty="0"/>
+              <a:t>Среднесрочные скользящие средние</a:t>
+            </a:r>
+          </a:p>
+          <a:p>
+            <a:pPr marL="171450" indent="-171450">
+              <a:buFont typeface="Arial" panose="020B0604020202020204" pitchFamily="34" charset="0"/>
+              <a:buChar char="•"/>
+            </a:pPr>
+            <a:r>
+              <a:rPr lang="ru-RU" sz="1100" dirty="0"/>
+              <a:t>50-дневная </a:t>
+            </a:r>
+            <a:r>
+              <a:rPr lang="en-US" sz="1100" dirty="0"/>
+              <a:t>SMA/EMA: </a:t>
+            </a:r>
+            <a:r>
+              <a:rPr lang="ru-RU" sz="1100" dirty="0"/>
+              <a:t>Один из наиболее популярных периодов, используется для анализа среднесрочных трендов и часто применяется в сочетании с 200-дневной </a:t>
+            </a:r>
+            <a:r>
+              <a:rPr lang="en-US" sz="1100" dirty="0"/>
+              <a:t>SMA </a:t>
+            </a:r>
+            <a:r>
+              <a:rPr lang="ru-RU" sz="1100" dirty="0"/>
+              <a:t>для выявления "золотого пересечения" (</a:t>
+            </a:r>
+            <a:r>
+              <a:rPr lang="en-US" sz="1100" dirty="0"/>
+              <a:t>golden cross) </a:t>
+            </a:r>
+            <a:r>
+              <a:rPr lang="ru-RU" sz="1100" dirty="0"/>
+              <a:t>и "мёртвого пересечения" (</a:t>
+            </a:r>
+            <a:r>
+              <a:rPr lang="en-US" sz="1100" dirty="0"/>
+              <a:t>death cross).</a:t>
+            </a:r>
+          </a:p>
+          <a:p>
+            <a:pPr marL="171450" indent="-171450">
+              <a:buFont typeface="Arial" panose="020B0604020202020204" pitchFamily="34" charset="0"/>
+              <a:buChar char="•"/>
+            </a:pPr>
+            <a:r>
+              <a:rPr lang="en-US" sz="1100" dirty="0"/>
+              <a:t>100-</a:t>
+            </a:r>
+            <a:r>
+              <a:rPr lang="ru-RU" sz="1100" dirty="0"/>
+              <a:t>дневная </a:t>
+            </a:r>
+            <a:r>
+              <a:rPr lang="en-US" sz="1100" dirty="0"/>
+              <a:t>SMA/EMA: </a:t>
+            </a:r>
+            <a:r>
+              <a:rPr lang="ru-RU" sz="1100" dirty="0"/>
+              <a:t>Полезна для анализа трендов, которые могут длиться несколько месяцев.</a:t>
+            </a:r>
+          </a:p>
+          <a:p>
+            <a:endParaRPr lang="en-US" b="1" dirty="0"/>
+          </a:p>
+          <a:p>
+            <a:r>
+              <a:rPr lang="ru-RU" dirty="0"/>
+              <a:t>Долгосрочные скользящие средние</a:t>
+            </a:r>
+          </a:p>
+          <a:p>
+            <a:pPr marL="171450" indent="-171450">
+              <a:buFont typeface="Arial" panose="020B0604020202020204" pitchFamily="34" charset="0"/>
+              <a:buChar char="•"/>
+            </a:pPr>
+            <a:r>
+              <a:rPr lang="ru-RU" sz="1100" dirty="0"/>
+              <a:t>200-дневная </a:t>
+            </a:r>
+            <a:r>
+              <a:rPr lang="en-US" sz="1100" dirty="0"/>
+              <a:t>SMA/EMA: </a:t>
+            </a:r>
+            <a:r>
+              <a:rPr lang="ru-RU" sz="1100" dirty="0"/>
+              <a:t>Широко используется для анализа долгосрочных трендов и является ключевым уровнем поддержки/сопротивления для многих трейдеров и инвесторов.</a:t>
+            </a:r>
+          </a:p>
+          <a:p>
+            <a:pPr marL="171450" indent="-171450">
+              <a:buFont typeface="Arial" panose="020B0604020202020204" pitchFamily="34" charset="0"/>
+              <a:buChar char="•"/>
+            </a:pPr>
+            <a:r>
+              <a:rPr lang="ru-RU" sz="1100" dirty="0"/>
+              <a:t>300-дневная </a:t>
+            </a:r>
+            <a:r>
+              <a:rPr lang="en-US" sz="1100" dirty="0"/>
+              <a:t>SMA/EMA: </a:t>
+            </a:r>
+            <a:r>
+              <a:rPr lang="ru-RU" sz="1100" dirty="0"/>
+              <a:t>Реже используется, но может быть полезна для анализа очень долгосрочных тенденций.</a:t>
+            </a:r>
+            <a:endParaRPr lang="en-US" sz="1100" dirty="0"/>
+          </a:p>
+        </p:txBody>
+      </p:sp>
+      <p:pic>
+        <p:nvPicPr>
+          <p:cNvPr id="8" name="Picture 7">
+            <a:extLst>
+              <a:ext uri="{FF2B5EF4-FFF2-40B4-BE49-F238E27FC236}">
+                <a16:creationId xmlns:a16="http://schemas.microsoft.com/office/drawing/2014/main" id="{038B4AC8-90C0-C345-AF66-9C14596D0D0E}"/>
+              </a:ext>
+            </a:extLst>
+          </p:cNvPr>
+          <p:cNvPicPr>
+            <a:picLocks noChangeAspect="1"/>
+          </p:cNvPicPr>
+          <p:nvPr/>
+        </p:nvPicPr>
+        <p:blipFill>
+          <a:blip r:embed="rId3"/>
+          <a:stretch>
+            <a:fillRect/>
+          </a:stretch>
+        </p:blipFill>
+        <p:spPr>
+          <a:xfrm>
+            <a:off x="5273362" y="871897"/>
+            <a:ext cx="3500532" cy="2095330"/>
+          </a:xfrm>
+          <a:prstGeom prst="rect">
+            <a:avLst/>
+          </a:prstGeom>
+        </p:spPr>
+      </p:pic>
+    </p:spTree>
+    <p:extLst>
+      <p:ext uri="{BB962C8B-B14F-4D97-AF65-F5344CB8AC3E}">
+        <p14:creationId xmlns:p14="http://schemas.microsoft.com/office/powerpoint/2010/main" val="2053321795"/>
+      </p:ext>
+    </p:extLst>
+  </p:cSld>
+  <p:clrMapOvr>
+    <a:masterClrMapping/>
+  </p:clrMapOvr>
+</p:sld>
+</file>
+
+<file path=ppt/slides/slide19.xml><?xml version="1.0" encoding="utf-8"?>
+<p:sld xmlns:a="http://schemas.openxmlformats.org/drawingml/2006/main" xmlns:r="http://schemas.openxmlformats.org/officeDocument/2006/relationships" xmlns:p="http://schemas.openxmlformats.org/presentationml/2006/main">
+  <p:cSld>
+    <p:spTree>
+      <p:nvGrpSpPr>
+        <p:cNvPr id="1" name=""/>
+        <p:cNvGrpSpPr/>
+        <p:nvPr/>
+      </p:nvGrpSpPr>
+      <p:grpSpPr>
+        <a:xfrm>
+          <a:off x="0" y="0"/>
+          <a:ext cx="0" cy="0"/>
+          <a:chOff x="0" y="0"/>
+          <a:chExt cx="0" cy="0"/>
+        </a:xfrm>
+      </p:grpSpPr>
+      <p:sp>
+        <p:nvSpPr>
+          <p:cNvPr id="3" name="Title 2">
+            <a:extLst>
+              <a:ext uri="{FF2B5EF4-FFF2-40B4-BE49-F238E27FC236}">
+                <a16:creationId xmlns:a16="http://schemas.microsoft.com/office/drawing/2014/main" id="{B53200C2-EEDC-A348-A3AC-B435BA04C6F0}"/>
+              </a:ext>
+            </a:extLst>
+          </p:cNvPr>
+          <p:cNvSpPr>
+            <a:spLocks noGrp="1"/>
+          </p:cNvSpPr>
+          <p:nvPr>
+            <p:ph type="title"/>
+          </p:nvPr>
+        </p:nvSpPr>
+        <p:spPr/>
+        <p:txBody>
+          <a:bodyPr/>
+          <a:lstStyle/>
+          <a:p>
+            <a:r>
+              <a:rPr lang="ru-RU" dirty="0"/>
+              <a:t>Индикаторы технического анализа</a:t>
+            </a:r>
+            <a:endParaRPr lang="en-US" dirty="0"/>
+          </a:p>
+        </p:txBody>
+      </p:sp>
+      <p:sp>
+        <p:nvSpPr>
+          <p:cNvPr id="4" name="TextBox 3">
+            <a:extLst>
+              <a:ext uri="{FF2B5EF4-FFF2-40B4-BE49-F238E27FC236}">
+                <a16:creationId xmlns:a16="http://schemas.microsoft.com/office/drawing/2014/main" id="{D3F3A926-1997-DB46-B2C1-9800956DA368}"/>
+              </a:ext>
+            </a:extLst>
+          </p:cNvPr>
+          <p:cNvSpPr txBox="1"/>
+          <p:nvPr/>
+        </p:nvSpPr>
+        <p:spPr>
+          <a:xfrm>
+            <a:off x="500550" y="1196699"/>
+            <a:ext cx="8520600" cy="1107996"/>
+          </a:xfrm>
+          <a:prstGeom prst="rect">
+            <a:avLst/>
+          </a:prstGeom>
+          <a:noFill/>
+        </p:spPr>
+        <p:txBody>
+          <a:bodyPr wrap="square" rtlCol="0">
+            <a:spAutoFit/>
+          </a:bodyPr>
+          <a:lstStyle/>
+          <a:p>
+            <a:pPr>
+              <a:spcAft>
+                <a:spcPts val="1200"/>
+              </a:spcAft>
+            </a:pPr>
+            <a:r>
+              <a:rPr lang="ru-RU" b="1" dirty="0">
+                <a:latin typeface="+mn-lt"/>
+              </a:rPr>
+              <a:t>Экспоненциальная скользящая средняя (</a:t>
+            </a:r>
+            <a:r>
+              <a:rPr lang="en-US" b="1" dirty="0">
+                <a:latin typeface="+mn-lt"/>
+              </a:rPr>
+              <a:t>EMA)</a:t>
+            </a:r>
+            <a:endParaRPr lang="ru-RU" b="1" dirty="0">
+              <a:latin typeface="+mn-lt"/>
+            </a:endParaRPr>
+          </a:p>
+          <a:p>
+            <a:pPr>
+              <a:spcAft>
+                <a:spcPts val="1200"/>
+              </a:spcAft>
+            </a:pPr>
+            <a:r>
+              <a:rPr lang="ru-RU" b="0" i="0" u="none" strike="noStrike" dirty="0">
+                <a:solidFill>
+                  <a:srgbClr val="000000"/>
+                </a:solidFill>
+                <a:effectLst/>
+                <a:latin typeface="+mn-lt"/>
+              </a:rPr>
+              <a:t>это тип скользящей средней, который придает больший вес и значение последним данным, что делает её более чувствительной к последним изменениям цен по сравнению с простой скользящей средней (</a:t>
+            </a:r>
+            <a:r>
+              <a:rPr lang="en-US" b="0" i="0" u="none" strike="noStrike" dirty="0">
+                <a:solidFill>
+                  <a:srgbClr val="000000"/>
+                </a:solidFill>
+                <a:effectLst/>
+                <a:latin typeface="+mn-lt"/>
+              </a:rPr>
+              <a:t>SMA). </a:t>
+            </a:r>
+            <a:r>
+              <a:rPr lang="ru-RU" b="0" i="0" u="none" strike="noStrike" dirty="0">
+                <a:solidFill>
+                  <a:srgbClr val="000000"/>
+                </a:solidFill>
+                <a:effectLst/>
+                <a:latin typeface="+mn-lt"/>
+              </a:rPr>
+              <a:t>Это делает </a:t>
+            </a:r>
+            <a:r>
+              <a:rPr lang="en-US" b="0" i="0" u="none" strike="noStrike" dirty="0">
+                <a:solidFill>
+                  <a:srgbClr val="000000"/>
+                </a:solidFill>
+                <a:effectLst/>
+                <a:latin typeface="+mn-lt"/>
+              </a:rPr>
+              <a:t>EMA </a:t>
+            </a:r>
+            <a:r>
+              <a:rPr lang="ru-RU" b="0" i="0" u="none" strike="noStrike" dirty="0">
+                <a:solidFill>
+                  <a:srgbClr val="000000"/>
+                </a:solidFill>
+                <a:effectLst/>
+                <a:latin typeface="+mn-lt"/>
+              </a:rPr>
+              <a:t>более полезной для выявления краткосрочных трендов.</a:t>
+            </a:r>
+            <a:endParaRPr lang="en-US" dirty="0">
+              <a:latin typeface="+mn-lt"/>
+            </a:endParaRPr>
+          </a:p>
+        </p:txBody>
+      </p:sp>
+      <p:pic>
+        <p:nvPicPr>
+          <p:cNvPr id="10" name="Picture 9">
+            <a:extLst>
+              <a:ext uri="{FF2B5EF4-FFF2-40B4-BE49-F238E27FC236}">
+                <a16:creationId xmlns:a16="http://schemas.microsoft.com/office/drawing/2014/main" id="{7273AACF-9857-5149-B7C4-2A4712D9E5C5}"/>
+              </a:ext>
+            </a:extLst>
+          </p:cNvPr>
+          <p:cNvPicPr>
+            <a:picLocks noChangeAspect="1"/>
+          </p:cNvPicPr>
+          <p:nvPr/>
+        </p:nvPicPr>
+        <p:blipFill>
+          <a:blip r:embed="rId2"/>
+          <a:stretch>
+            <a:fillRect/>
+          </a:stretch>
+        </p:blipFill>
+        <p:spPr>
+          <a:xfrm>
+            <a:off x="3261556" y="2451981"/>
+            <a:ext cx="5090783" cy="2620997"/>
+          </a:xfrm>
+          <a:prstGeom prst="rect">
+            <a:avLst/>
+          </a:prstGeom>
+        </p:spPr>
+      </p:pic>
+      <p:sp>
+        <p:nvSpPr>
+          <p:cNvPr id="11" name="TextBox 10">
+            <a:extLst>
+              <a:ext uri="{FF2B5EF4-FFF2-40B4-BE49-F238E27FC236}">
+                <a16:creationId xmlns:a16="http://schemas.microsoft.com/office/drawing/2014/main" id="{86053CB0-82E7-1C43-98E2-E1A706C32697}"/>
+              </a:ext>
+            </a:extLst>
+          </p:cNvPr>
+          <p:cNvSpPr txBox="1"/>
+          <p:nvPr/>
+        </p:nvSpPr>
+        <p:spPr>
+          <a:xfrm>
+            <a:off x="500550" y="2510646"/>
+            <a:ext cx="2951250" cy="954107"/>
+          </a:xfrm>
+          <a:prstGeom prst="rect">
+            <a:avLst/>
+          </a:prstGeom>
+          <a:noFill/>
+        </p:spPr>
+        <p:txBody>
+          <a:bodyPr wrap="square" rtlCol="0">
+            <a:spAutoFit/>
+          </a:bodyPr>
+          <a:lstStyle/>
+          <a:p>
+            <a:r>
+              <a:rPr lang="ru-RU" dirty="0"/>
+              <a:t>Сравнивая графики можно видеть, что </a:t>
+            </a:r>
+            <a:r>
+              <a:rPr lang="en-US" dirty="0"/>
+              <a:t>EMA </a:t>
+            </a:r>
+            <a:r>
+              <a:rPr lang="ru-RU" dirty="0"/>
+              <a:t>более чувствительная к резким изменениям графика цен.</a:t>
+            </a:r>
+            <a:endParaRPr lang="en-US" dirty="0"/>
+          </a:p>
+        </p:txBody>
+      </p:sp>
+    </p:spTree>
+    <p:extLst>
+      <p:ext uri="{BB962C8B-B14F-4D97-AF65-F5344CB8AC3E}">
+        <p14:creationId xmlns:p14="http://schemas.microsoft.com/office/powerpoint/2010/main" val="868281408"/>
+      </p:ext>
+    </p:extLst>
+  </p:cSld>
+  <p:clrMapOvr>
+    <a:masterClrMapping/>
+  </p:clrMapOvr>
+</p:sld>
+</file>
+
+<file path=ppt/slides/slide2.xml><?xml version="1.0" encoding="utf-8"?>
+<p:sld xmlns:a="http://schemas.openxmlformats.org/drawingml/2006/main" xmlns:r="http://schemas.openxmlformats.org/officeDocument/2006/relationships" xmlns:p="http://schemas.openxmlformats.org/presentationml/2006/main">
+  <p:cSld>
+    <p:spTree>
+      <p:nvGrpSpPr>
+        <p:cNvPr id="1" name="Shape 262"/>
+        <p:cNvGrpSpPr/>
+        <p:nvPr/>
+      </p:nvGrpSpPr>
+      <p:grpSpPr>
+        <a:xfrm>
+          <a:off x="0" y="0"/>
+          <a:ext cx="0" cy="0"/>
+          <a:chOff x="0" y="0"/>
+          <a:chExt cx="0" cy="0"/>
+        </a:xfrm>
+      </p:grpSpPr>
+      <p:sp>
+        <p:nvSpPr>
+          <p:cNvPr id="263" name="Google Shape;263;p63"/>
+          <p:cNvSpPr txBox="1"/>
+          <p:nvPr/>
+        </p:nvSpPr>
+        <p:spPr>
+          <a:xfrm>
+            <a:off x="1635875" y="772125"/>
+            <a:ext cx="7935300" cy="841800"/>
+          </a:xfrm>
+          <a:prstGeom prst="rect">
+            <a:avLst/>
+          </a:prstGeom>
+          <a:noFill/>
+          <a:ln>
+            <a:noFill/>
+          </a:ln>
+        </p:spPr>
+        <p:txBody>
+          <a:bodyPr spcFirstLastPara="1" wrap="square" lIns="91425" tIns="91425" rIns="91425" bIns="91425" anchor="ctr" anchorCtr="0">
+            <a:noAutofit/>
+          </a:bodyPr>
+          <a:lstStyle/>
+          <a:p>
+            <a:pPr marL="0" lvl="0" indent="0" algn="l" rtl="0">
+              <a:spcBef>
+                <a:spcPts val="0"/>
+              </a:spcBef>
+              <a:spcAft>
+                <a:spcPts val="0"/>
+              </a:spcAft>
+              <a:buNone/>
+            </a:pPr>
+            <a:r>
+              <a:rPr lang="ru" sz="2100" b="1">
+                <a:solidFill>
+                  <a:srgbClr val="000000"/>
+                </a:solidFill>
+                <a:latin typeface="Roboto"/>
+                <a:ea typeface="Roboto"/>
+                <a:cs typeface="Roboto"/>
+                <a:sym typeface="Roboto"/>
+              </a:rPr>
+              <a:t>Проверить, идет ли запись</a:t>
+            </a:r>
+            <a:endParaRPr sz="2100" b="1">
+              <a:solidFill>
+                <a:srgbClr val="000000"/>
+              </a:solidFill>
+              <a:latin typeface="Roboto"/>
+              <a:ea typeface="Roboto"/>
+              <a:cs typeface="Roboto"/>
+              <a:sym typeface="Roboto"/>
+            </a:endParaRPr>
+          </a:p>
+        </p:txBody>
+      </p:sp>
+      <p:sp>
+        <p:nvSpPr>
+          <p:cNvPr id="264" name="Google Shape;264;p63"/>
+          <p:cNvSpPr txBox="1"/>
+          <p:nvPr/>
+        </p:nvSpPr>
+        <p:spPr>
+          <a:xfrm>
+            <a:off x="766725" y="1805199"/>
+            <a:ext cx="7935300" cy="1295700"/>
+          </a:xfrm>
+          <a:prstGeom prst="rect">
+            <a:avLst/>
+          </a:prstGeom>
+          <a:noFill/>
+          <a:ln>
+            <a:noFill/>
+          </a:ln>
+        </p:spPr>
+        <p:txBody>
+          <a:bodyPr spcFirstLastPara="1" wrap="square" lIns="91425" tIns="91425" rIns="91425" bIns="91425" anchor="ctr" anchorCtr="0">
+            <a:noAutofit/>
+          </a:bodyPr>
+          <a:lstStyle/>
+          <a:p>
+            <a:pPr marL="0" lvl="0" indent="0" algn="l" rtl="0">
+              <a:spcBef>
+                <a:spcPts val="0"/>
+              </a:spcBef>
+              <a:spcAft>
+                <a:spcPts val="0"/>
+              </a:spcAft>
+              <a:buClr>
+                <a:schemeClr val="dk1"/>
+              </a:buClr>
+              <a:buSzPts val="1100"/>
+              <a:buFont typeface="Arial"/>
+              <a:buNone/>
+            </a:pPr>
+            <a:r>
+              <a:rPr lang="ru" sz="3500" b="1">
+                <a:solidFill>
+                  <a:schemeClr val="dk1"/>
+                </a:solidFill>
+                <a:latin typeface="Roboto"/>
+                <a:ea typeface="Roboto"/>
+                <a:cs typeface="Roboto"/>
+                <a:sym typeface="Roboto"/>
+              </a:rPr>
+              <a:t>Напишите </a:t>
+            </a:r>
+            <a:r>
+              <a:rPr lang="ru" sz="3500" b="1">
+                <a:solidFill>
+                  <a:schemeClr val="dk1"/>
+                </a:solidFill>
+                <a:highlight>
+                  <a:schemeClr val="lt1"/>
+                </a:highlight>
+              </a:rPr>
+              <a:t>«</a:t>
+            </a:r>
+            <a:r>
+              <a:rPr lang="ru" sz="3500" b="1">
+                <a:solidFill>
+                  <a:schemeClr val="dk1"/>
+                </a:solidFill>
+                <a:latin typeface="Roboto"/>
+                <a:ea typeface="Roboto"/>
+                <a:cs typeface="Roboto"/>
+                <a:sym typeface="Roboto"/>
+              </a:rPr>
+              <a:t>+</a:t>
+            </a:r>
+            <a:r>
+              <a:rPr lang="ru" sz="3500" b="1">
+                <a:solidFill>
+                  <a:schemeClr val="dk1"/>
+                </a:solidFill>
+                <a:highlight>
+                  <a:schemeClr val="lt1"/>
+                </a:highlight>
+              </a:rPr>
+              <a:t>»</a:t>
+            </a:r>
+            <a:r>
+              <a:rPr lang="ru" sz="3500" b="1">
+                <a:solidFill>
+                  <a:schemeClr val="dk1"/>
+                </a:solidFill>
+                <a:latin typeface="Roboto"/>
+                <a:ea typeface="Roboto"/>
+                <a:cs typeface="Roboto"/>
+                <a:sym typeface="Roboto"/>
+              </a:rPr>
+              <a:t> в чат, если меня слышно и видно</a:t>
+            </a:r>
+            <a:endParaRPr sz="3500" b="1">
+              <a:solidFill>
+                <a:srgbClr val="000000"/>
+              </a:solidFill>
+              <a:latin typeface="Roboto"/>
+              <a:ea typeface="Roboto"/>
+              <a:cs typeface="Roboto"/>
+              <a:sym typeface="Roboto"/>
+            </a:endParaRPr>
+          </a:p>
+        </p:txBody>
+      </p:sp>
+      <p:pic>
+        <p:nvPicPr>
+          <p:cNvPr id="265" name="Google Shape;265;p63"/>
+          <p:cNvPicPr preferRelativeResize="0"/>
+          <p:nvPr/>
+        </p:nvPicPr>
+        <p:blipFill rotWithShape="1">
+          <a:blip r:embed="rId3">
+            <a:alphaModFix/>
+          </a:blip>
+          <a:srcRect/>
+          <a:stretch/>
+        </p:blipFill>
+        <p:spPr>
+          <a:xfrm>
+            <a:off x="857275" y="3516281"/>
+            <a:ext cx="526796" cy="526800"/>
+          </a:xfrm>
+          <a:prstGeom prst="rect">
+            <a:avLst/>
+          </a:prstGeom>
+          <a:noFill/>
+          <a:ln>
+            <a:noFill/>
+          </a:ln>
+        </p:spPr>
+      </p:pic>
+      <p:pic>
+        <p:nvPicPr>
+          <p:cNvPr id="266" name="Google Shape;266;p63"/>
+          <p:cNvPicPr preferRelativeResize="0"/>
+          <p:nvPr/>
+        </p:nvPicPr>
+        <p:blipFill rotWithShape="1">
+          <a:blip r:embed="rId4">
+            <a:alphaModFix/>
+          </a:blip>
+          <a:srcRect/>
+          <a:stretch/>
+        </p:blipFill>
+        <p:spPr>
+          <a:xfrm>
+            <a:off x="1584856" y="3516281"/>
+            <a:ext cx="526796" cy="526800"/>
+          </a:xfrm>
+          <a:prstGeom prst="rect">
+            <a:avLst/>
+          </a:prstGeom>
+          <a:noFill/>
+          <a:ln>
+            <a:noFill/>
+          </a:ln>
+        </p:spPr>
+      </p:pic>
+      <p:pic>
+        <p:nvPicPr>
+          <p:cNvPr id="267" name="Google Shape;267;p63"/>
+          <p:cNvPicPr preferRelativeResize="0"/>
+          <p:nvPr/>
+        </p:nvPicPr>
+        <p:blipFill rotWithShape="1">
+          <a:blip r:embed="rId5">
+            <a:alphaModFix/>
+          </a:blip>
+          <a:srcRect l="99" r="99"/>
+          <a:stretch/>
+        </p:blipFill>
+        <p:spPr>
+          <a:xfrm>
+            <a:off x="880825" y="1032408"/>
+            <a:ext cx="642317" cy="321159"/>
+          </a:xfrm>
+          <a:prstGeom prst="rect">
+            <a:avLst/>
+          </a:prstGeom>
+          <a:noFill/>
+          <a:ln>
+            <a:noFill/>
+          </a:ln>
+        </p:spPr>
+      </p:pic>
+    </p:spTree>
+  </p:cSld>
+  <p:clrMapOvr>
+    <a:masterClrMapping/>
+  </p:clrMapOvr>
+</p:sld>
+</file>
+
+<file path=ppt/slides/slide20.xml><?xml version="1.0" encoding="utf-8"?>
+<p:sld xmlns:a="http://schemas.openxmlformats.org/drawingml/2006/main" xmlns:r="http://schemas.openxmlformats.org/officeDocument/2006/relationships" xmlns:p="http://schemas.openxmlformats.org/presentationml/2006/main">
+  <p:cSld>
+    <p:spTree>
+      <p:nvGrpSpPr>
+        <p:cNvPr id="1" name=""/>
+        <p:cNvGrpSpPr/>
+        <p:nvPr/>
+      </p:nvGrpSpPr>
+      <p:grpSpPr>
+        <a:xfrm>
+          <a:off x="0" y="0"/>
+          <a:ext cx="0" cy="0"/>
+          <a:chOff x="0" y="0"/>
+          <a:chExt cx="0" cy="0"/>
+        </a:xfrm>
+      </p:grpSpPr>
+      <p:sp>
+        <p:nvSpPr>
+          <p:cNvPr id="3" name="Title 2">
+            <a:extLst>
+              <a:ext uri="{FF2B5EF4-FFF2-40B4-BE49-F238E27FC236}">
+                <a16:creationId xmlns:a16="http://schemas.microsoft.com/office/drawing/2014/main" id="{B53200C2-EEDC-A348-A3AC-B435BA04C6F0}"/>
+              </a:ext>
+            </a:extLst>
+          </p:cNvPr>
+          <p:cNvSpPr>
+            <a:spLocks noGrp="1"/>
+          </p:cNvSpPr>
+          <p:nvPr>
+            <p:ph type="title"/>
+          </p:nvPr>
+        </p:nvSpPr>
+        <p:spPr/>
+        <p:txBody>
+          <a:bodyPr/>
+          <a:lstStyle/>
+          <a:p>
+            <a:r>
+              <a:rPr lang="ru-RU" dirty="0"/>
+              <a:t>Индикаторы технического анализа</a:t>
+            </a:r>
+            <a:endParaRPr lang="en-US" dirty="0"/>
+          </a:p>
+        </p:txBody>
+      </p:sp>
+      <p:sp>
+        <p:nvSpPr>
+          <p:cNvPr id="4" name="TextBox 3">
+            <a:extLst>
+              <a:ext uri="{FF2B5EF4-FFF2-40B4-BE49-F238E27FC236}">
+                <a16:creationId xmlns:a16="http://schemas.microsoft.com/office/drawing/2014/main" id="{D3F3A926-1997-DB46-B2C1-9800956DA368}"/>
+              </a:ext>
+            </a:extLst>
+          </p:cNvPr>
+          <p:cNvSpPr txBox="1"/>
+          <p:nvPr/>
+        </p:nvSpPr>
+        <p:spPr>
+          <a:xfrm>
+            <a:off x="500550" y="1196699"/>
+            <a:ext cx="8520600" cy="738664"/>
+          </a:xfrm>
+          <a:prstGeom prst="rect">
+            <a:avLst/>
+          </a:prstGeom>
+          <a:noFill/>
+        </p:spPr>
+        <p:txBody>
+          <a:bodyPr wrap="square" rtlCol="0">
+            <a:spAutoFit/>
+          </a:bodyPr>
+          <a:lstStyle/>
+          <a:p>
+            <a:pPr>
+              <a:spcAft>
+                <a:spcPts val="1200"/>
+              </a:spcAft>
+            </a:pPr>
+            <a:r>
+              <a:rPr lang="ru-RU" b="1" i="0" u="none" strike="noStrike" dirty="0">
+                <a:solidFill>
+                  <a:srgbClr val="000000"/>
+                </a:solidFill>
+                <a:effectLst/>
+                <a:latin typeface="+mn-lt"/>
+              </a:rPr>
+              <a:t>Полосы </a:t>
+            </a:r>
+            <a:r>
+              <a:rPr lang="ru-RU" b="1" i="0" u="none" strike="noStrike" dirty="0" err="1">
+                <a:solidFill>
+                  <a:srgbClr val="000000"/>
+                </a:solidFill>
+                <a:effectLst/>
+                <a:latin typeface="+mn-lt"/>
+              </a:rPr>
+              <a:t>Боллинджера</a:t>
+            </a:r>
+            <a:r>
+              <a:rPr lang="ru-RU" b="1" i="0" u="none" strike="noStrike" dirty="0">
+                <a:solidFill>
+                  <a:srgbClr val="000000"/>
+                </a:solidFill>
+                <a:effectLst/>
+                <a:latin typeface="+mn-lt"/>
+              </a:rPr>
+              <a:t> </a:t>
+            </a:r>
+            <a:r>
+              <a:rPr lang="ru-RU" b="0" i="0" u="none" strike="noStrike" dirty="0">
+                <a:solidFill>
+                  <a:srgbClr val="000000"/>
+                </a:solidFill>
+                <a:effectLst/>
+                <a:latin typeface="+mn-lt"/>
+              </a:rPr>
+              <a:t>используются для измерения волатильности актива и выявления условий </a:t>
+            </a:r>
+            <a:r>
+              <a:rPr lang="ru-RU" b="0" i="0" u="none" strike="noStrike" dirty="0" err="1">
+                <a:solidFill>
+                  <a:srgbClr val="000000"/>
+                </a:solidFill>
+                <a:effectLst/>
+                <a:latin typeface="+mn-lt"/>
+              </a:rPr>
+              <a:t>перекупленности</a:t>
+            </a:r>
+            <a:r>
+              <a:rPr lang="ru-RU" b="0" i="0" u="none" strike="noStrike" dirty="0">
+                <a:solidFill>
+                  <a:srgbClr val="000000"/>
+                </a:solidFill>
+                <a:effectLst/>
+                <a:latin typeface="+mn-lt"/>
+              </a:rPr>
+              <a:t> и </a:t>
+            </a:r>
+            <a:r>
+              <a:rPr lang="ru-RU" b="0" i="0" u="none" strike="noStrike" dirty="0" err="1">
+                <a:solidFill>
+                  <a:srgbClr val="000000"/>
+                </a:solidFill>
+                <a:effectLst/>
+                <a:latin typeface="+mn-lt"/>
+              </a:rPr>
+              <a:t>перепроданности</a:t>
+            </a:r>
+            <a:r>
+              <a:rPr lang="ru-RU" b="0" i="0" u="none" strike="noStrike" dirty="0">
+                <a:solidFill>
+                  <a:srgbClr val="000000"/>
+                </a:solidFill>
+                <a:effectLst/>
+                <a:latin typeface="+mn-lt"/>
+              </a:rPr>
+              <a:t>. Полосы состоят из скользящей средней (обычно 20-дневной скользящей средней) и двух линий стандартного отклонения выше и ниже скользящей средней.</a:t>
+            </a:r>
+            <a:endParaRPr lang="en-US" dirty="0">
+              <a:latin typeface="+mn-lt"/>
+            </a:endParaRPr>
+          </a:p>
+        </p:txBody>
+      </p:sp>
+      <p:pic>
+        <p:nvPicPr>
+          <p:cNvPr id="5" name="Picture 4">
+            <a:extLst>
+              <a:ext uri="{FF2B5EF4-FFF2-40B4-BE49-F238E27FC236}">
+                <a16:creationId xmlns:a16="http://schemas.microsoft.com/office/drawing/2014/main" id="{4C1B3F4D-7B3E-FC46-860E-9B9E155E5189}"/>
+              </a:ext>
+            </a:extLst>
+          </p:cNvPr>
+          <p:cNvPicPr>
+            <a:picLocks noChangeAspect="1"/>
+          </p:cNvPicPr>
+          <p:nvPr/>
+        </p:nvPicPr>
+        <p:blipFill>
+          <a:blip r:embed="rId2"/>
+          <a:stretch>
+            <a:fillRect/>
+          </a:stretch>
+        </p:blipFill>
+        <p:spPr>
+          <a:xfrm>
+            <a:off x="5253195" y="2163121"/>
+            <a:ext cx="3890803" cy="2801378"/>
+          </a:xfrm>
+          <a:prstGeom prst="rect">
+            <a:avLst/>
+          </a:prstGeom>
+        </p:spPr>
+      </p:pic>
+      <p:sp>
+        <p:nvSpPr>
+          <p:cNvPr id="8" name="TextBox 7">
+            <a:extLst>
+              <a:ext uri="{FF2B5EF4-FFF2-40B4-BE49-F238E27FC236}">
+                <a16:creationId xmlns:a16="http://schemas.microsoft.com/office/drawing/2014/main" id="{BB8BFA9F-9585-2B42-BECA-078BD995864F}"/>
+              </a:ext>
+            </a:extLst>
+          </p:cNvPr>
+          <p:cNvSpPr txBox="1"/>
+          <p:nvPr/>
+        </p:nvSpPr>
+        <p:spPr>
+          <a:xfrm>
+            <a:off x="500550" y="2102177"/>
+            <a:ext cx="4752645" cy="2785378"/>
+          </a:xfrm>
+          <a:prstGeom prst="rect">
+            <a:avLst/>
+          </a:prstGeom>
+          <a:noFill/>
+        </p:spPr>
+        <p:txBody>
+          <a:bodyPr wrap="square" rtlCol="0">
+            <a:spAutoFit/>
+          </a:bodyPr>
+          <a:lstStyle/>
+          <a:p>
+            <a:pPr algn="l">
+              <a:buFont typeface="+mj-lt"/>
+              <a:buAutoNum type="arabicPeriod"/>
+            </a:pPr>
+            <a:r>
+              <a:rPr lang="ru-RU" sz="1000" b="1" i="0" u="none" strike="noStrike" dirty="0">
+                <a:solidFill>
+                  <a:srgbClr val="000000"/>
+                </a:solidFill>
+                <a:effectLst/>
+              </a:rPr>
+              <a:t>Идентификация волатильности:</a:t>
+            </a:r>
+            <a:endParaRPr lang="ru-RU" sz="1000" b="0" i="0" u="none" strike="noStrike" dirty="0">
+              <a:solidFill>
+                <a:srgbClr val="000000"/>
+              </a:solidFill>
+              <a:effectLst/>
+            </a:endParaRPr>
+          </a:p>
+          <a:p>
+            <a:pPr marL="268288" lvl="1" indent="-177800">
+              <a:buFont typeface="Arial" panose="020B0604020202020204" pitchFamily="34" charset="0"/>
+              <a:buChar char="•"/>
+            </a:pPr>
+            <a:r>
+              <a:rPr lang="ru-RU" sz="1000" dirty="0"/>
+              <a:t>Когда полосы расширяются/сужаются, это указывает на увеличение/снижение волатильности.</a:t>
+            </a:r>
+          </a:p>
+          <a:p>
+            <a:pPr algn="l">
+              <a:spcBef>
+                <a:spcPts val="600"/>
+              </a:spcBef>
+              <a:buFont typeface="+mj-lt"/>
+              <a:buAutoNum type="arabicPeriod"/>
+            </a:pPr>
+            <a:r>
+              <a:rPr lang="ru-RU" sz="1000" b="1" i="0" u="none" strike="noStrike" dirty="0">
+                <a:solidFill>
+                  <a:srgbClr val="000000"/>
+                </a:solidFill>
+                <a:effectLst/>
+              </a:rPr>
+              <a:t>Сигналы на покупку и продажу:</a:t>
+            </a:r>
+            <a:endParaRPr lang="ru-RU" sz="1000" b="0" i="0" u="none" strike="noStrike" dirty="0">
+              <a:solidFill>
+                <a:srgbClr val="000000"/>
+              </a:solidFill>
+              <a:effectLst/>
+            </a:endParaRPr>
+          </a:p>
+          <a:p>
+            <a:pPr marL="268288" lvl="1" indent="-177800">
+              <a:buFont typeface="Arial" panose="020B0604020202020204" pitchFamily="34" charset="0"/>
+              <a:buChar char="•"/>
+            </a:pPr>
+            <a:r>
+              <a:rPr lang="ru-RU" sz="1000" dirty="0"/>
+              <a:t>Когда цена актива пересекает верхнюю полосу, это может быть сигналом </a:t>
+            </a:r>
+            <a:r>
+              <a:rPr lang="ru-RU" sz="1000" dirty="0" err="1"/>
+              <a:t>перекупленности</a:t>
+            </a:r>
+            <a:r>
+              <a:rPr lang="ru-RU" sz="1000" dirty="0"/>
+              <a:t> и возможного разворота вниз.</a:t>
+            </a:r>
+          </a:p>
+          <a:p>
+            <a:pPr marL="268288" lvl="1" indent="-177800">
+              <a:buFont typeface="Arial" panose="020B0604020202020204" pitchFamily="34" charset="0"/>
+              <a:buChar char="•"/>
+            </a:pPr>
+            <a:r>
+              <a:rPr lang="ru-RU" sz="1000" dirty="0"/>
+              <a:t>Когда цена актива пересекает нижнюю полосу, это может быть сигналом </a:t>
+            </a:r>
+            <a:r>
+              <a:rPr lang="ru-RU" sz="1000" dirty="0" err="1"/>
+              <a:t>перепроданности</a:t>
+            </a:r>
+            <a:r>
+              <a:rPr lang="ru-RU" sz="1000" dirty="0"/>
+              <a:t> и возможного разворота вверх.</a:t>
+            </a:r>
+          </a:p>
+          <a:p>
+            <a:pPr algn="l">
+              <a:spcBef>
+                <a:spcPts val="600"/>
+              </a:spcBef>
+              <a:buFont typeface="+mj-lt"/>
+              <a:buAutoNum type="arabicPeriod"/>
+            </a:pPr>
+            <a:r>
+              <a:rPr lang="ru-RU" sz="1000" b="1" i="0" u="none" strike="noStrike" dirty="0">
+                <a:solidFill>
+                  <a:srgbClr val="000000"/>
+                </a:solidFill>
+                <a:effectLst/>
+              </a:rPr>
+              <a:t>Торговля на отскок:</a:t>
+            </a:r>
+            <a:endParaRPr lang="ru-RU" sz="1000" b="0" i="0" u="none" strike="noStrike" dirty="0">
+              <a:solidFill>
+                <a:srgbClr val="000000"/>
+              </a:solidFill>
+              <a:effectLst/>
+            </a:endParaRPr>
+          </a:p>
+          <a:p>
+            <a:pPr marL="268288" lvl="1" indent="-177800">
+              <a:buFont typeface="Arial" panose="020B0604020202020204" pitchFamily="34" charset="0"/>
+              <a:buChar char="•"/>
+            </a:pPr>
+            <a:r>
+              <a:rPr lang="ru-RU" sz="1000" dirty="0"/>
+              <a:t>Трейдеры могут использовать полосы </a:t>
+            </a:r>
+            <a:r>
+              <a:rPr lang="ru-RU" sz="1000" dirty="0" err="1"/>
+              <a:t>Боллинджера</a:t>
+            </a:r>
+            <a:r>
+              <a:rPr lang="ru-RU" sz="1000" dirty="0"/>
+              <a:t> для торговли на отскок, покупая, когда цена касается нижней полосы, и продавая, когда она касается верхней полосы.</a:t>
+            </a:r>
+          </a:p>
+          <a:p>
+            <a:pPr algn="l">
+              <a:spcBef>
+                <a:spcPts val="600"/>
+              </a:spcBef>
+              <a:buFont typeface="+mj-lt"/>
+              <a:buAutoNum type="arabicPeriod"/>
+            </a:pPr>
+            <a:r>
+              <a:rPr lang="ru-RU" sz="1000" b="1" i="0" u="none" strike="noStrike" dirty="0">
+                <a:solidFill>
+                  <a:srgbClr val="000000"/>
+                </a:solidFill>
+                <a:effectLst/>
+              </a:rPr>
+              <a:t>Подтверждение трендов:</a:t>
+            </a:r>
+            <a:endParaRPr lang="ru-RU" sz="1000" b="0" i="0" u="none" strike="noStrike" dirty="0">
+              <a:solidFill>
+                <a:srgbClr val="000000"/>
+              </a:solidFill>
+              <a:effectLst/>
+            </a:endParaRPr>
+          </a:p>
+          <a:p>
+            <a:pPr marL="268288" lvl="1" indent="-177800" algn="l">
+              <a:buFont typeface="Arial" panose="020B0604020202020204" pitchFamily="34" charset="0"/>
+              <a:buChar char="•"/>
+            </a:pPr>
+            <a:r>
+              <a:rPr lang="ru-RU" sz="1000" b="0" i="0" u="none" strike="noStrike" dirty="0">
+                <a:solidFill>
+                  <a:srgbClr val="000000"/>
+                </a:solidFill>
+                <a:effectLst/>
+              </a:rPr>
+              <a:t>Если цена постоянно прикасается к верхней полосе в восходящем тренде или к нижней полосе в нисходящем тренде, это может служить подтверждением силы текущего тренда.</a:t>
+            </a:r>
+          </a:p>
+        </p:txBody>
+      </p:sp>
+    </p:spTree>
+    <p:extLst>
+      <p:ext uri="{BB962C8B-B14F-4D97-AF65-F5344CB8AC3E}">
+        <p14:creationId xmlns:p14="http://schemas.microsoft.com/office/powerpoint/2010/main" val="1859781004"/>
+      </p:ext>
+    </p:extLst>
+  </p:cSld>
+  <p:clrMapOvr>
+    <a:masterClrMapping/>
+  </p:clrMapOvr>
+</p:sld>
+</file>
+
+<file path=ppt/slides/slide21.xml><?xml version="1.0" encoding="utf-8"?>
+<p:sld xmlns:a="http://schemas.openxmlformats.org/drawingml/2006/main" xmlns:r="http://schemas.openxmlformats.org/officeDocument/2006/relationships" xmlns:p="http://schemas.openxmlformats.org/presentationml/2006/main">
+  <p:cSld>
+    <p:spTree>
+      <p:nvGrpSpPr>
+        <p:cNvPr id="1" name=""/>
+        <p:cNvGrpSpPr/>
+        <p:nvPr/>
+      </p:nvGrpSpPr>
+      <p:grpSpPr>
+        <a:xfrm>
+          <a:off x="0" y="0"/>
+          <a:ext cx="0" cy="0"/>
+          <a:chOff x="0" y="0"/>
+          <a:chExt cx="0" cy="0"/>
+        </a:xfrm>
+      </p:grpSpPr>
+      <p:sp>
+        <p:nvSpPr>
+          <p:cNvPr id="3" name="Title 2">
+            <a:extLst>
+              <a:ext uri="{FF2B5EF4-FFF2-40B4-BE49-F238E27FC236}">
+                <a16:creationId xmlns:a16="http://schemas.microsoft.com/office/drawing/2014/main" id="{B53200C2-EEDC-A348-A3AC-B435BA04C6F0}"/>
+              </a:ext>
+            </a:extLst>
+          </p:cNvPr>
+          <p:cNvSpPr>
+            <a:spLocks noGrp="1"/>
+          </p:cNvSpPr>
+          <p:nvPr>
+            <p:ph type="title"/>
+          </p:nvPr>
+        </p:nvSpPr>
+        <p:spPr/>
+        <p:txBody>
+          <a:bodyPr/>
+          <a:lstStyle/>
+          <a:p>
+            <a:r>
+              <a:rPr lang="ru-RU" dirty="0"/>
+              <a:t>Индикаторы технического анализа</a:t>
+            </a:r>
+            <a:endParaRPr lang="en-US" dirty="0"/>
+          </a:p>
+        </p:txBody>
+      </p:sp>
+      <p:sp>
+        <p:nvSpPr>
+          <p:cNvPr id="4" name="TextBox 3">
+            <a:extLst>
+              <a:ext uri="{FF2B5EF4-FFF2-40B4-BE49-F238E27FC236}">
+                <a16:creationId xmlns:a16="http://schemas.microsoft.com/office/drawing/2014/main" id="{D3F3A926-1997-DB46-B2C1-9800956DA368}"/>
+              </a:ext>
+            </a:extLst>
+          </p:cNvPr>
+          <p:cNvSpPr txBox="1"/>
+          <p:nvPr/>
+        </p:nvSpPr>
+        <p:spPr>
+          <a:xfrm>
+            <a:off x="500550" y="1196699"/>
+            <a:ext cx="8520600" cy="738664"/>
+          </a:xfrm>
+          <a:prstGeom prst="rect">
+            <a:avLst/>
+          </a:prstGeom>
+          <a:noFill/>
+        </p:spPr>
+        <p:txBody>
+          <a:bodyPr wrap="square" rtlCol="0">
+            <a:spAutoFit/>
+          </a:bodyPr>
+          <a:lstStyle/>
+          <a:p>
+            <a:pPr>
+              <a:spcAft>
+                <a:spcPts val="1200"/>
+              </a:spcAft>
+            </a:pPr>
+            <a:r>
+              <a:rPr lang="ru-RU" b="1" i="0" u="none" strike="noStrike" dirty="0">
+                <a:solidFill>
+                  <a:srgbClr val="000000"/>
+                </a:solidFill>
+                <a:effectLst/>
+                <a:latin typeface="+mn-lt"/>
+              </a:rPr>
+              <a:t>Индикатор относительной силы</a:t>
+            </a:r>
+            <a:r>
+              <a:rPr lang="ru-RU" b="0" i="0" u="none" strike="noStrike" dirty="0">
+                <a:solidFill>
+                  <a:srgbClr val="000000"/>
+                </a:solidFill>
+                <a:effectLst/>
+                <a:latin typeface="+mn-lt"/>
+              </a:rPr>
+              <a:t> (</a:t>
+            </a:r>
+            <a:r>
+              <a:rPr lang="en-US" b="0" i="0" u="none" strike="noStrike" dirty="0">
+                <a:solidFill>
+                  <a:srgbClr val="000000"/>
+                </a:solidFill>
+                <a:effectLst/>
+                <a:latin typeface="+mn-lt"/>
+              </a:rPr>
+              <a:t>Relative Strength Index, RSI) - </a:t>
+            </a:r>
+            <a:r>
+              <a:rPr lang="ru-RU" b="0" i="0" u="none" strike="noStrike" dirty="0">
+                <a:solidFill>
+                  <a:srgbClr val="000000"/>
+                </a:solidFill>
+                <a:effectLst/>
+                <a:latin typeface="+mn-lt"/>
+              </a:rPr>
+              <a:t>индикатор импульса, который сравнивает величину недавних достижений с недавними потерями, чтобы определить условия </a:t>
+            </a:r>
+            <a:r>
+              <a:rPr lang="ru-RU" b="0" i="0" u="none" strike="noStrike" dirty="0" err="1">
+                <a:solidFill>
+                  <a:srgbClr val="000000"/>
+                </a:solidFill>
+                <a:effectLst/>
+                <a:latin typeface="+mn-lt"/>
+              </a:rPr>
+              <a:t>перекупленности</a:t>
+            </a:r>
+            <a:r>
+              <a:rPr lang="ru-RU" b="0" i="0" u="none" strike="noStrike" dirty="0">
+                <a:solidFill>
+                  <a:srgbClr val="000000"/>
+                </a:solidFill>
+                <a:effectLst/>
+                <a:latin typeface="+mn-lt"/>
+              </a:rPr>
+              <a:t> и </a:t>
+            </a:r>
+            <a:r>
+              <a:rPr lang="ru-RU" b="0" i="0" u="none" strike="noStrike" dirty="0" err="1">
+                <a:solidFill>
+                  <a:srgbClr val="000000"/>
+                </a:solidFill>
+                <a:effectLst/>
+                <a:latin typeface="+mn-lt"/>
+              </a:rPr>
+              <a:t>перепроданности</a:t>
+            </a:r>
+            <a:r>
+              <a:rPr lang="ru-RU" b="0" i="0" u="none" strike="noStrike" dirty="0">
+                <a:solidFill>
+                  <a:srgbClr val="000000"/>
+                </a:solidFill>
+                <a:effectLst/>
+                <a:latin typeface="+mn-lt"/>
+              </a:rPr>
+              <a:t>.</a:t>
+            </a:r>
+          </a:p>
+        </p:txBody>
+      </p:sp>
+      <p:sp>
+        <p:nvSpPr>
+          <p:cNvPr id="8" name="TextBox 7">
+            <a:extLst>
+              <a:ext uri="{FF2B5EF4-FFF2-40B4-BE49-F238E27FC236}">
+                <a16:creationId xmlns:a16="http://schemas.microsoft.com/office/drawing/2014/main" id="{BB8BFA9F-9585-2B42-BECA-078BD995864F}"/>
+              </a:ext>
+            </a:extLst>
+          </p:cNvPr>
+          <p:cNvSpPr txBox="1"/>
+          <p:nvPr/>
+        </p:nvSpPr>
+        <p:spPr>
+          <a:xfrm>
+            <a:off x="500550" y="2362021"/>
+            <a:ext cx="4260300" cy="2400657"/>
+          </a:xfrm>
+          <a:prstGeom prst="rect">
+            <a:avLst/>
+          </a:prstGeom>
+          <a:noFill/>
+        </p:spPr>
+        <p:txBody>
+          <a:bodyPr wrap="square" rtlCol="0">
+            <a:spAutoFit/>
+          </a:bodyPr>
+          <a:lstStyle/>
+          <a:p>
+            <a:pPr algn="l">
+              <a:buFont typeface="+mj-lt"/>
+              <a:buAutoNum type="arabicPeriod"/>
+            </a:pPr>
+            <a:r>
+              <a:rPr lang="ru-RU" sz="1000" b="1" i="0" u="none" strike="noStrike" dirty="0">
+                <a:solidFill>
+                  <a:srgbClr val="000000"/>
+                </a:solidFill>
+                <a:effectLst/>
+              </a:rPr>
+              <a:t>Идентификация волатильности:</a:t>
+            </a:r>
+            <a:endParaRPr lang="ru-RU" sz="1000" b="0" i="0" u="none" strike="noStrike" dirty="0">
+              <a:solidFill>
+                <a:srgbClr val="000000"/>
+              </a:solidFill>
+              <a:effectLst/>
+            </a:endParaRPr>
+          </a:p>
+          <a:p>
+            <a:pPr marL="268288" lvl="1" indent="-177800">
+              <a:buFont typeface="Arial" panose="020B0604020202020204" pitchFamily="34" charset="0"/>
+              <a:buChar char="•"/>
+            </a:pPr>
+            <a:r>
+              <a:rPr lang="ru-RU" sz="1000" dirty="0"/>
+              <a:t>Когда полосы расширяются/сужаются, это указывает на увеличение/снижение волатильности.</a:t>
+            </a:r>
+          </a:p>
+          <a:p>
+            <a:pPr algn="l">
+              <a:spcBef>
+                <a:spcPts val="600"/>
+              </a:spcBef>
+              <a:buFont typeface="+mj-lt"/>
+              <a:buAutoNum type="arabicPeriod"/>
+            </a:pPr>
+            <a:r>
+              <a:rPr lang="ru-RU" sz="1000" b="1" i="0" u="none" strike="noStrike" dirty="0">
+                <a:solidFill>
+                  <a:srgbClr val="000000"/>
+                </a:solidFill>
+                <a:effectLst/>
+              </a:rPr>
+              <a:t>Определение </a:t>
+            </a:r>
+            <a:r>
+              <a:rPr lang="ru-RU" sz="1000" b="1" i="0" u="none" strike="noStrike" dirty="0" err="1">
+                <a:solidFill>
+                  <a:srgbClr val="000000"/>
+                </a:solidFill>
+                <a:effectLst/>
+              </a:rPr>
+              <a:t>перекупленности</a:t>
+            </a:r>
+            <a:r>
+              <a:rPr lang="ru-RU" sz="1000" b="1" i="0" u="none" strike="noStrike" dirty="0">
+                <a:solidFill>
+                  <a:srgbClr val="000000"/>
+                </a:solidFill>
+                <a:effectLst/>
+              </a:rPr>
+              <a:t> и </a:t>
+            </a:r>
+            <a:r>
+              <a:rPr lang="ru-RU" sz="1000" b="1" i="0" u="none" strike="noStrike" dirty="0" err="1">
+                <a:solidFill>
+                  <a:srgbClr val="000000"/>
+                </a:solidFill>
+                <a:effectLst/>
+              </a:rPr>
+              <a:t>перепроданности</a:t>
+            </a:r>
+            <a:r>
+              <a:rPr lang="ru-RU" sz="1000" b="1" i="0" u="none" strike="noStrike" dirty="0">
+                <a:solidFill>
+                  <a:srgbClr val="000000"/>
+                </a:solidFill>
+                <a:effectLst/>
+              </a:rPr>
+              <a:t>:</a:t>
+            </a:r>
+          </a:p>
+          <a:p>
+            <a:pPr marL="268288" lvl="1" indent="-177800">
+              <a:buFont typeface="Arial" panose="020B0604020202020204" pitchFamily="34" charset="0"/>
+              <a:buChar char="•"/>
+            </a:pPr>
+            <a:r>
+              <a:rPr lang="ru-RU" sz="1000" dirty="0"/>
+              <a:t>Когда </a:t>
+            </a:r>
+            <a:r>
+              <a:rPr lang="en-US" sz="1000" dirty="0"/>
+              <a:t>RSI </a:t>
+            </a:r>
+            <a:r>
+              <a:rPr lang="ru-RU" sz="1000" dirty="0"/>
+              <a:t>выше 70, это может указывать на </a:t>
+            </a:r>
+            <a:r>
+              <a:rPr lang="ru-RU" sz="1000" dirty="0" err="1"/>
+              <a:t>перекупленность</a:t>
+            </a:r>
+            <a:r>
+              <a:rPr lang="ru-RU" sz="1000" dirty="0"/>
+              <a:t> актива, и трейдеры могут рассматривать возможность продажи.</a:t>
+            </a:r>
+          </a:p>
+          <a:p>
+            <a:pPr marL="268288" lvl="1" indent="-177800">
+              <a:buFont typeface="Arial" panose="020B0604020202020204" pitchFamily="34" charset="0"/>
+              <a:buChar char="•"/>
+            </a:pPr>
+            <a:r>
+              <a:rPr lang="ru-RU" sz="1000" dirty="0"/>
+              <a:t>Когда </a:t>
+            </a:r>
+            <a:r>
+              <a:rPr lang="en-US" sz="1000" dirty="0"/>
+              <a:t>RSI </a:t>
+            </a:r>
+            <a:r>
+              <a:rPr lang="ru-RU" sz="1000" dirty="0"/>
+              <a:t>ниже 30, это может указывать на </a:t>
+            </a:r>
+            <a:r>
+              <a:rPr lang="ru-RU" sz="1000" dirty="0" err="1"/>
+              <a:t>перепроданность</a:t>
+            </a:r>
+            <a:r>
+              <a:rPr lang="ru-RU" sz="1000" dirty="0"/>
+              <a:t> актива, и трейдеры могут рассматривать возможность покупки.</a:t>
+            </a:r>
+          </a:p>
+          <a:p>
+            <a:pPr algn="l">
+              <a:spcBef>
+                <a:spcPts val="600"/>
+              </a:spcBef>
+              <a:buFont typeface="+mj-lt"/>
+              <a:buAutoNum type="arabicPeriod"/>
+            </a:pPr>
+            <a:r>
+              <a:rPr lang="ru-RU" sz="1000" b="1" i="0" u="none" strike="noStrike" dirty="0">
+                <a:solidFill>
+                  <a:srgbClr val="000000"/>
+                </a:solidFill>
+                <a:effectLst/>
+              </a:rPr>
+              <a:t>Сигналы на пересечении:</a:t>
+            </a:r>
+          </a:p>
+          <a:p>
+            <a:pPr marL="268288" lvl="1" indent="-177800">
+              <a:buFont typeface="Arial" panose="020B0604020202020204" pitchFamily="34" charset="0"/>
+              <a:buChar char="•"/>
+            </a:pPr>
+            <a:r>
+              <a:rPr lang="ru-RU" sz="1000" dirty="0"/>
+              <a:t>Некоторые трейдеры используют пересечение уровня 50 в </a:t>
+            </a:r>
+            <a:r>
+              <a:rPr lang="en-US" sz="1000" dirty="0"/>
+              <a:t>RSI </a:t>
+            </a:r>
+            <a:r>
+              <a:rPr lang="ru-RU" sz="1000" dirty="0"/>
+              <a:t>как сигнал на покупку или продажу. Когда </a:t>
+            </a:r>
+            <a:r>
+              <a:rPr lang="en-US" sz="1000" dirty="0"/>
+              <a:t>RSI </a:t>
+            </a:r>
+            <a:r>
+              <a:rPr lang="ru-RU" sz="1000" dirty="0"/>
+              <a:t>пересекает уровень 50 сверху вниз, это может быть сигналом на продажу, и наоборот.</a:t>
+            </a:r>
+          </a:p>
+        </p:txBody>
+      </p:sp>
+      <p:pic>
+        <p:nvPicPr>
+          <p:cNvPr id="7" name="Picture 6">
+            <a:extLst>
+              <a:ext uri="{FF2B5EF4-FFF2-40B4-BE49-F238E27FC236}">
+                <a16:creationId xmlns:a16="http://schemas.microsoft.com/office/drawing/2014/main" id="{F266DCB6-219C-3F43-98CA-0E5180660955}"/>
+              </a:ext>
+            </a:extLst>
+          </p:cNvPr>
+          <p:cNvPicPr>
+            <a:picLocks noChangeAspect="1"/>
+          </p:cNvPicPr>
+          <p:nvPr/>
+        </p:nvPicPr>
+        <p:blipFill>
+          <a:blip r:embed="rId2"/>
+          <a:stretch>
+            <a:fillRect/>
+          </a:stretch>
+        </p:blipFill>
+        <p:spPr>
+          <a:xfrm>
+            <a:off x="4775200" y="1928536"/>
+            <a:ext cx="4368800" cy="3162300"/>
+          </a:xfrm>
+          <a:prstGeom prst="rect">
+            <a:avLst/>
+          </a:prstGeom>
+        </p:spPr>
+      </p:pic>
+    </p:spTree>
+    <p:extLst>
+      <p:ext uri="{BB962C8B-B14F-4D97-AF65-F5344CB8AC3E}">
+        <p14:creationId xmlns:p14="http://schemas.microsoft.com/office/powerpoint/2010/main" val="1637873049"/>
+      </p:ext>
+    </p:extLst>
+  </p:cSld>
+  <p:clrMapOvr>
+    <a:masterClrMapping/>
+  </p:clrMapOvr>
+</p:sld>
+</file>
+
+<file path=ppt/slides/slide22.xml><?xml version="1.0" encoding="utf-8"?>
+<p:sld xmlns:a="http://schemas.openxmlformats.org/drawingml/2006/main" xmlns:r="http://schemas.openxmlformats.org/officeDocument/2006/relationships" xmlns:p="http://schemas.openxmlformats.org/presentationml/2006/main">
+  <p:cSld>
+    <p:spTree>
+      <p:nvGrpSpPr>
+        <p:cNvPr id="1" name=""/>
+        <p:cNvGrpSpPr/>
+        <p:nvPr/>
+      </p:nvGrpSpPr>
+      <p:grpSpPr>
+        <a:xfrm>
+          <a:off x="0" y="0"/>
+          <a:ext cx="0" cy="0"/>
+          <a:chOff x="0" y="0"/>
+          <a:chExt cx="0" cy="0"/>
+        </a:xfrm>
+      </p:grpSpPr>
+      <p:sp>
+        <p:nvSpPr>
+          <p:cNvPr id="3" name="Title 2">
+            <a:extLst>
+              <a:ext uri="{FF2B5EF4-FFF2-40B4-BE49-F238E27FC236}">
+                <a16:creationId xmlns:a16="http://schemas.microsoft.com/office/drawing/2014/main" id="{B53200C2-EEDC-A348-A3AC-B435BA04C6F0}"/>
+              </a:ext>
+            </a:extLst>
+          </p:cNvPr>
+          <p:cNvSpPr>
+            <a:spLocks noGrp="1"/>
+          </p:cNvSpPr>
+          <p:nvPr>
+            <p:ph type="title"/>
+          </p:nvPr>
+        </p:nvSpPr>
+        <p:spPr/>
+        <p:txBody>
+          <a:bodyPr/>
+          <a:lstStyle/>
+          <a:p>
+            <a:r>
+              <a:rPr lang="ru-RU" dirty="0"/>
+              <a:t>Индикаторы технического анализа</a:t>
+            </a:r>
+            <a:endParaRPr lang="en-US" dirty="0"/>
+          </a:p>
+        </p:txBody>
+      </p:sp>
+      <p:sp>
+        <p:nvSpPr>
+          <p:cNvPr id="4" name="TextBox 3">
+            <a:extLst>
+              <a:ext uri="{FF2B5EF4-FFF2-40B4-BE49-F238E27FC236}">
+                <a16:creationId xmlns:a16="http://schemas.microsoft.com/office/drawing/2014/main" id="{D3F3A926-1997-DB46-B2C1-9800956DA368}"/>
+              </a:ext>
+            </a:extLst>
+          </p:cNvPr>
+          <p:cNvSpPr txBox="1"/>
+          <p:nvPr/>
+        </p:nvSpPr>
+        <p:spPr>
+          <a:xfrm>
+            <a:off x="500550" y="1196699"/>
+            <a:ext cx="8520600" cy="738664"/>
+          </a:xfrm>
+          <a:prstGeom prst="rect">
+            <a:avLst/>
+          </a:prstGeom>
+          <a:noFill/>
+        </p:spPr>
+        <p:txBody>
+          <a:bodyPr wrap="square" rtlCol="0">
+            <a:spAutoFit/>
+          </a:bodyPr>
+          <a:lstStyle/>
+          <a:p>
+            <a:pPr>
+              <a:spcAft>
+                <a:spcPts val="1200"/>
+              </a:spcAft>
+            </a:pPr>
+            <a:r>
+              <a:rPr lang="en-US" b="1" i="0" u="none" strike="noStrike" dirty="0">
+                <a:solidFill>
+                  <a:srgbClr val="000000"/>
+                </a:solidFill>
+                <a:effectLst/>
+                <a:latin typeface="-webkit-standard"/>
+              </a:rPr>
+              <a:t>MACD (Moving Average Convergence Divergence)</a:t>
+            </a:r>
+            <a:r>
+              <a:rPr lang="ru-RU" b="0" i="0" u="none" strike="noStrike" dirty="0">
+                <a:solidFill>
+                  <a:srgbClr val="000000"/>
+                </a:solidFill>
+                <a:effectLst/>
+                <a:latin typeface="-webkit-standard"/>
+              </a:rPr>
+              <a:t> - это индикатор следования за трендом, который измеряет разницу между краткосрочной скользящей средней и долгосрочной скользящей средней</a:t>
+            </a:r>
+            <a:r>
+              <a:rPr lang="ru-RU" dirty="0">
+                <a:latin typeface="-webkit-standard"/>
+              </a:rPr>
+              <a:t>, предназначен для выявления изменений в силе, направлении, импульсе и продолжительности тренда цены актива.</a:t>
+            </a:r>
+          </a:p>
+        </p:txBody>
+      </p:sp>
+      <p:sp>
+        <p:nvSpPr>
+          <p:cNvPr id="8" name="TextBox 7">
+            <a:extLst>
+              <a:ext uri="{FF2B5EF4-FFF2-40B4-BE49-F238E27FC236}">
+                <a16:creationId xmlns:a16="http://schemas.microsoft.com/office/drawing/2014/main" id="{BB8BFA9F-9585-2B42-BECA-078BD995864F}"/>
+              </a:ext>
+            </a:extLst>
+          </p:cNvPr>
+          <p:cNvSpPr txBox="1"/>
+          <p:nvPr/>
+        </p:nvSpPr>
+        <p:spPr>
+          <a:xfrm>
+            <a:off x="500550" y="2571750"/>
+            <a:ext cx="3880950" cy="1862048"/>
+          </a:xfrm>
+          <a:prstGeom prst="rect">
+            <a:avLst/>
+          </a:prstGeom>
+          <a:noFill/>
+        </p:spPr>
+        <p:txBody>
+          <a:bodyPr wrap="square" rtlCol="0">
+            <a:spAutoFit/>
+          </a:bodyPr>
+          <a:lstStyle/>
+          <a:p>
+            <a:pPr marL="228600" indent="-228600">
+              <a:buFont typeface="+mj-lt"/>
+              <a:buAutoNum type="arabicPeriod"/>
+            </a:pPr>
+            <a:r>
+              <a:rPr lang="ru-RU" sz="1000" b="1" dirty="0"/>
+              <a:t>Пересечение </a:t>
+            </a:r>
+            <a:r>
+              <a:rPr lang="en-US" sz="1000" b="1" dirty="0"/>
+              <a:t>MACD </a:t>
+            </a:r>
+            <a:r>
+              <a:rPr lang="ru-RU" sz="1000" b="1" dirty="0"/>
+              <a:t>и сигнальной линии:</a:t>
+            </a:r>
+          </a:p>
+          <a:p>
+            <a:pPr marL="268288" lvl="1" indent="-177800">
+              <a:buFont typeface="Arial" panose="020B0604020202020204" pitchFamily="34" charset="0"/>
+              <a:buChar char="•"/>
+            </a:pPr>
+            <a:r>
+              <a:rPr lang="ru-RU" sz="1000" dirty="0"/>
+              <a:t>Когда линия </a:t>
+            </a:r>
+            <a:r>
+              <a:rPr lang="en-US" sz="1000" dirty="0"/>
+              <a:t>MACD </a:t>
+            </a:r>
+            <a:r>
+              <a:rPr lang="ru-RU" sz="1000" dirty="0"/>
+              <a:t>пересекает сигнальную линию снизу вверх, это считается бычьим сигналом на покупку.</a:t>
+            </a:r>
+          </a:p>
+          <a:p>
+            <a:pPr marL="268288" lvl="1" indent="-177800">
+              <a:buFont typeface="Arial" panose="020B0604020202020204" pitchFamily="34" charset="0"/>
+              <a:buChar char="•"/>
+            </a:pPr>
+            <a:r>
+              <a:rPr lang="ru-RU" sz="1000" dirty="0"/>
+              <a:t>Когда линия </a:t>
+            </a:r>
+            <a:r>
+              <a:rPr lang="en-US" sz="1000" dirty="0"/>
+              <a:t>MACD </a:t>
+            </a:r>
+            <a:r>
+              <a:rPr lang="ru-RU" sz="1000" dirty="0"/>
+              <a:t>пересекает сигнальную линию сверху вниз, это считается медвежьим сигналом на продажу.</a:t>
+            </a:r>
+          </a:p>
+          <a:p>
+            <a:pPr marL="228600" indent="-228600">
+              <a:spcBef>
+                <a:spcPts val="600"/>
+              </a:spcBef>
+              <a:buFont typeface="+mj-lt"/>
+              <a:buAutoNum type="arabicPeriod"/>
+            </a:pPr>
+            <a:r>
+              <a:rPr lang="ru-RU" sz="1000" b="1" dirty="0"/>
+              <a:t>Положение линии </a:t>
+            </a:r>
+            <a:r>
+              <a:rPr lang="en-US" sz="1000" b="1" dirty="0"/>
+              <a:t>MACD </a:t>
+            </a:r>
+            <a:r>
+              <a:rPr lang="ru-RU" sz="1000" b="1" dirty="0"/>
+              <a:t>относительно нулевой линии:</a:t>
+            </a:r>
+          </a:p>
+          <a:p>
+            <a:pPr marL="268288" lvl="1" indent="-177800">
+              <a:buFont typeface="Arial" panose="020B0604020202020204" pitchFamily="34" charset="0"/>
+              <a:buChar char="•"/>
+            </a:pPr>
+            <a:r>
+              <a:rPr lang="ru-RU" sz="1000" dirty="0"/>
+              <a:t>Когда линия </a:t>
+            </a:r>
+            <a:r>
+              <a:rPr lang="en-US" sz="1000" dirty="0"/>
+              <a:t>MACD </a:t>
+            </a:r>
+            <a:r>
+              <a:rPr lang="ru-RU" sz="1000" dirty="0"/>
+              <a:t>находится выше нулевой линии, это указывает на восходящий тренд.</a:t>
+            </a:r>
+          </a:p>
+          <a:p>
+            <a:pPr marL="268288" lvl="1" indent="-177800">
+              <a:buFont typeface="Arial" panose="020B0604020202020204" pitchFamily="34" charset="0"/>
+              <a:buChar char="•"/>
+            </a:pPr>
+            <a:r>
+              <a:rPr lang="ru-RU" sz="1000" dirty="0"/>
+              <a:t>Когда линия </a:t>
+            </a:r>
+            <a:r>
+              <a:rPr lang="en-US" sz="1000" dirty="0"/>
+              <a:t>MACD </a:t>
+            </a:r>
+            <a:r>
+              <a:rPr lang="ru-RU" sz="1000" dirty="0"/>
+              <a:t>находится ниже нулевой линии, это указывает на нисходящий тренд.</a:t>
+            </a:r>
+          </a:p>
+        </p:txBody>
+      </p:sp>
+      <p:pic>
+        <p:nvPicPr>
+          <p:cNvPr id="10" name="Picture 9">
+            <a:extLst>
+              <a:ext uri="{FF2B5EF4-FFF2-40B4-BE49-F238E27FC236}">
+                <a16:creationId xmlns:a16="http://schemas.microsoft.com/office/drawing/2014/main" id="{E28CB6D2-780A-E84A-A8E8-18B163999CE6}"/>
+              </a:ext>
+            </a:extLst>
+          </p:cNvPr>
+          <p:cNvPicPr>
+            <a:picLocks noChangeAspect="1"/>
+          </p:cNvPicPr>
+          <p:nvPr/>
+        </p:nvPicPr>
+        <p:blipFill>
+          <a:blip r:embed="rId2"/>
+          <a:stretch>
+            <a:fillRect/>
+          </a:stretch>
+        </p:blipFill>
+        <p:spPr>
+          <a:xfrm>
+            <a:off x="4381500" y="1981200"/>
+            <a:ext cx="4762500" cy="3162300"/>
+          </a:xfrm>
+          <a:prstGeom prst="rect">
+            <a:avLst/>
+          </a:prstGeom>
+        </p:spPr>
+      </p:pic>
+    </p:spTree>
+    <p:extLst>
+      <p:ext uri="{BB962C8B-B14F-4D97-AF65-F5344CB8AC3E}">
+        <p14:creationId xmlns:p14="http://schemas.microsoft.com/office/powerpoint/2010/main" val="1095151587"/>
+      </p:ext>
+    </p:extLst>
+  </p:cSld>
+  <p:clrMapOvr>
+    <a:masterClrMapping/>
+  </p:clrMapOvr>
+</p:sld>
+</file>
+
+<file path=ppt/slides/slide23.xml><?xml version="1.0" encoding="utf-8"?>
+<p:sld xmlns:a="http://schemas.openxmlformats.org/drawingml/2006/main" xmlns:r="http://schemas.openxmlformats.org/officeDocument/2006/relationships" xmlns:p="http://schemas.openxmlformats.org/presentationml/2006/main">
+  <p:cSld>
+    <p:spTree>
+      <p:nvGrpSpPr>
+        <p:cNvPr id="1" name=""/>
+        <p:cNvGrpSpPr/>
+        <p:nvPr/>
+      </p:nvGrpSpPr>
+      <p:grpSpPr>
+        <a:xfrm>
+          <a:off x="0" y="0"/>
+          <a:ext cx="0" cy="0"/>
+          <a:chOff x="0" y="0"/>
+          <a:chExt cx="0" cy="0"/>
+        </a:xfrm>
+      </p:grpSpPr>
+      <p:sp>
+        <p:nvSpPr>
+          <p:cNvPr id="3" name="Title 2">
+            <a:extLst>
+              <a:ext uri="{FF2B5EF4-FFF2-40B4-BE49-F238E27FC236}">
+                <a16:creationId xmlns:a16="http://schemas.microsoft.com/office/drawing/2014/main" id="{B53200C2-EEDC-A348-A3AC-B435BA04C6F0}"/>
+              </a:ext>
+            </a:extLst>
+          </p:cNvPr>
+          <p:cNvSpPr>
+            <a:spLocks noGrp="1"/>
+          </p:cNvSpPr>
+          <p:nvPr>
+            <p:ph type="title"/>
+          </p:nvPr>
+        </p:nvSpPr>
+        <p:spPr/>
+        <p:txBody>
+          <a:bodyPr/>
+          <a:lstStyle/>
+          <a:p>
+            <a:r>
+              <a:rPr lang="ru-RU" dirty="0"/>
+              <a:t>Индикаторы технического анализа</a:t>
+            </a:r>
+            <a:endParaRPr lang="en-US" dirty="0"/>
+          </a:p>
+        </p:txBody>
+      </p:sp>
+      <p:sp>
+        <p:nvSpPr>
+          <p:cNvPr id="4" name="TextBox 3">
+            <a:extLst>
+              <a:ext uri="{FF2B5EF4-FFF2-40B4-BE49-F238E27FC236}">
+                <a16:creationId xmlns:a16="http://schemas.microsoft.com/office/drawing/2014/main" id="{D3F3A926-1997-DB46-B2C1-9800956DA368}"/>
+              </a:ext>
+            </a:extLst>
+          </p:cNvPr>
+          <p:cNvSpPr txBox="1"/>
+          <p:nvPr/>
+        </p:nvSpPr>
+        <p:spPr>
+          <a:xfrm>
+            <a:off x="500550" y="1060664"/>
+            <a:ext cx="8520600" cy="523220"/>
+          </a:xfrm>
+          <a:prstGeom prst="rect">
+            <a:avLst/>
+          </a:prstGeom>
+          <a:noFill/>
+        </p:spPr>
+        <p:txBody>
+          <a:bodyPr wrap="square" rtlCol="0">
+            <a:spAutoFit/>
+          </a:bodyPr>
+          <a:lstStyle/>
+          <a:p>
+            <a:pPr>
+              <a:spcAft>
+                <a:spcPts val="1200"/>
+              </a:spcAft>
+            </a:pPr>
+            <a:r>
+              <a:rPr lang="ru-RU" b="1" i="0" u="none" strike="noStrike" dirty="0">
+                <a:solidFill>
+                  <a:srgbClr val="000000"/>
+                </a:solidFill>
+                <a:effectLst/>
+                <a:latin typeface="-webkit-standard"/>
+              </a:rPr>
+              <a:t>Индекс средней направленности </a:t>
+            </a:r>
+            <a:r>
+              <a:rPr lang="ru-RU" b="0" i="0" u="none" strike="noStrike" dirty="0">
+                <a:solidFill>
+                  <a:srgbClr val="000000"/>
+                </a:solidFill>
+                <a:effectLst/>
+                <a:latin typeface="-webkit-standard"/>
+              </a:rPr>
+              <a:t>(</a:t>
+            </a:r>
+            <a:r>
+              <a:rPr lang="en-US" b="0" i="0" u="none" strike="noStrike" dirty="0">
+                <a:solidFill>
+                  <a:srgbClr val="000000"/>
+                </a:solidFill>
+                <a:effectLst/>
+                <a:latin typeface="-webkit-standard"/>
+              </a:rPr>
+              <a:t>ADX) — </a:t>
+            </a:r>
+            <a:r>
+              <a:rPr lang="ru-RU" b="0" i="0" u="none" strike="noStrike" dirty="0">
+                <a:solidFill>
+                  <a:srgbClr val="000000"/>
+                </a:solidFill>
+                <a:effectLst/>
+                <a:latin typeface="-webkit-standard"/>
+              </a:rPr>
+              <a:t>это технический индикатор, который используется для измерения силы тренда. </a:t>
+            </a:r>
+            <a:r>
+              <a:rPr lang="en-US" b="0" i="0" u="none" strike="noStrike" dirty="0">
+                <a:solidFill>
+                  <a:srgbClr val="000000"/>
+                </a:solidFill>
+                <a:effectLst/>
+                <a:latin typeface="-webkit-standard"/>
+              </a:rPr>
+              <a:t>ADX </a:t>
+            </a:r>
+            <a:r>
+              <a:rPr lang="ru-RU" b="0" i="0" u="none" strike="noStrike" dirty="0">
+                <a:solidFill>
+                  <a:srgbClr val="000000"/>
+                </a:solidFill>
+                <a:effectLst/>
+                <a:latin typeface="-webkit-standard"/>
+              </a:rPr>
+              <a:t>не указывает направление тренда, а только его силу</a:t>
+            </a:r>
+            <a:endParaRPr lang="ru-RU" dirty="0">
+              <a:latin typeface="-webkit-standard"/>
+            </a:endParaRPr>
+          </a:p>
+        </p:txBody>
+      </p:sp>
+      <p:sp>
+        <p:nvSpPr>
+          <p:cNvPr id="8" name="TextBox 7">
+            <a:extLst>
+              <a:ext uri="{FF2B5EF4-FFF2-40B4-BE49-F238E27FC236}">
+                <a16:creationId xmlns:a16="http://schemas.microsoft.com/office/drawing/2014/main" id="{BB8BFA9F-9585-2B42-BECA-078BD995864F}"/>
+              </a:ext>
+            </a:extLst>
+          </p:cNvPr>
+          <p:cNvSpPr txBox="1"/>
+          <p:nvPr/>
+        </p:nvSpPr>
+        <p:spPr>
+          <a:xfrm>
+            <a:off x="500550" y="2571750"/>
+            <a:ext cx="3880950" cy="553998"/>
+          </a:xfrm>
+          <a:prstGeom prst="rect">
+            <a:avLst/>
+          </a:prstGeom>
+          <a:noFill/>
+        </p:spPr>
+        <p:txBody>
+          <a:bodyPr wrap="square" rtlCol="0">
+            <a:spAutoFit/>
+          </a:bodyPr>
+          <a:lstStyle/>
+          <a:p>
+            <a:pPr marL="228600" indent="-228600">
+              <a:buFont typeface="+mj-lt"/>
+              <a:buAutoNum type="arabicPeriod"/>
+            </a:pPr>
+            <a:r>
+              <a:rPr lang="ru-RU" sz="1000" b="1" dirty="0"/>
+              <a:t>Сила тренда:</a:t>
+            </a:r>
+          </a:p>
+          <a:p>
+            <a:pPr marL="268288" lvl="1" indent="-177800">
+              <a:buFont typeface="Arial" panose="020B0604020202020204" pitchFamily="34" charset="0"/>
+              <a:buChar char="•"/>
+            </a:pPr>
+            <a:r>
+              <a:rPr lang="ru-RU" sz="1000" dirty="0"/>
+              <a:t>Значения выше 25 указывают на сильный тренд.</a:t>
+            </a:r>
+          </a:p>
+          <a:p>
+            <a:pPr marL="268288" lvl="1" indent="-177800">
+              <a:buFont typeface="Arial" panose="020B0604020202020204" pitchFamily="34" charset="0"/>
+              <a:buChar char="•"/>
+            </a:pPr>
+            <a:r>
+              <a:rPr lang="ru-RU" sz="1000" dirty="0"/>
+              <a:t>Значения ниже 20 указывают на слабый тренд.</a:t>
+            </a:r>
+          </a:p>
+        </p:txBody>
+      </p:sp>
+      <p:pic>
+        <p:nvPicPr>
+          <p:cNvPr id="2" name="Picture 1">
+            <a:extLst>
+              <a:ext uri="{FF2B5EF4-FFF2-40B4-BE49-F238E27FC236}">
+                <a16:creationId xmlns:a16="http://schemas.microsoft.com/office/drawing/2014/main" id="{2459EB85-E32D-BF44-85A2-0C35410B23EF}"/>
+              </a:ext>
+            </a:extLst>
+          </p:cNvPr>
+          <p:cNvPicPr>
+            <a:picLocks noChangeAspect="1"/>
+          </p:cNvPicPr>
+          <p:nvPr/>
+        </p:nvPicPr>
+        <p:blipFill>
+          <a:blip r:embed="rId2"/>
+          <a:stretch>
+            <a:fillRect/>
+          </a:stretch>
+        </p:blipFill>
+        <p:spPr>
+          <a:xfrm>
+            <a:off x="4381500" y="1921624"/>
+            <a:ext cx="4737100" cy="3162300"/>
+          </a:xfrm>
+          <a:prstGeom prst="rect">
+            <a:avLst/>
+          </a:prstGeom>
+        </p:spPr>
+      </p:pic>
+    </p:spTree>
+    <p:extLst>
+      <p:ext uri="{BB962C8B-B14F-4D97-AF65-F5344CB8AC3E}">
+        <p14:creationId xmlns:p14="http://schemas.microsoft.com/office/powerpoint/2010/main" val="2402837024"/>
+      </p:ext>
+    </p:extLst>
+  </p:cSld>
+  <p:clrMapOvr>
+    <a:masterClrMapping/>
+  </p:clrMapOvr>
+</p:sld>
+</file>
+
+<file path=ppt/slides/slide24.xml><?xml version="1.0" encoding="utf-8"?>
+<p:sld xmlns:a="http://schemas.openxmlformats.org/drawingml/2006/main" xmlns:r="http://schemas.openxmlformats.org/officeDocument/2006/relationships" xmlns:p="http://schemas.openxmlformats.org/presentationml/2006/main">
+  <p:cSld>
+    <p:spTree>
+      <p:nvGrpSpPr>
         <p:cNvPr id="1" name="Shape 383"/>
         <p:cNvGrpSpPr/>
         <p:nvPr/>
@@ -18035,7 +20432,7 @@
 </p:sld>
 </file>
 
-<file path=ppt/slides/slide19.xml><?xml version="1.0" encoding="utf-8"?>
+<file path=ppt/slides/slide25.xml><?xml version="1.0" encoding="utf-8"?>
 <p:sld xmlns:a="http://schemas.openxmlformats.org/drawingml/2006/main" xmlns:r="http://schemas.openxmlformats.org/officeDocument/2006/relationships" xmlns:p="http://schemas.openxmlformats.org/presentationml/2006/main">
   <p:cSld>
     <p:spTree>
@@ -18124,280 +20521,7 @@
 </p:sld>
 </file>
 
-<file path=ppt/slides/slide2.xml><?xml version="1.0" encoding="utf-8"?>
-<p:sld xmlns:a="http://schemas.openxmlformats.org/drawingml/2006/main" xmlns:r="http://schemas.openxmlformats.org/officeDocument/2006/relationships" xmlns:p="http://schemas.openxmlformats.org/presentationml/2006/main">
-  <p:cSld>
-    <p:spTree>
-      <p:nvGrpSpPr>
-        <p:cNvPr id="1" name="Shape 262"/>
-        <p:cNvGrpSpPr/>
-        <p:nvPr/>
-      </p:nvGrpSpPr>
-      <p:grpSpPr>
-        <a:xfrm>
-          <a:off x="0" y="0"/>
-          <a:ext cx="0" cy="0"/>
-          <a:chOff x="0" y="0"/>
-          <a:chExt cx="0" cy="0"/>
-        </a:xfrm>
-      </p:grpSpPr>
-      <p:sp>
-        <p:nvSpPr>
-          <p:cNvPr id="263" name="Google Shape;263;p63"/>
-          <p:cNvSpPr txBox="1"/>
-          <p:nvPr/>
-        </p:nvSpPr>
-        <p:spPr>
-          <a:xfrm>
-            <a:off x="1635875" y="772125"/>
-            <a:ext cx="7935300" cy="841800"/>
-          </a:xfrm>
-          <a:prstGeom prst="rect">
-            <a:avLst/>
-          </a:prstGeom>
-          <a:noFill/>
-          <a:ln>
-            <a:noFill/>
-          </a:ln>
-        </p:spPr>
-        <p:txBody>
-          <a:bodyPr spcFirstLastPara="1" wrap="square" lIns="91425" tIns="91425" rIns="91425" bIns="91425" anchor="ctr" anchorCtr="0">
-            <a:noAutofit/>
-          </a:bodyPr>
-          <a:lstStyle/>
-          <a:p>
-            <a:pPr marL="0" lvl="0" indent="0" algn="l" rtl="0">
-              <a:spcBef>
-                <a:spcPts val="0"/>
-              </a:spcBef>
-              <a:spcAft>
-                <a:spcPts val="0"/>
-              </a:spcAft>
-              <a:buNone/>
-            </a:pPr>
-            <a:r>
-              <a:rPr lang="ru" sz="2100" b="1">
-                <a:solidFill>
-                  <a:srgbClr val="000000"/>
-                </a:solidFill>
-                <a:latin typeface="Roboto"/>
-                <a:ea typeface="Roboto"/>
-                <a:cs typeface="Roboto"/>
-                <a:sym typeface="Roboto"/>
-              </a:rPr>
-              <a:t>Проверить, идет ли запись</a:t>
-            </a:r>
-            <a:endParaRPr sz="2100" b="1">
-              <a:solidFill>
-                <a:srgbClr val="000000"/>
-              </a:solidFill>
-              <a:latin typeface="Roboto"/>
-              <a:ea typeface="Roboto"/>
-              <a:cs typeface="Roboto"/>
-              <a:sym typeface="Roboto"/>
-            </a:endParaRPr>
-          </a:p>
-        </p:txBody>
-      </p:sp>
-      <p:sp>
-        <p:nvSpPr>
-          <p:cNvPr id="264" name="Google Shape;264;p63"/>
-          <p:cNvSpPr txBox="1"/>
-          <p:nvPr/>
-        </p:nvSpPr>
-        <p:spPr>
-          <a:xfrm>
-            <a:off x="766725" y="1805199"/>
-            <a:ext cx="7935300" cy="1295700"/>
-          </a:xfrm>
-          <a:prstGeom prst="rect">
-            <a:avLst/>
-          </a:prstGeom>
-          <a:noFill/>
-          <a:ln>
-            <a:noFill/>
-          </a:ln>
-        </p:spPr>
-        <p:txBody>
-          <a:bodyPr spcFirstLastPara="1" wrap="square" lIns="91425" tIns="91425" rIns="91425" bIns="91425" anchor="ctr" anchorCtr="0">
-            <a:noAutofit/>
-          </a:bodyPr>
-          <a:lstStyle/>
-          <a:p>
-            <a:pPr marL="0" lvl="0" indent="0" algn="l" rtl="0">
-              <a:spcBef>
-                <a:spcPts val="0"/>
-              </a:spcBef>
-              <a:spcAft>
-                <a:spcPts val="0"/>
-              </a:spcAft>
-              <a:buClr>
-                <a:schemeClr val="dk1"/>
-              </a:buClr>
-              <a:buSzPts val="1100"/>
-              <a:buFont typeface="Arial"/>
-              <a:buNone/>
-            </a:pPr>
-            <a:r>
-              <a:rPr lang="ru" sz="3500" b="1">
-                <a:solidFill>
-                  <a:schemeClr val="dk1"/>
-                </a:solidFill>
-                <a:latin typeface="Roboto"/>
-                <a:ea typeface="Roboto"/>
-                <a:cs typeface="Roboto"/>
-                <a:sym typeface="Roboto"/>
-              </a:rPr>
-              <a:t>Напишите </a:t>
-            </a:r>
-            <a:r>
-              <a:rPr lang="ru" sz="3500" b="1">
-                <a:solidFill>
-                  <a:schemeClr val="dk1"/>
-                </a:solidFill>
-                <a:highlight>
-                  <a:schemeClr val="lt1"/>
-                </a:highlight>
-              </a:rPr>
-              <a:t>«</a:t>
-            </a:r>
-            <a:r>
-              <a:rPr lang="ru" sz="3500" b="1">
-                <a:solidFill>
-                  <a:schemeClr val="dk1"/>
-                </a:solidFill>
-                <a:latin typeface="Roboto"/>
-                <a:ea typeface="Roboto"/>
-                <a:cs typeface="Roboto"/>
-                <a:sym typeface="Roboto"/>
-              </a:rPr>
-              <a:t>+</a:t>
-            </a:r>
-            <a:r>
-              <a:rPr lang="ru" sz="3500" b="1">
-                <a:solidFill>
-                  <a:schemeClr val="dk1"/>
-                </a:solidFill>
-                <a:highlight>
-                  <a:schemeClr val="lt1"/>
-                </a:highlight>
-              </a:rPr>
-              <a:t>»</a:t>
-            </a:r>
-            <a:r>
-              <a:rPr lang="ru" sz="3500" b="1">
-                <a:solidFill>
-                  <a:schemeClr val="dk1"/>
-                </a:solidFill>
-                <a:latin typeface="Roboto"/>
-                <a:ea typeface="Roboto"/>
-                <a:cs typeface="Roboto"/>
-                <a:sym typeface="Roboto"/>
-              </a:rPr>
-              <a:t> в чат, если меня слышно и видно</a:t>
-            </a:r>
-            <a:endParaRPr sz="3500" b="1">
-              <a:solidFill>
-                <a:srgbClr val="000000"/>
-              </a:solidFill>
-              <a:latin typeface="Roboto"/>
-              <a:ea typeface="Roboto"/>
-              <a:cs typeface="Roboto"/>
-              <a:sym typeface="Roboto"/>
-            </a:endParaRPr>
-          </a:p>
-        </p:txBody>
-      </p:sp>
-      <p:pic>
-        <p:nvPicPr>
-          <p:cNvPr id="265" name="Google Shape;265;p63"/>
-          <p:cNvPicPr preferRelativeResize="0"/>
-          <p:nvPr/>
-        </p:nvPicPr>
-        <p:blipFill rotWithShape="1">
-          <a:blip r:embed="rId3">
-            <a:alphaModFix/>
-          </a:blip>
-          <a:srcRect/>
-          <a:stretch/>
-        </p:blipFill>
-        <p:spPr>
-          <a:xfrm>
-            <a:off x="857275" y="3516281"/>
-            <a:ext cx="526796" cy="526800"/>
-          </a:xfrm>
-          <a:prstGeom prst="rect">
-            <a:avLst/>
-          </a:prstGeom>
-          <a:noFill/>
-          <a:ln>
-            <a:noFill/>
-          </a:ln>
-        </p:spPr>
-      </p:pic>
-      <p:pic>
-        <p:nvPicPr>
-          <p:cNvPr id="266" name="Google Shape;266;p63"/>
-          <p:cNvPicPr preferRelativeResize="0"/>
-          <p:nvPr/>
-        </p:nvPicPr>
-        <p:blipFill rotWithShape="1">
-          <a:blip r:embed="rId4">
-            <a:alphaModFix/>
-          </a:blip>
-          <a:srcRect/>
-          <a:stretch/>
-        </p:blipFill>
-        <p:spPr>
-          <a:xfrm>
-            <a:off x="1584856" y="3516281"/>
-            <a:ext cx="526796" cy="526800"/>
-          </a:xfrm>
-          <a:prstGeom prst="rect">
-            <a:avLst/>
-          </a:prstGeom>
-          <a:noFill/>
-          <a:ln>
-            <a:noFill/>
-          </a:ln>
-        </p:spPr>
-      </p:pic>
-      <p:pic>
-        <p:nvPicPr>
-          <p:cNvPr id="267" name="Google Shape;267;p63"/>
-          <p:cNvPicPr preferRelativeResize="0"/>
-          <p:nvPr/>
-        </p:nvPicPr>
-        <p:blipFill rotWithShape="1">
-          <a:blip r:embed="rId5">
-            <a:alphaModFix/>
-          </a:blip>
-          <a:srcRect l="99" r="99"/>
-          <a:stretch/>
-        </p:blipFill>
-        <p:spPr>
-          <a:xfrm>
-            <a:off x="880825" y="1032408"/>
-            <a:ext cx="642317" cy="321159"/>
-          </a:xfrm>
-          <a:prstGeom prst="rect">
-            <a:avLst/>
-          </a:prstGeom>
-          <a:noFill/>
-          <a:ln>
-            <a:noFill/>
-          </a:ln>
-        </p:spPr>
-      </p:pic>
-    </p:spTree>
-  </p:cSld>
-  <p:clrMapOvr>
-    <a:masterClrMapping/>
-  </p:clrMapOvr>
-</p:sld>
-</file>
-
-<file path=ppt/slides/slide20.xml><?xml version="1.0" encoding="utf-8"?>
+<file path=ppt/slides/slide26.xml><?xml version="1.0" encoding="utf-8"?>
 <p:sld xmlns:a="http://schemas.openxmlformats.org/drawingml/2006/main" xmlns:r="http://schemas.openxmlformats.org/officeDocument/2006/relationships" xmlns:p="http://schemas.openxmlformats.org/presentationml/2006/main">
   <p:cSld>
     <p:spTree>
@@ -18469,7 +20593,7 @@
 </p:sld>
 </file>
 
-<file path=ppt/slides/slide21.xml><?xml version="1.0" encoding="utf-8"?>
+<file path=ppt/slides/slide27.xml><?xml version="1.0" encoding="utf-8"?>
 <p:sld xmlns:a="http://schemas.openxmlformats.org/drawingml/2006/main" xmlns:r="http://schemas.openxmlformats.org/officeDocument/2006/relationships" xmlns:p="http://schemas.openxmlformats.org/presentationml/2006/main">
   <p:cSld>
     <p:spTree>
@@ -19113,7 +21237,7 @@
 </p:sld>
 </file>
 
-<file path=ppt/slides/slide22.xml><?xml version="1.0" encoding="utf-8"?>
+<file path=ppt/slides/slide28.xml><?xml version="1.0" encoding="utf-8"?>
 <p:sld xmlns:a="http://schemas.openxmlformats.org/drawingml/2006/main" xmlns:r="http://schemas.openxmlformats.org/officeDocument/2006/relationships" xmlns:p="http://schemas.openxmlformats.org/presentationml/2006/main">
   <p:cSld>
     <p:spTree>
@@ -19387,7 +21511,7 @@
 </p:sld>
 </file>
 
-<file path=ppt/slides/slide23.xml><?xml version="1.0" encoding="utf-8"?>
+<file path=ppt/slides/slide29.xml><?xml version="1.0" encoding="utf-8"?>
 <p:sld xmlns:a="http://schemas.openxmlformats.org/drawingml/2006/main" xmlns:r="http://schemas.openxmlformats.org/officeDocument/2006/relationships" xmlns:p="http://schemas.openxmlformats.org/presentationml/2006/main">
   <p:cSld>
     <p:spTree>
@@ -20174,7 +22298,728 @@
 </p:sld>
 </file>
 
-<file path=ppt/slides/slide24.xml><?xml version="1.0" encoding="utf-8"?>
+<file path=ppt/slides/slide3.xml><?xml version="1.0" encoding="utf-8"?>
+<p:sld xmlns:a="http://schemas.openxmlformats.org/drawingml/2006/main" xmlns:r="http://schemas.openxmlformats.org/officeDocument/2006/relationships" xmlns:p="http://schemas.openxmlformats.org/presentationml/2006/main">
+  <p:cSld>
+    <p:spTree>
+      <p:nvGrpSpPr>
+        <p:cNvPr id="1" name="Shape 203"/>
+        <p:cNvGrpSpPr/>
+        <p:nvPr/>
+      </p:nvGrpSpPr>
+      <p:grpSpPr>
+        <a:xfrm>
+          <a:off x="0" y="0"/>
+          <a:ext cx="0" cy="0"/>
+          <a:chOff x="0" y="0"/>
+          <a:chExt cx="0" cy="0"/>
+        </a:xfrm>
+      </p:grpSpPr>
+      <p:sp>
+        <p:nvSpPr>
+          <p:cNvPr id="204" name="Google Shape;204;p48"/>
+          <p:cNvSpPr/>
+          <p:nvPr/>
+        </p:nvSpPr>
+        <p:spPr>
+          <a:xfrm>
+            <a:off x="630000" y="2703050"/>
+            <a:ext cx="1033800" cy="1983600"/>
+          </a:xfrm>
+          <a:prstGeom prst="rect">
+            <a:avLst/>
+          </a:prstGeom>
+          <a:solidFill>
+            <a:schemeClr val="accent4"/>
+          </a:solidFill>
+          <a:ln>
+            <a:noFill/>
+          </a:ln>
+        </p:spPr>
+        <p:txBody>
+          <a:bodyPr spcFirstLastPara="1" wrap="square" lIns="91425" tIns="91425" rIns="91425" bIns="91425" anchor="ctr" anchorCtr="0">
+            <a:noAutofit/>
+          </a:bodyPr>
+          <a:lstStyle/>
+          <a:p>
+            <a:pPr marL="0" lvl="0" indent="0" algn="l" rtl="0">
+              <a:spcBef>
+                <a:spcPts val="0"/>
+              </a:spcBef>
+              <a:spcAft>
+                <a:spcPts val="0"/>
+              </a:spcAft>
+              <a:buNone/>
+            </a:pPr>
+            <a:endParaRPr/>
+          </a:p>
+        </p:txBody>
+      </p:sp>
+      <p:sp>
+        <p:nvSpPr>
+          <p:cNvPr id="206" name="Google Shape;206;p48"/>
+          <p:cNvSpPr txBox="1">
+            <a:spLocks noGrp="1"/>
+          </p:cNvSpPr>
+          <p:nvPr>
+            <p:ph type="title"/>
+          </p:nvPr>
+        </p:nvSpPr>
+        <p:spPr>
+          <a:xfrm>
+            <a:off x="500550" y="821219"/>
+            <a:ext cx="8520600" cy="1032900"/>
+          </a:xfrm>
+          <a:prstGeom prst="rect">
+            <a:avLst/>
+          </a:prstGeom>
+        </p:spPr>
+        <p:txBody>
+          <a:bodyPr spcFirstLastPara="1" wrap="square" lIns="91425" tIns="91425" rIns="91425" bIns="91425" anchor="t" anchorCtr="0">
+            <a:noAutofit/>
+          </a:bodyPr>
+          <a:lstStyle/>
+          <a:p>
+            <a:pPr marL="0" lvl="0" indent="0" algn="l" rtl="0">
+              <a:spcBef>
+                <a:spcPts val="0"/>
+              </a:spcBef>
+              <a:spcAft>
+                <a:spcPts val="0"/>
+              </a:spcAft>
+              <a:buClr>
+                <a:schemeClr val="dk1"/>
+              </a:buClr>
+              <a:buSzPts val="1100"/>
+              <a:buFont typeface="Arial"/>
+              <a:buNone/>
+            </a:pPr>
+            <a:r>
+              <a:rPr lang="en-GB" sz="3200" dirty="0"/>
+              <a:t>ML </a:t>
+            </a:r>
+            <a:r>
+              <a:rPr lang="ru-RU" sz="3200" dirty="0"/>
+              <a:t>для финансового анализа</a:t>
+            </a:r>
+            <a:br>
+              <a:rPr lang="en-US" sz="3200" dirty="0"/>
+            </a:br>
+            <a:r>
+              <a:rPr lang="ru-RU" sz="2400" dirty="0"/>
+              <a:t>Интеграция технического анализа с методами машинного обучения.</a:t>
+            </a:r>
+            <a:endParaRPr b="0" dirty="0"/>
+          </a:p>
+        </p:txBody>
+      </p:sp>
+      <p:sp>
+        <p:nvSpPr>
+          <p:cNvPr id="207" name="Google Shape;207;p48"/>
+          <p:cNvSpPr txBox="1">
+            <a:spLocks noGrp="1"/>
+          </p:cNvSpPr>
+          <p:nvPr>
+            <p:ph type="subTitle" idx="1"/>
+          </p:nvPr>
+        </p:nvSpPr>
+        <p:spPr>
+          <a:xfrm>
+            <a:off x="500550" y="520133"/>
+            <a:ext cx="7796700" cy="356926"/>
+          </a:xfrm>
+          <a:prstGeom prst="rect">
+            <a:avLst/>
+          </a:prstGeom>
+        </p:spPr>
+        <p:txBody>
+          <a:bodyPr spcFirstLastPara="1" wrap="square" lIns="91425" tIns="91425" rIns="91425" bIns="91425" anchor="t" anchorCtr="0">
+            <a:normAutofit fontScale="92500" lnSpcReduction="20000"/>
+          </a:bodyPr>
+          <a:lstStyle/>
+          <a:p>
+            <a:pPr marL="0" lvl="0" indent="0" algn="l" rtl="0">
+              <a:spcBef>
+                <a:spcPts val="0"/>
+              </a:spcBef>
+              <a:spcAft>
+                <a:spcPts val="0"/>
+              </a:spcAft>
+              <a:buNone/>
+            </a:pPr>
+            <a:r>
+              <a:rPr lang="ru-RU" dirty="0"/>
+              <a:t>Открытый урок</a:t>
+            </a:r>
+            <a:endParaRPr dirty="0"/>
+          </a:p>
+        </p:txBody>
+      </p:sp>
+      <p:sp>
+        <p:nvSpPr>
+          <p:cNvPr id="208" name="Google Shape;208;p48"/>
+          <p:cNvSpPr txBox="1">
+            <a:spLocks noGrp="1"/>
+          </p:cNvSpPr>
+          <p:nvPr>
+            <p:ph type="subTitle" idx="2"/>
+          </p:nvPr>
+        </p:nvSpPr>
+        <p:spPr>
+          <a:xfrm>
+            <a:off x="3082400" y="2302060"/>
+            <a:ext cx="5856300" cy="396900"/>
+          </a:xfrm>
+          <a:prstGeom prst="rect">
+            <a:avLst/>
+          </a:prstGeom>
+        </p:spPr>
+        <p:txBody>
+          <a:bodyPr spcFirstLastPara="1" wrap="square" lIns="91425" tIns="91425" rIns="91425" bIns="91425" anchor="t" anchorCtr="0">
+            <a:normAutofit lnSpcReduction="10000"/>
+          </a:bodyPr>
+          <a:lstStyle/>
+          <a:p>
+            <a:pPr marL="0" lvl="0" indent="0" algn="l" rtl="0">
+              <a:spcBef>
+                <a:spcPts val="0"/>
+              </a:spcBef>
+              <a:spcAft>
+                <a:spcPts val="0"/>
+              </a:spcAft>
+              <a:buNone/>
+            </a:pPr>
+            <a:r>
+              <a:rPr lang="ru" dirty="0"/>
+              <a:t>Игорь Стурейко</a:t>
+            </a:r>
+            <a:endParaRPr dirty="0"/>
+          </a:p>
+        </p:txBody>
+      </p:sp>
+      <p:pic>
+        <p:nvPicPr>
+          <p:cNvPr id="8" name="Google Shape;278;p64">
+            <a:extLst>
+              <a:ext uri="{FF2B5EF4-FFF2-40B4-BE49-F238E27FC236}">
+                <a16:creationId xmlns:a16="http://schemas.microsoft.com/office/drawing/2014/main" id="{DC03452F-6B2F-EA48-9B01-C3577A300545}"/>
+              </a:ext>
+            </a:extLst>
+          </p:cNvPr>
+          <p:cNvPicPr preferRelativeResize="0"/>
+          <p:nvPr/>
+        </p:nvPicPr>
+        <p:blipFill rotWithShape="1">
+          <a:blip r:embed="rId3">
+            <a:alphaModFix/>
+          </a:blip>
+          <a:srcRect/>
+          <a:stretch/>
+        </p:blipFill>
+        <p:spPr>
+          <a:xfrm>
+            <a:off x="8077621" y="258179"/>
+            <a:ext cx="652375" cy="652375"/>
+          </a:xfrm>
+          <a:prstGeom prst="rect">
+            <a:avLst/>
+          </a:prstGeom>
+          <a:noFill/>
+          <a:ln>
+            <a:noFill/>
+          </a:ln>
+        </p:spPr>
+      </p:pic>
+      <p:pic>
+        <p:nvPicPr>
+          <p:cNvPr id="12" name="Picture 11">
+            <a:extLst>
+              <a:ext uri="{FF2B5EF4-FFF2-40B4-BE49-F238E27FC236}">
+                <a16:creationId xmlns:a16="http://schemas.microsoft.com/office/drawing/2014/main" id="{DADBDA60-D1B3-5B41-A4D2-CDAE2DD6B009}"/>
+              </a:ext>
+            </a:extLst>
+          </p:cNvPr>
+          <p:cNvPicPr>
+            <a:picLocks noChangeAspect="1"/>
+          </p:cNvPicPr>
+          <p:nvPr/>
+        </p:nvPicPr>
+        <p:blipFill rotWithShape="1">
+          <a:blip r:embed="rId4">
+            <a:extLst>
+              <a:ext uri="{28A0092B-C50C-407E-A947-70E740481C1C}">
+                <a14:useLocalDpi xmlns:a14="http://schemas.microsoft.com/office/drawing/2010/main" val="0"/>
+              </a:ext>
+            </a:extLst>
+          </a:blip>
+          <a:srcRect l="-1" t="12156" r="295"/>
+          <a:stretch/>
+        </p:blipFill>
+        <p:spPr>
+          <a:xfrm>
+            <a:off x="832654" y="2865544"/>
+            <a:ext cx="1662292" cy="1657372"/>
+          </a:xfrm>
+          <a:prstGeom prst="ellipse">
+            <a:avLst/>
+          </a:prstGeom>
+          <a:ln w="12700" cap="rnd">
+            <a:solidFill>
+              <a:srgbClr val="333333"/>
+            </a:solidFill>
+          </a:ln>
+          <a:effectLst>
+            <a:outerShdw blurRad="381000" dist="292100" dir="5400000" sx="-80000" sy="-18000" rotWithShape="0">
+              <a:srgbClr val="000000">
+                <a:alpha val="22000"/>
+              </a:srgbClr>
+            </a:outerShdw>
+          </a:effectLst>
+          <a:scene3d>
+            <a:camera prst="orthographicFront"/>
+            <a:lightRig rig="contrasting" dir="t">
+              <a:rot lat="0" lon="0" rev="3000000"/>
+            </a:lightRig>
+          </a:scene3d>
+          <a:sp3d contourW="7620">
+            <a:bevelT w="95250" h="31750"/>
+            <a:contourClr>
+              <a:srgbClr val="333333"/>
+            </a:contourClr>
+          </a:sp3d>
+        </p:spPr>
+      </p:pic>
+      <p:sp>
+        <p:nvSpPr>
+          <p:cNvPr id="13" name="Google Shape;209;p48">
+            <a:extLst>
+              <a:ext uri="{FF2B5EF4-FFF2-40B4-BE49-F238E27FC236}">
+                <a16:creationId xmlns:a16="http://schemas.microsoft.com/office/drawing/2014/main" id="{D0D012C5-1A3B-EC4C-B8A7-64C8AF21B41A}"/>
+              </a:ext>
+            </a:extLst>
+          </p:cNvPr>
+          <p:cNvSpPr txBox="1">
+            <a:spLocks/>
+          </p:cNvSpPr>
+          <p:nvPr/>
+        </p:nvSpPr>
+        <p:spPr>
+          <a:xfrm>
+            <a:off x="3082400" y="2701811"/>
+            <a:ext cx="5938750" cy="2133660"/>
+          </a:xfrm>
+          <a:prstGeom prst="rect">
+            <a:avLst/>
+          </a:prstGeom>
+          <a:noFill/>
+          <a:ln>
+            <a:noFill/>
+          </a:ln>
+        </p:spPr>
+        <p:txBody>
+          <a:bodyPr spcFirstLastPara="1" wrap="square" lIns="91425" tIns="91425" rIns="91425" bIns="91425" anchor="t" anchorCtr="0">
+            <a:normAutofit fontScale="85000" lnSpcReduction="20000"/>
+          </a:bodyPr>
+          <a:lstStyle>
+            <a:lvl1pPr marL="0" lvl="0" algn="l">
+              <a:lnSpc>
+                <a:spcPct val="100000"/>
+              </a:lnSpc>
+              <a:spcBef>
+                <a:spcPts val="0"/>
+              </a:spcBef>
+              <a:spcAft>
+                <a:spcPts val="0"/>
+              </a:spcAft>
+              <a:buClr>
+                <a:schemeClr val="dk1"/>
+              </a:buClr>
+              <a:buSzPts val="1300"/>
+              <a:buNone/>
+              <a:defRPr sz="1300" b="0" i="0">
+                <a:solidFill>
+                  <a:schemeClr val="dk1"/>
+                </a:solidFill>
+                <a:latin typeface="+mn-lt"/>
+                <a:ea typeface="+mn-ea"/>
+                <a:cs typeface="+mn-cs"/>
+              </a:defRPr>
+            </a:lvl1pPr>
+            <a:lvl2pPr marL="457200" lvl="1" algn="l">
+              <a:lnSpc>
+                <a:spcPct val="100000"/>
+              </a:lnSpc>
+              <a:spcBef>
+                <a:spcPts val="0"/>
+              </a:spcBef>
+              <a:spcAft>
+                <a:spcPts val="0"/>
+              </a:spcAft>
+              <a:buClr>
+                <a:schemeClr val="dk1"/>
+              </a:buClr>
+              <a:buSzPts val="1500"/>
+              <a:buNone/>
+              <a:defRPr>
+                <a:solidFill>
+                  <a:schemeClr val="dk1"/>
+                </a:solidFill>
+                <a:latin typeface="+mn-lt"/>
+                <a:ea typeface="+mn-ea"/>
+                <a:cs typeface="+mn-cs"/>
+              </a:defRPr>
+            </a:lvl2pPr>
+            <a:lvl3pPr marL="914400" lvl="2" algn="l">
+              <a:lnSpc>
+                <a:spcPct val="100000"/>
+              </a:lnSpc>
+              <a:spcBef>
+                <a:spcPts val="0"/>
+              </a:spcBef>
+              <a:spcAft>
+                <a:spcPts val="0"/>
+              </a:spcAft>
+              <a:buClr>
+                <a:schemeClr val="dk1"/>
+              </a:buClr>
+              <a:buSzPts val="1300"/>
+              <a:buNone/>
+              <a:defRPr>
+                <a:solidFill>
+                  <a:schemeClr val="dk1"/>
+                </a:solidFill>
+                <a:latin typeface="+mn-lt"/>
+                <a:ea typeface="+mn-ea"/>
+                <a:cs typeface="+mn-cs"/>
+              </a:defRPr>
+            </a:lvl3pPr>
+            <a:lvl4pPr marL="1371600" lvl="3" algn="l">
+              <a:lnSpc>
+                <a:spcPct val="100000"/>
+              </a:lnSpc>
+              <a:spcBef>
+                <a:spcPts val="0"/>
+              </a:spcBef>
+              <a:spcAft>
+                <a:spcPts val="0"/>
+              </a:spcAft>
+              <a:buClr>
+                <a:schemeClr val="dk1"/>
+              </a:buClr>
+              <a:buSzPts val="1300"/>
+              <a:buNone/>
+              <a:defRPr>
+                <a:solidFill>
+                  <a:schemeClr val="dk1"/>
+                </a:solidFill>
+                <a:latin typeface="+mn-lt"/>
+                <a:ea typeface="+mn-ea"/>
+                <a:cs typeface="+mn-cs"/>
+              </a:defRPr>
+            </a:lvl4pPr>
+            <a:lvl5pPr marL="1828800" lvl="4" algn="l">
+              <a:lnSpc>
+                <a:spcPct val="100000"/>
+              </a:lnSpc>
+              <a:spcBef>
+                <a:spcPts val="0"/>
+              </a:spcBef>
+              <a:spcAft>
+                <a:spcPts val="0"/>
+              </a:spcAft>
+              <a:buClr>
+                <a:schemeClr val="dk1"/>
+              </a:buClr>
+              <a:buSzPts val="1300"/>
+              <a:buNone/>
+              <a:defRPr>
+                <a:solidFill>
+                  <a:schemeClr val="dk1"/>
+                </a:solidFill>
+                <a:latin typeface="+mn-lt"/>
+                <a:ea typeface="+mn-ea"/>
+                <a:cs typeface="+mn-cs"/>
+              </a:defRPr>
+            </a:lvl5pPr>
+            <a:lvl6pPr marL="2286000" lvl="5" algn="l">
+              <a:lnSpc>
+                <a:spcPct val="100000"/>
+              </a:lnSpc>
+              <a:spcBef>
+                <a:spcPts val="0"/>
+              </a:spcBef>
+              <a:spcAft>
+                <a:spcPts val="0"/>
+              </a:spcAft>
+              <a:buClr>
+                <a:schemeClr val="dk1"/>
+              </a:buClr>
+              <a:buSzPts val="1300"/>
+              <a:buNone/>
+              <a:defRPr>
+                <a:solidFill>
+                  <a:schemeClr val="dk1"/>
+                </a:solidFill>
+                <a:latin typeface="+mn-lt"/>
+                <a:ea typeface="+mn-ea"/>
+                <a:cs typeface="+mn-cs"/>
+              </a:defRPr>
+            </a:lvl6pPr>
+            <a:lvl7pPr marL="2743200" lvl="6" algn="l">
+              <a:lnSpc>
+                <a:spcPct val="100000"/>
+              </a:lnSpc>
+              <a:spcBef>
+                <a:spcPts val="0"/>
+              </a:spcBef>
+              <a:spcAft>
+                <a:spcPts val="0"/>
+              </a:spcAft>
+              <a:buClr>
+                <a:schemeClr val="dk1"/>
+              </a:buClr>
+              <a:buSzPts val="1300"/>
+              <a:buNone/>
+              <a:defRPr>
+                <a:solidFill>
+                  <a:schemeClr val="dk1"/>
+                </a:solidFill>
+                <a:latin typeface="+mn-lt"/>
+                <a:ea typeface="+mn-ea"/>
+                <a:cs typeface="+mn-cs"/>
+              </a:defRPr>
+            </a:lvl7pPr>
+            <a:lvl8pPr marL="3200400" lvl="7" algn="l">
+              <a:lnSpc>
+                <a:spcPct val="100000"/>
+              </a:lnSpc>
+              <a:spcBef>
+                <a:spcPts val="0"/>
+              </a:spcBef>
+              <a:spcAft>
+                <a:spcPts val="0"/>
+              </a:spcAft>
+              <a:buClr>
+                <a:schemeClr val="dk1"/>
+              </a:buClr>
+              <a:buSzPts val="1300"/>
+              <a:buNone/>
+              <a:defRPr>
+                <a:solidFill>
+                  <a:schemeClr val="dk1"/>
+                </a:solidFill>
+                <a:latin typeface="+mn-lt"/>
+                <a:ea typeface="+mn-ea"/>
+                <a:cs typeface="+mn-cs"/>
+              </a:defRPr>
+            </a:lvl8pPr>
+            <a:lvl9pPr marL="3657600" lvl="8" algn="l">
+              <a:lnSpc>
+                <a:spcPct val="100000"/>
+              </a:lnSpc>
+              <a:spcBef>
+                <a:spcPts val="0"/>
+              </a:spcBef>
+              <a:spcAft>
+                <a:spcPts val="0"/>
+              </a:spcAft>
+              <a:buClr>
+                <a:schemeClr val="dk1"/>
+              </a:buClr>
+              <a:buSzPts val="1300"/>
+              <a:buNone/>
+              <a:defRPr>
+                <a:solidFill>
+                  <a:schemeClr val="dk1"/>
+                </a:solidFill>
+                <a:latin typeface="+mn-lt"/>
+                <a:ea typeface="+mn-ea"/>
+                <a:cs typeface="+mn-cs"/>
+              </a:defRPr>
+            </a:lvl9pPr>
+          </a:lstStyle>
+          <a:p>
+            <a:pPr marL="1470025" indent="-1465263">
+              <a:tabLst>
+                <a:tab pos="1465263" algn="l"/>
+              </a:tabLst>
+            </a:pPr>
+            <a:r>
+              <a:rPr lang="ru-RU" sz="1150" b="1" kern="0" dirty="0"/>
+              <a:t>Руководитель курсов: </a:t>
+            </a:r>
+            <a:r>
+              <a:rPr lang="en-US" sz="1150" b="1" kern="0" dirty="0"/>
+              <a:t>	Reinforcement Learning, ML Professional, ML Basic, </a:t>
+            </a:r>
+            <a:br>
+              <a:rPr lang="en-US" sz="1150" b="1" kern="0" dirty="0"/>
+            </a:br>
+            <a:r>
+              <a:rPr lang="en-US" sz="1150" b="1" kern="0" dirty="0" err="1"/>
+              <a:t>MLOps</a:t>
+            </a:r>
+            <a:r>
+              <a:rPr lang="en-US" sz="1150" b="1" kern="0" dirty="0"/>
+              <a:t>, </a:t>
+            </a:r>
+            <a:r>
+              <a:rPr lang="en-US" sz="1150" b="1" kern="0" dirty="0" err="1"/>
+              <a:t>FinML</a:t>
+            </a:r>
+            <a:endParaRPr lang="en-US" sz="1150" b="1" kern="0" dirty="0"/>
+          </a:p>
+          <a:p>
+            <a:pPr rtl="0"/>
+            <a:endParaRPr lang="en-US" sz="1150" b="1" kern="0" dirty="0"/>
+          </a:p>
+          <a:p>
+            <a:pPr rtl="0"/>
+            <a:r>
+              <a:rPr lang="en-US" sz="1150" b="1" kern="0" dirty="0" err="1"/>
+              <a:t>Teamlead</a:t>
+            </a:r>
+            <a:r>
+              <a:rPr lang="en-US" sz="1150" b="1" kern="0" dirty="0"/>
+              <a:t>, </a:t>
+            </a:r>
+            <a:r>
+              <a:rPr lang="ru-RU" sz="1150" b="1" kern="0" dirty="0"/>
+              <a:t>главный инженер проекта, </a:t>
+            </a:r>
+          </a:p>
+          <a:p>
+            <a:pPr rtl="0"/>
+            <a:r>
+              <a:rPr lang="ru-RU" sz="1150" b="1" kern="0" dirty="0"/>
+              <a:t>Физический факультет МГУ, </a:t>
+            </a:r>
+            <a:r>
+              <a:rPr lang="en-US" sz="1150" b="1" kern="0" dirty="0"/>
+              <a:t>PhD </a:t>
+            </a:r>
+            <a:r>
+              <a:rPr lang="ru-RU" sz="1150" b="1" kern="0" dirty="0"/>
+              <a:t>теоретическая физика</a:t>
+            </a:r>
+          </a:p>
+          <a:p>
+            <a:pPr rtl="0"/>
+            <a:endParaRPr lang="ru-RU" sz="1150" kern="0" dirty="0"/>
+          </a:p>
+          <a:p>
+            <a:pPr rtl="0"/>
+            <a:r>
+              <a:rPr lang="ru-RU" sz="1150" b="1" kern="0" dirty="0"/>
+              <a:t>Опыт:</a:t>
+            </a:r>
+            <a:endParaRPr lang="ru-RU" sz="1150" kern="0" dirty="0"/>
+          </a:p>
+          <a:p>
+            <a:pPr rtl="0"/>
+            <a:r>
+              <a:rPr lang="ru-RU" sz="1150" kern="0" dirty="0"/>
+              <a:t>Более 15 лет занимался прикладной математикой и мат моделированием</a:t>
+            </a:r>
+          </a:p>
+          <a:p>
+            <a:pPr rtl="0"/>
+            <a:r>
+              <a:rPr lang="ru-RU" sz="1150" kern="0" dirty="0"/>
+              <a:t>(</a:t>
+            </a:r>
+            <a:r>
+              <a:rPr lang="en-US" sz="1150" kern="0" dirty="0"/>
+              <a:t>Data Scientist) (Python, </a:t>
+            </a:r>
+            <a:r>
+              <a:rPr lang="ru-RU" sz="1150" kern="0" dirty="0"/>
+              <a:t>С++) в НИИ ПАО Газпром</a:t>
+            </a:r>
+          </a:p>
+          <a:p>
+            <a:pPr rtl="0"/>
+            <a:endParaRPr lang="ru-RU" sz="1150" kern="0" dirty="0"/>
+          </a:p>
+          <a:p>
+            <a:pPr rtl="0"/>
+            <a:endParaRPr lang="ru-RU" sz="1150" b="1" kern="0" dirty="0"/>
+          </a:p>
+          <a:p>
+            <a:pPr rtl="0"/>
+            <a:r>
+              <a:rPr lang="ru-RU" sz="1150" b="1" kern="0" dirty="0"/>
+              <a:t>@</a:t>
+            </a:r>
+            <a:r>
+              <a:rPr lang="en-US" sz="1150" b="1" kern="0" dirty="0" err="1"/>
+              <a:t>stureiko</a:t>
+            </a:r>
+            <a:r>
+              <a:rPr lang="en-US" sz="1150" b="1" kern="0" dirty="0"/>
+              <a:t> (TG)</a:t>
+            </a:r>
+          </a:p>
+          <a:p>
+            <a:pPr rtl="0"/>
+            <a:endParaRPr lang="en-US" sz="1150" b="1" kern="0" dirty="0"/>
+          </a:p>
+          <a:p>
+            <a:pPr rtl="0"/>
+            <a:r>
+              <a:rPr lang="en-US" sz="1150" b="1" kern="0" dirty="0"/>
+              <a:t>LinkedIn: </a:t>
+            </a:r>
+            <a:r>
+              <a:rPr lang="en-US" sz="1150" kern="0" dirty="0">
+                <a:hlinkClick r:id="rId5"/>
+              </a:rPr>
+              <a:t>igor-stureiko</a:t>
+            </a:r>
+            <a:r>
+              <a:rPr lang="en-US" sz="1150" kern="0" dirty="0"/>
+              <a:t> </a:t>
+            </a:r>
+          </a:p>
+          <a:p>
+            <a:pPr rtl="0"/>
+            <a:endParaRPr lang="en-US" sz="1150" kern="0" dirty="0"/>
+          </a:p>
+          <a:p>
+            <a:pPr rtl="0"/>
+            <a:r>
+              <a:rPr lang="en-US" sz="1150" b="1" kern="0" dirty="0"/>
+              <a:t>@</a:t>
+            </a:r>
+            <a:r>
+              <a:rPr lang="en-US" sz="1150" b="1" kern="0" dirty="0" err="1"/>
+              <a:t>rl_fintech</a:t>
+            </a:r>
+            <a:r>
+              <a:rPr lang="en-US" sz="1150" b="1" kern="0" dirty="0"/>
+              <a:t> </a:t>
+            </a:r>
+            <a:r>
+              <a:rPr lang="en-US" sz="1150" kern="0" dirty="0"/>
+              <a:t>(</a:t>
+            </a:r>
+            <a:r>
+              <a:rPr lang="ru-RU" sz="1150" kern="0" dirty="0"/>
+              <a:t>Мой канал о моделях в бизнесе)</a:t>
+            </a:r>
+            <a:endParaRPr lang="ru-RU" sz="1400" kern="0" dirty="0"/>
+          </a:p>
+        </p:txBody>
+      </p:sp>
+    </p:spTree>
+  </p:cSld>
+  <p:clrMapOvr>
+    <a:masterClrMapping/>
+  </p:clrMapOvr>
+</p:sld>
+</file>
+
+<file path=ppt/slides/slide30.xml><?xml version="1.0" encoding="utf-8"?>
 <p:sld xmlns:a="http://schemas.openxmlformats.org/drawingml/2006/main" xmlns:r="http://schemas.openxmlformats.org/officeDocument/2006/relationships" xmlns:p="http://schemas.openxmlformats.org/presentationml/2006/main">
   <p:cSld>
     <p:spTree>
@@ -20253,7 +23098,7 @@
 </p:sld>
 </file>
 
-<file path=ppt/slides/slide25.xml><?xml version="1.0" encoding="utf-8"?>
+<file path=ppt/slides/slide31.xml><?xml version="1.0" encoding="utf-8"?>
 <p:sld xmlns:a="http://schemas.openxmlformats.org/drawingml/2006/main" xmlns:r="http://schemas.openxmlformats.org/officeDocument/2006/relationships" xmlns:p="http://schemas.openxmlformats.org/presentationml/2006/main">
   <p:cSld>
     <p:spTree>
@@ -21711,7 +24556,7 @@
 </p:sld>
 </file>
 
-<file path=ppt/slides/slide26.xml><?xml version="1.0" encoding="utf-8"?>
+<file path=ppt/slides/slide32.xml><?xml version="1.0" encoding="utf-8"?>
 <p:sld xmlns:a="http://schemas.openxmlformats.org/drawingml/2006/main" xmlns:r="http://schemas.openxmlformats.org/officeDocument/2006/relationships" xmlns:p="http://schemas.openxmlformats.org/presentationml/2006/main">
   <p:cSld>
     <p:spTree>
@@ -22996,7 +25841,7 @@
 </p:sld>
 </file>
 
-<file path=ppt/slides/slide27.xml><?xml version="1.0" encoding="utf-8"?>
+<file path=ppt/slides/slide33.xml><?xml version="1.0" encoding="utf-8"?>
 <p:sld xmlns:a="http://schemas.openxmlformats.org/drawingml/2006/main" xmlns:r="http://schemas.openxmlformats.org/officeDocument/2006/relationships" xmlns:p="http://schemas.openxmlformats.org/presentationml/2006/main">
   <p:cSld>
     <p:spTree>
@@ -24236,7 +27081,7 @@
 </p:sld>
 </file>
 
-<file path=ppt/slides/slide28.xml><?xml version="1.0" encoding="utf-8"?>
+<file path=ppt/slides/slide34.xml><?xml version="1.0" encoding="utf-8"?>
 <p:sld xmlns:a="http://schemas.openxmlformats.org/drawingml/2006/main" xmlns:r="http://schemas.openxmlformats.org/officeDocument/2006/relationships" xmlns:p="http://schemas.openxmlformats.org/presentationml/2006/main">
   <p:cSld>
     <p:spTree>
@@ -25470,7 +28315,7 @@
 </p:sld>
 </file>
 
-<file path=ppt/slides/slide29.xml><?xml version="1.0" encoding="utf-8"?>
+<file path=ppt/slides/slide35.xml><?xml version="1.0" encoding="utf-8"?>
 <p:sld xmlns:a="http://schemas.openxmlformats.org/drawingml/2006/main" xmlns:r="http://schemas.openxmlformats.org/officeDocument/2006/relationships" xmlns:p="http://schemas.openxmlformats.org/presentationml/2006/main">
   <p:cSld>
     <p:spTree>
@@ -26716,728 +29561,7 @@
 </p:sld>
 </file>
 
-<file path=ppt/slides/slide3.xml><?xml version="1.0" encoding="utf-8"?>
-<p:sld xmlns:a="http://schemas.openxmlformats.org/drawingml/2006/main" xmlns:r="http://schemas.openxmlformats.org/officeDocument/2006/relationships" xmlns:p="http://schemas.openxmlformats.org/presentationml/2006/main">
-  <p:cSld>
-    <p:spTree>
-      <p:nvGrpSpPr>
-        <p:cNvPr id="1" name="Shape 203"/>
-        <p:cNvGrpSpPr/>
-        <p:nvPr/>
-      </p:nvGrpSpPr>
-      <p:grpSpPr>
-        <a:xfrm>
-          <a:off x="0" y="0"/>
-          <a:ext cx="0" cy="0"/>
-          <a:chOff x="0" y="0"/>
-          <a:chExt cx="0" cy="0"/>
-        </a:xfrm>
-      </p:grpSpPr>
-      <p:sp>
-        <p:nvSpPr>
-          <p:cNvPr id="204" name="Google Shape;204;p48"/>
-          <p:cNvSpPr/>
-          <p:nvPr/>
-        </p:nvSpPr>
-        <p:spPr>
-          <a:xfrm>
-            <a:off x="630000" y="2703050"/>
-            <a:ext cx="1033800" cy="1983600"/>
-          </a:xfrm>
-          <a:prstGeom prst="rect">
-            <a:avLst/>
-          </a:prstGeom>
-          <a:solidFill>
-            <a:schemeClr val="accent4"/>
-          </a:solidFill>
-          <a:ln>
-            <a:noFill/>
-          </a:ln>
-        </p:spPr>
-        <p:txBody>
-          <a:bodyPr spcFirstLastPara="1" wrap="square" lIns="91425" tIns="91425" rIns="91425" bIns="91425" anchor="ctr" anchorCtr="0">
-            <a:noAutofit/>
-          </a:bodyPr>
-          <a:lstStyle/>
-          <a:p>
-            <a:pPr marL="0" lvl="0" indent="0" algn="l" rtl="0">
-              <a:spcBef>
-                <a:spcPts val="0"/>
-              </a:spcBef>
-              <a:spcAft>
-                <a:spcPts val="0"/>
-              </a:spcAft>
-              <a:buNone/>
-            </a:pPr>
-            <a:endParaRPr/>
-          </a:p>
-        </p:txBody>
-      </p:sp>
-      <p:sp>
-        <p:nvSpPr>
-          <p:cNvPr id="206" name="Google Shape;206;p48"/>
-          <p:cNvSpPr txBox="1">
-            <a:spLocks noGrp="1"/>
-          </p:cNvSpPr>
-          <p:nvPr>
-            <p:ph type="title"/>
-          </p:nvPr>
-        </p:nvSpPr>
-        <p:spPr>
-          <a:xfrm>
-            <a:off x="500550" y="821219"/>
-            <a:ext cx="8520600" cy="1032900"/>
-          </a:xfrm>
-          <a:prstGeom prst="rect">
-            <a:avLst/>
-          </a:prstGeom>
-        </p:spPr>
-        <p:txBody>
-          <a:bodyPr spcFirstLastPara="1" wrap="square" lIns="91425" tIns="91425" rIns="91425" bIns="91425" anchor="t" anchorCtr="0">
-            <a:noAutofit/>
-          </a:bodyPr>
-          <a:lstStyle/>
-          <a:p>
-            <a:pPr marL="0" lvl="0" indent="0" algn="l" rtl="0">
-              <a:spcBef>
-                <a:spcPts val="0"/>
-              </a:spcBef>
-              <a:spcAft>
-                <a:spcPts val="0"/>
-              </a:spcAft>
-              <a:buClr>
-                <a:schemeClr val="dk1"/>
-              </a:buClr>
-              <a:buSzPts val="1100"/>
-              <a:buFont typeface="Arial"/>
-              <a:buNone/>
-            </a:pPr>
-            <a:r>
-              <a:rPr lang="en-GB" sz="3200" dirty="0"/>
-              <a:t>ML </a:t>
-            </a:r>
-            <a:r>
-              <a:rPr lang="ru-RU" sz="3200" dirty="0"/>
-              <a:t>для финансового анализа</a:t>
-            </a:r>
-            <a:br>
-              <a:rPr lang="en-US" sz="3200" dirty="0"/>
-            </a:br>
-            <a:r>
-              <a:rPr lang="ru-RU" sz="2400" dirty="0"/>
-              <a:t>Интеграция технического анализа с методами машинного обучения.</a:t>
-            </a:r>
-            <a:endParaRPr b="0" dirty="0"/>
-          </a:p>
-        </p:txBody>
-      </p:sp>
-      <p:sp>
-        <p:nvSpPr>
-          <p:cNvPr id="207" name="Google Shape;207;p48"/>
-          <p:cNvSpPr txBox="1">
-            <a:spLocks noGrp="1"/>
-          </p:cNvSpPr>
-          <p:nvPr>
-            <p:ph type="subTitle" idx="1"/>
-          </p:nvPr>
-        </p:nvSpPr>
-        <p:spPr>
-          <a:xfrm>
-            <a:off x="500550" y="520133"/>
-            <a:ext cx="7796700" cy="356926"/>
-          </a:xfrm>
-          <a:prstGeom prst="rect">
-            <a:avLst/>
-          </a:prstGeom>
-        </p:spPr>
-        <p:txBody>
-          <a:bodyPr spcFirstLastPara="1" wrap="square" lIns="91425" tIns="91425" rIns="91425" bIns="91425" anchor="t" anchorCtr="0">
-            <a:normAutofit fontScale="92500" lnSpcReduction="20000"/>
-          </a:bodyPr>
-          <a:lstStyle/>
-          <a:p>
-            <a:pPr marL="0" lvl="0" indent="0" algn="l" rtl="0">
-              <a:spcBef>
-                <a:spcPts val="0"/>
-              </a:spcBef>
-              <a:spcAft>
-                <a:spcPts val="0"/>
-              </a:spcAft>
-              <a:buNone/>
-            </a:pPr>
-            <a:r>
-              <a:rPr lang="ru-RU" dirty="0"/>
-              <a:t>Открытый урок</a:t>
-            </a:r>
-            <a:endParaRPr dirty="0"/>
-          </a:p>
-        </p:txBody>
-      </p:sp>
-      <p:sp>
-        <p:nvSpPr>
-          <p:cNvPr id="208" name="Google Shape;208;p48"/>
-          <p:cNvSpPr txBox="1">
-            <a:spLocks noGrp="1"/>
-          </p:cNvSpPr>
-          <p:nvPr>
-            <p:ph type="subTitle" idx="2"/>
-          </p:nvPr>
-        </p:nvSpPr>
-        <p:spPr>
-          <a:xfrm>
-            <a:off x="3082400" y="2302060"/>
-            <a:ext cx="5856300" cy="396900"/>
-          </a:xfrm>
-          <a:prstGeom prst="rect">
-            <a:avLst/>
-          </a:prstGeom>
-        </p:spPr>
-        <p:txBody>
-          <a:bodyPr spcFirstLastPara="1" wrap="square" lIns="91425" tIns="91425" rIns="91425" bIns="91425" anchor="t" anchorCtr="0">
-            <a:normAutofit lnSpcReduction="10000"/>
-          </a:bodyPr>
-          <a:lstStyle/>
-          <a:p>
-            <a:pPr marL="0" lvl="0" indent="0" algn="l" rtl="0">
-              <a:spcBef>
-                <a:spcPts val="0"/>
-              </a:spcBef>
-              <a:spcAft>
-                <a:spcPts val="0"/>
-              </a:spcAft>
-              <a:buNone/>
-            </a:pPr>
-            <a:r>
-              <a:rPr lang="ru" dirty="0"/>
-              <a:t>Игорь Стурейко</a:t>
-            </a:r>
-            <a:endParaRPr dirty="0"/>
-          </a:p>
-        </p:txBody>
-      </p:sp>
-      <p:pic>
-        <p:nvPicPr>
-          <p:cNvPr id="8" name="Google Shape;278;p64">
-            <a:extLst>
-              <a:ext uri="{FF2B5EF4-FFF2-40B4-BE49-F238E27FC236}">
-                <a16:creationId xmlns:a16="http://schemas.microsoft.com/office/drawing/2014/main" id="{DC03452F-6B2F-EA48-9B01-C3577A300545}"/>
-              </a:ext>
-            </a:extLst>
-          </p:cNvPr>
-          <p:cNvPicPr preferRelativeResize="0"/>
-          <p:nvPr/>
-        </p:nvPicPr>
-        <p:blipFill rotWithShape="1">
-          <a:blip r:embed="rId3">
-            <a:alphaModFix/>
-          </a:blip>
-          <a:srcRect/>
-          <a:stretch/>
-        </p:blipFill>
-        <p:spPr>
-          <a:xfrm>
-            <a:off x="8077621" y="258179"/>
-            <a:ext cx="652375" cy="652375"/>
-          </a:xfrm>
-          <a:prstGeom prst="rect">
-            <a:avLst/>
-          </a:prstGeom>
-          <a:noFill/>
-          <a:ln>
-            <a:noFill/>
-          </a:ln>
-        </p:spPr>
-      </p:pic>
-      <p:pic>
-        <p:nvPicPr>
-          <p:cNvPr id="12" name="Picture 11">
-            <a:extLst>
-              <a:ext uri="{FF2B5EF4-FFF2-40B4-BE49-F238E27FC236}">
-                <a16:creationId xmlns:a16="http://schemas.microsoft.com/office/drawing/2014/main" id="{DADBDA60-D1B3-5B41-A4D2-CDAE2DD6B009}"/>
-              </a:ext>
-            </a:extLst>
-          </p:cNvPr>
-          <p:cNvPicPr>
-            <a:picLocks noChangeAspect="1"/>
-          </p:cNvPicPr>
-          <p:nvPr/>
-        </p:nvPicPr>
-        <p:blipFill rotWithShape="1">
-          <a:blip r:embed="rId4">
-            <a:extLst>
-              <a:ext uri="{28A0092B-C50C-407E-A947-70E740481C1C}">
-                <a14:useLocalDpi xmlns:a14="http://schemas.microsoft.com/office/drawing/2010/main" val="0"/>
-              </a:ext>
-            </a:extLst>
-          </a:blip>
-          <a:srcRect l="-1" t="12156" r="295"/>
-          <a:stretch/>
-        </p:blipFill>
-        <p:spPr>
-          <a:xfrm>
-            <a:off x="832654" y="2865544"/>
-            <a:ext cx="1662292" cy="1657372"/>
-          </a:xfrm>
-          <a:prstGeom prst="ellipse">
-            <a:avLst/>
-          </a:prstGeom>
-          <a:ln w="12700" cap="rnd">
-            <a:solidFill>
-              <a:srgbClr val="333333"/>
-            </a:solidFill>
-          </a:ln>
-          <a:effectLst>
-            <a:outerShdw blurRad="381000" dist="292100" dir="5400000" sx="-80000" sy="-18000" rotWithShape="0">
-              <a:srgbClr val="000000">
-                <a:alpha val="22000"/>
-              </a:srgbClr>
-            </a:outerShdw>
-          </a:effectLst>
-          <a:scene3d>
-            <a:camera prst="orthographicFront"/>
-            <a:lightRig rig="contrasting" dir="t">
-              <a:rot lat="0" lon="0" rev="3000000"/>
-            </a:lightRig>
-          </a:scene3d>
-          <a:sp3d contourW="7620">
-            <a:bevelT w="95250" h="31750"/>
-            <a:contourClr>
-              <a:srgbClr val="333333"/>
-            </a:contourClr>
-          </a:sp3d>
-        </p:spPr>
-      </p:pic>
-      <p:sp>
-        <p:nvSpPr>
-          <p:cNvPr id="13" name="Google Shape;209;p48">
-            <a:extLst>
-              <a:ext uri="{FF2B5EF4-FFF2-40B4-BE49-F238E27FC236}">
-                <a16:creationId xmlns:a16="http://schemas.microsoft.com/office/drawing/2014/main" id="{D0D012C5-1A3B-EC4C-B8A7-64C8AF21B41A}"/>
-              </a:ext>
-            </a:extLst>
-          </p:cNvPr>
-          <p:cNvSpPr txBox="1">
-            <a:spLocks/>
-          </p:cNvSpPr>
-          <p:nvPr/>
-        </p:nvSpPr>
-        <p:spPr>
-          <a:xfrm>
-            <a:off x="3082400" y="2701811"/>
-            <a:ext cx="5938750" cy="2133660"/>
-          </a:xfrm>
-          <a:prstGeom prst="rect">
-            <a:avLst/>
-          </a:prstGeom>
-          <a:noFill/>
-          <a:ln>
-            <a:noFill/>
-          </a:ln>
-        </p:spPr>
-        <p:txBody>
-          <a:bodyPr spcFirstLastPara="1" wrap="square" lIns="91425" tIns="91425" rIns="91425" bIns="91425" anchor="t" anchorCtr="0">
-            <a:normAutofit fontScale="85000" lnSpcReduction="20000"/>
-          </a:bodyPr>
-          <a:lstStyle>
-            <a:lvl1pPr marL="0" lvl="0" algn="l">
-              <a:lnSpc>
-                <a:spcPct val="100000"/>
-              </a:lnSpc>
-              <a:spcBef>
-                <a:spcPts val="0"/>
-              </a:spcBef>
-              <a:spcAft>
-                <a:spcPts val="0"/>
-              </a:spcAft>
-              <a:buClr>
-                <a:schemeClr val="dk1"/>
-              </a:buClr>
-              <a:buSzPts val="1300"/>
-              <a:buNone/>
-              <a:defRPr sz="1300" b="0" i="0">
-                <a:solidFill>
-                  <a:schemeClr val="dk1"/>
-                </a:solidFill>
-                <a:latin typeface="+mn-lt"/>
-                <a:ea typeface="+mn-ea"/>
-                <a:cs typeface="+mn-cs"/>
-              </a:defRPr>
-            </a:lvl1pPr>
-            <a:lvl2pPr marL="457200" lvl="1" algn="l">
-              <a:lnSpc>
-                <a:spcPct val="100000"/>
-              </a:lnSpc>
-              <a:spcBef>
-                <a:spcPts val="0"/>
-              </a:spcBef>
-              <a:spcAft>
-                <a:spcPts val="0"/>
-              </a:spcAft>
-              <a:buClr>
-                <a:schemeClr val="dk1"/>
-              </a:buClr>
-              <a:buSzPts val="1500"/>
-              <a:buNone/>
-              <a:defRPr>
-                <a:solidFill>
-                  <a:schemeClr val="dk1"/>
-                </a:solidFill>
-                <a:latin typeface="+mn-lt"/>
-                <a:ea typeface="+mn-ea"/>
-                <a:cs typeface="+mn-cs"/>
-              </a:defRPr>
-            </a:lvl2pPr>
-            <a:lvl3pPr marL="914400" lvl="2" algn="l">
-              <a:lnSpc>
-                <a:spcPct val="100000"/>
-              </a:lnSpc>
-              <a:spcBef>
-                <a:spcPts val="0"/>
-              </a:spcBef>
-              <a:spcAft>
-                <a:spcPts val="0"/>
-              </a:spcAft>
-              <a:buClr>
-                <a:schemeClr val="dk1"/>
-              </a:buClr>
-              <a:buSzPts val="1300"/>
-              <a:buNone/>
-              <a:defRPr>
-                <a:solidFill>
-                  <a:schemeClr val="dk1"/>
-                </a:solidFill>
-                <a:latin typeface="+mn-lt"/>
-                <a:ea typeface="+mn-ea"/>
-                <a:cs typeface="+mn-cs"/>
-              </a:defRPr>
-            </a:lvl3pPr>
-            <a:lvl4pPr marL="1371600" lvl="3" algn="l">
-              <a:lnSpc>
-                <a:spcPct val="100000"/>
-              </a:lnSpc>
-              <a:spcBef>
-                <a:spcPts val="0"/>
-              </a:spcBef>
-              <a:spcAft>
-                <a:spcPts val="0"/>
-              </a:spcAft>
-              <a:buClr>
-                <a:schemeClr val="dk1"/>
-              </a:buClr>
-              <a:buSzPts val="1300"/>
-              <a:buNone/>
-              <a:defRPr>
-                <a:solidFill>
-                  <a:schemeClr val="dk1"/>
-                </a:solidFill>
-                <a:latin typeface="+mn-lt"/>
-                <a:ea typeface="+mn-ea"/>
-                <a:cs typeface="+mn-cs"/>
-              </a:defRPr>
-            </a:lvl4pPr>
-            <a:lvl5pPr marL="1828800" lvl="4" algn="l">
-              <a:lnSpc>
-                <a:spcPct val="100000"/>
-              </a:lnSpc>
-              <a:spcBef>
-                <a:spcPts val="0"/>
-              </a:spcBef>
-              <a:spcAft>
-                <a:spcPts val="0"/>
-              </a:spcAft>
-              <a:buClr>
-                <a:schemeClr val="dk1"/>
-              </a:buClr>
-              <a:buSzPts val="1300"/>
-              <a:buNone/>
-              <a:defRPr>
-                <a:solidFill>
-                  <a:schemeClr val="dk1"/>
-                </a:solidFill>
-                <a:latin typeface="+mn-lt"/>
-                <a:ea typeface="+mn-ea"/>
-                <a:cs typeface="+mn-cs"/>
-              </a:defRPr>
-            </a:lvl5pPr>
-            <a:lvl6pPr marL="2286000" lvl="5" algn="l">
-              <a:lnSpc>
-                <a:spcPct val="100000"/>
-              </a:lnSpc>
-              <a:spcBef>
-                <a:spcPts val="0"/>
-              </a:spcBef>
-              <a:spcAft>
-                <a:spcPts val="0"/>
-              </a:spcAft>
-              <a:buClr>
-                <a:schemeClr val="dk1"/>
-              </a:buClr>
-              <a:buSzPts val="1300"/>
-              <a:buNone/>
-              <a:defRPr>
-                <a:solidFill>
-                  <a:schemeClr val="dk1"/>
-                </a:solidFill>
-                <a:latin typeface="+mn-lt"/>
-                <a:ea typeface="+mn-ea"/>
-                <a:cs typeface="+mn-cs"/>
-              </a:defRPr>
-            </a:lvl6pPr>
-            <a:lvl7pPr marL="2743200" lvl="6" algn="l">
-              <a:lnSpc>
-                <a:spcPct val="100000"/>
-              </a:lnSpc>
-              <a:spcBef>
-                <a:spcPts val="0"/>
-              </a:spcBef>
-              <a:spcAft>
-                <a:spcPts val="0"/>
-              </a:spcAft>
-              <a:buClr>
-                <a:schemeClr val="dk1"/>
-              </a:buClr>
-              <a:buSzPts val="1300"/>
-              <a:buNone/>
-              <a:defRPr>
-                <a:solidFill>
-                  <a:schemeClr val="dk1"/>
-                </a:solidFill>
-                <a:latin typeface="+mn-lt"/>
-                <a:ea typeface="+mn-ea"/>
-                <a:cs typeface="+mn-cs"/>
-              </a:defRPr>
-            </a:lvl7pPr>
-            <a:lvl8pPr marL="3200400" lvl="7" algn="l">
-              <a:lnSpc>
-                <a:spcPct val="100000"/>
-              </a:lnSpc>
-              <a:spcBef>
-                <a:spcPts val="0"/>
-              </a:spcBef>
-              <a:spcAft>
-                <a:spcPts val="0"/>
-              </a:spcAft>
-              <a:buClr>
-                <a:schemeClr val="dk1"/>
-              </a:buClr>
-              <a:buSzPts val="1300"/>
-              <a:buNone/>
-              <a:defRPr>
-                <a:solidFill>
-                  <a:schemeClr val="dk1"/>
-                </a:solidFill>
-                <a:latin typeface="+mn-lt"/>
-                <a:ea typeface="+mn-ea"/>
-                <a:cs typeface="+mn-cs"/>
-              </a:defRPr>
-            </a:lvl8pPr>
-            <a:lvl9pPr marL="3657600" lvl="8" algn="l">
-              <a:lnSpc>
-                <a:spcPct val="100000"/>
-              </a:lnSpc>
-              <a:spcBef>
-                <a:spcPts val="0"/>
-              </a:spcBef>
-              <a:spcAft>
-                <a:spcPts val="0"/>
-              </a:spcAft>
-              <a:buClr>
-                <a:schemeClr val="dk1"/>
-              </a:buClr>
-              <a:buSzPts val="1300"/>
-              <a:buNone/>
-              <a:defRPr>
-                <a:solidFill>
-                  <a:schemeClr val="dk1"/>
-                </a:solidFill>
-                <a:latin typeface="+mn-lt"/>
-                <a:ea typeface="+mn-ea"/>
-                <a:cs typeface="+mn-cs"/>
-              </a:defRPr>
-            </a:lvl9pPr>
-          </a:lstStyle>
-          <a:p>
-            <a:pPr marL="1470025" indent="-1465263">
-              <a:tabLst>
-                <a:tab pos="1465263" algn="l"/>
-              </a:tabLst>
-            </a:pPr>
-            <a:r>
-              <a:rPr lang="ru-RU" sz="1150" b="1" kern="0" dirty="0"/>
-              <a:t>Руководитель курсов: </a:t>
-            </a:r>
-            <a:r>
-              <a:rPr lang="en-US" sz="1150" b="1" kern="0" dirty="0"/>
-              <a:t>	Reinforcement Learning, ML Professional, ML Basic, </a:t>
-            </a:r>
-            <a:br>
-              <a:rPr lang="en-US" sz="1150" b="1" kern="0" dirty="0"/>
-            </a:br>
-            <a:r>
-              <a:rPr lang="en-US" sz="1150" b="1" kern="0" dirty="0" err="1"/>
-              <a:t>MLOps</a:t>
-            </a:r>
-            <a:r>
-              <a:rPr lang="en-US" sz="1150" b="1" kern="0" dirty="0"/>
-              <a:t>, </a:t>
-            </a:r>
-            <a:r>
-              <a:rPr lang="en-US" sz="1150" b="1" kern="0" dirty="0" err="1"/>
-              <a:t>FinML</a:t>
-            </a:r>
-            <a:endParaRPr lang="en-US" sz="1150" b="1" kern="0" dirty="0"/>
-          </a:p>
-          <a:p>
-            <a:pPr rtl="0"/>
-            <a:endParaRPr lang="en-US" sz="1150" b="1" kern="0" dirty="0"/>
-          </a:p>
-          <a:p>
-            <a:pPr rtl="0"/>
-            <a:r>
-              <a:rPr lang="en-US" sz="1150" b="1" kern="0" dirty="0" err="1"/>
-              <a:t>Teamlead</a:t>
-            </a:r>
-            <a:r>
-              <a:rPr lang="en-US" sz="1150" b="1" kern="0" dirty="0"/>
-              <a:t>, </a:t>
-            </a:r>
-            <a:r>
-              <a:rPr lang="ru-RU" sz="1150" b="1" kern="0" dirty="0"/>
-              <a:t>главный инженер проекта, </a:t>
-            </a:r>
-          </a:p>
-          <a:p>
-            <a:pPr rtl="0"/>
-            <a:r>
-              <a:rPr lang="ru-RU" sz="1150" b="1" kern="0" dirty="0"/>
-              <a:t>Физический факультет МГУ, </a:t>
-            </a:r>
-            <a:r>
-              <a:rPr lang="en-US" sz="1150" b="1" kern="0" dirty="0"/>
-              <a:t>PhD </a:t>
-            </a:r>
-            <a:r>
-              <a:rPr lang="ru-RU" sz="1150" b="1" kern="0" dirty="0"/>
-              <a:t>теоретическая физика</a:t>
-            </a:r>
-          </a:p>
-          <a:p>
-            <a:pPr rtl="0"/>
-            <a:endParaRPr lang="ru-RU" sz="1150" kern="0" dirty="0"/>
-          </a:p>
-          <a:p>
-            <a:pPr rtl="0"/>
-            <a:r>
-              <a:rPr lang="ru-RU" sz="1150" b="1" kern="0" dirty="0"/>
-              <a:t>Опыт:</a:t>
-            </a:r>
-            <a:endParaRPr lang="ru-RU" sz="1150" kern="0" dirty="0"/>
-          </a:p>
-          <a:p>
-            <a:pPr rtl="0"/>
-            <a:r>
-              <a:rPr lang="ru-RU" sz="1150" kern="0" dirty="0"/>
-              <a:t>Более 15 лет занимался прикладной математикой и мат моделированием</a:t>
-            </a:r>
-          </a:p>
-          <a:p>
-            <a:pPr rtl="0"/>
-            <a:r>
-              <a:rPr lang="ru-RU" sz="1150" kern="0" dirty="0"/>
-              <a:t>(</a:t>
-            </a:r>
-            <a:r>
-              <a:rPr lang="en-US" sz="1150" kern="0" dirty="0"/>
-              <a:t>Data Scientist) (Python, </a:t>
-            </a:r>
-            <a:r>
-              <a:rPr lang="ru-RU" sz="1150" kern="0" dirty="0"/>
-              <a:t>С++) в НИИ ПАО Газпром</a:t>
-            </a:r>
-          </a:p>
-          <a:p>
-            <a:pPr rtl="0"/>
-            <a:endParaRPr lang="ru-RU" sz="1150" kern="0" dirty="0"/>
-          </a:p>
-          <a:p>
-            <a:pPr rtl="0"/>
-            <a:endParaRPr lang="ru-RU" sz="1150" b="1" kern="0" dirty="0"/>
-          </a:p>
-          <a:p>
-            <a:pPr rtl="0"/>
-            <a:r>
-              <a:rPr lang="ru-RU" sz="1150" b="1" kern="0" dirty="0"/>
-              <a:t>@</a:t>
-            </a:r>
-            <a:r>
-              <a:rPr lang="en-US" sz="1150" b="1" kern="0" dirty="0" err="1"/>
-              <a:t>stureiko</a:t>
-            </a:r>
-            <a:r>
-              <a:rPr lang="en-US" sz="1150" b="1" kern="0" dirty="0"/>
-              <a:t> (TG)</a:t>
-            </a:r>
-          </a:p>
-          <a:p>
-            <a:pPr rtl="0"/>
-            <a:endParaRPr lang="en-US" sz="1150" b="1" kern="0" dirty="0"/>
-          </a:p>
-          <a:p>
-            <a:pPr rtl="0"/>
-            <a:r>
-              <a:rPr lang="en-US" sz="1150" b="1" kern="0" dirty="0"/>
-              <a:t>LinkedIn: </a:t>
-            </a:r>
-            <a:r>
-              <a:rPr lang="en-US" sz="1150" kern="0" dirty="0">
-                <a:hlinkClick r:id="rId5"/>
-              </a:rPr>
-              <a:t>igor-stureiko</a:t>
-            </a:r>
-            <a:r>
-              <a:rPr lang="en-US" sz="1150" kern="0" dirty="0"/>
-              <a:t> </a:t>
-            </a:r>
-          </a:p>
-          <a:p>
-            <a:pPr rtl="0"/>
-            <a:endParaRPr lang="en-US" sz="1150" kern="0" dirty="0"/>
-          </a:p>
-          <a:p>
-            <a:pPr rtl="0"/>
-            <a:r>
-              <a:rPr lang="en-US" sz="1150" b="1" kern="0" dirty="0"/>
-              <a:t>@</a:t>
-            </a:r>
-            <a:r>
-              <a:rPr lang="en-US" sz="1150" b="1" kern="0" dirty="0" err="1"/>
-              <a:t>rl_fintech</a:t>
-            </a:r>
-            <a:r>
-              <a:rPr lang="en-US" sz="1150" b="1" kern="0" dirty="0"/>
-              <a:t> </a:t>
-            </a:r>
-            <a:r>
-              <a:rPr lang="en-US" sz="1150" kern="0" dirty="0"/>
-              <a:t>(</a:t>
-            </a:r>
-            <a:r>
-              <a:rPr lang="ru-RU" sz="1150" kern="0" dirty="0"/>
-              <a:t>Мой канал о моделях в бизнесе)</a:t>
-            </a:r>
-            <a:endParaRPr lang="ru-RU" sz="1400" kern="0" dirty="0"/>
-          </a:p>
-        </p:txBody>
-      </p:sp>
-    </p:spTree>
-  </p:cSld>
-  <p:clrMapOvr>
-    <a:masterClrMapping/>
-  </p:clrMapOvr>
-</p:sld>
-</file>
-
-<file path=ppt/slides/slide30.xml><?xml version="1.0" encoding="utf-8"?>
+<file path=ppt/slides/slide36.xml><?xml version="1.0" encoding="utf-8"?>
 <p:sld xmlns:a="http://schemas.openxmlformats.org/drawingml/2006/main" xmlns:r="http://schemas.openxmlformats.org/officeDocument/2006/relationships" xmlns:p="http://schemas.openxmlformats.org/presentationml/2006/main">
   <p:cSld>
     <p:spTree>
@@ -28705,7 +30829,7 @@
 </p:sld>
 </file>
 
-<file path=ppt/slides/slide31.xml><?xml version="1.0" encoding="utf-8"?>
+<file path=ppt/slides/slide37.xml><?xml version="1.0" encoding="utf-8"?>
 <p:sld xmlns:a="http://schemas.openxmlformats.org/drawingml/2006/main" xmlns:r="http://schemas.openxmlformats.org/officeDocument/2006/relationships" xmlns:p="http://schemas.openxmlformats.org/presentationml/2006/main">
   <p:cSld>
     <p:spTree>
@@ -29975,7 +32099,7 @@
 </p:sld>
 </file>
 
-<file path=ppt/slides/slide32.xml><?xml version="1.0" encoding="utf-8"?>
+<file path=ppt/slides/slide38.xml><?xml version="1.0" encoding="utf-8"?>
 <p:sld xmlns:a="http://schemas.openxmlformats.org/drawingml/2006/main" xmlns:r="http://schemas.openxmlformats.org/officeDocument/2006/relationships" xmlns:p="http://schemas.openxmlformats.org/presentationml/2006/main">
   <p:cSld>
     <p:spTree>
@@ -31153,7 +33277,7 @@
 </p:sld>
 </file>
 
-<file path=ppt/slides/slide33.xml><?xml version="1.0" encoding="utf-8"?>
+<file path=ppt/slides/slide39.xml><?xml version="1.0" encoding="utf-8"?>
 <p:sld xmlns:a="http://schemas.openxmlformats.org/drawingml/2006/main" xmlns:r="http://schemas.openxmlformats.org/officeDocument/2006/relationships" xmlns:p="http://schemas.openxmlformats.org/presentationml/2006/main">
   <p:cSld>
     <p:spTree>
@@ -31216,2093 +33340,6 @@
 </p:sld>
 </file>
 
-<file path=ppt/slides/slide34.xml><?xml version="1.0" encoding="utf-8"?>
-<p:sld xmlns:a="http://schemas.openxmlformats.org/drawingml/2006/main" xmlns:r="http://schemas.openxmlformats.org/officeDocument/2006/relationships" xmlns:p="http://schemas.openxmlformats.org/presentationml/2006/main">
-  <p:cSld>
-    <p:spTree>
-      <p:nvGrpSpPr>
-        <p:cNvPr id="1" name="Shape 515"/>
-        <p:cNvGrpSpPr/>
-        <p:nvPr/>
-      </p:nvGrpSpPr>
-      <p:grpSpPr>
-        <a:xfrm>
-          <a:off x="0" y="0"/>
-          <a:ext cx="0" cy="0"/>
-          <a:chOff x="0" y="0"/>
-          <a:chExt cx="0" cy="0"/>
-        </a:xfrm>
-      </p:grpSpPr>
-      <p:sp>
-        <p:nvSpPr>
-          <p:cNvPr id="516" name="Google Shape;516;p94"/>
-          <p:cNvSpPr/>
-          <p:nvPr/>
-        </p:nvSpPr>
-        <p:spPr>
-          <a:xfrm>
-            <a:off x="1052550" y="1264075"/>
-            <a:ext cx="3426900" cy="779100"/>
-          </a:xfrm>
-          <a:prstGeom prst="rect">
-            <a:avLst/>
-          </a:prstGeom>
-          <a:solidFill>
-            <a:srgbClr val="F3F3F3"/>
-          </a:solidFill>
-          <a:ln>
-            <a:noFill/>
-          </a:ln>
-        </p:spPr>
-        <p:txBody>
-          <a:bodyPr spcFirstLastPara="1" wrap="square" lIns="91425" tIns="91425" rIns="91425" bIns="91425" anchor="ctr" anchorCtr="0">
-            <a:noAutofit/>
-          </a:bodyPr>
-          <a:lstStyle/>
-          <a:p>
-            <a:pPr marL="0" marR="0" lvl="0" indent="0" algn="l" rtl="0">
-              <a:lnSpc>
-                <a:spcPct val="100000"/>
-              </a:lnSpc>
-              <a:spcBef>
-                <a:spcPts val="0"/>
-              </a:spcBef>
-              <a:spcAft>
-                <a:spcPts val="0"/>
-              </a:spcAft>
-              <a:buClr>
-                <a:srgbClr val="000000"/>
-              </a:buClr>
-              <a:buSzPts val="1400"/>
-              <a:buFont typeface="Arial"/>
-              <a:buNone/>
-            </a:pPr>
-            <a:endParaRPr sz="1400" b="0" i="0" u="none" strike="noStrike" cap="none">
-              <a:solidFill>
-                <a:srgbClr val="000000"/>
-              </a:solidFill>
-              <a:latin typeface="Arial"/>
-              <a:ea typeface="Arial"/>
-              <a:cs typeface="Arial"/>
-              <a:sym typeface="Arial"/>
-            </a:endParaRPr>
-          </a:p>
-        </p:txBody>
-      </p:sp>
-      <p:sp>
-        <p:nvSpPr>
-          <p:cNvPr id="517" name="Google Shape;517;p94"/>
-          <p:cNvSpPr/>
-          <p:nvPr/>
-        </p:nvSpPr>
-        <p:spPr>
-          <a:xfrm>
-            <a:off x="1052550" y="2237575"/>
-            <a:ext cx="3426900" cy="993300"/>
-          </a:xfrm>
-          <a:prstGeom prst="rect">
-            <a:avLst/>
-          </a:prstGeom>
-          <a:solidFill>
-            <a:srgbClr val="F3F3F3"/>
-          </a:solidFill>
-          <a:ln>
-            <a:noFill/>
-          </a:ln>
-        </p:spPr>
-        <p:txBody>
-          <a:bodyPr spcFirstLastPara="1" wrap="square" lIns="91425" tIns="91425" rIns="91425" bIns="91425" anchor="ctr" anchorCtr="0">
-            <a:noAutofit/>
-          </a:bodyPr>
-          <a:lstStyle/>
-          <a:p>
-            <a:pPr marL="0" marR="0" lvl="0" indent="0" algn="l" rtl="0">
-              <a:lnSpc>
-                <a:spcPct val="100000"/>
-              </a:lnSpc>
-              <a:spcBef>
-                <a:spcPts val="0"/>
-              </a:spcBef>
-              <a:spcAft>
-                <a:spcPts val="0"/>
-              </a:spcAft>
-              <a:buClr>
-                <a:srgbClr val="000000"/>
-              </a:buClr>
-              <a:buSzPts val="1400"/>
-              <a:buFont typeface="Arial"/>
-              <a:buNone/>
-            </a:pPr>
-            <a:endParaRPr sz="1400" b="0" i="0" u="none" strike="noStrike" cap="none">
-              <a:solidFill>
-                <a:srgbClr val="000000"/>
-              </a:solidFill>
-              <a:latin typeface="Arial"/>
-              <a:ea typeface="Arial"/>
-              <a:cs typeface="Arial"/>
-              <a:sym typeface="Arial"/>
-            </a:endParaRPr>
-          </a:p>
-        </p:txBody>
-      </p:sp>
-      <p:sp>
-        <p:nvSpPr>
-          <p:cNvPr id="518" name="Google Shape;518;p94"/>
-          <p:cNvSpPr/>
-          <p:nvPr/>
-        </p:nvSpPr>
-        <p:spPr>
-          <a:xfrm>
-            <a:off x="1052550" y="3425275"/>
-            <a:ext cx="3426900" cy="1135500"/>
-          </a:xfrm>
-          <a:prstGeom prst="rect">
-            <a:avLst/>
-          </a:prstGeom>
-          <a:solidFill>
-            <a:srgbClr val="F3F3F3"/>
-          </a:solidFill>
-          <a:ln>
-            <a:noFill/>
-          </a:ln>
-        </p:spPr>
-        <p:txBody>
-          <a:bodyPr spcFirstLastPara="1" wrap="square" lIns="91425" tIns="91425" rIns="91425" bIns="91425" anchor="ctr" anchorCtr="0">
-            <a:noAutofit/>
-          </a:bodyPr>
-          <a:lstStyle/>
-          <a:p>
-            <a:pPr marL="0" marR="0" lvl="0" indent="0" algn="l" rtl="0">
-              <a:lnSpc>
-                <a:spcPct val="100000"/>
-              </a:lnSpc>
-              <a:spcBef>
-                <a:spcPts val="0"/>
-              </a:spcBef>
-              <a:spcAft>
-                <a:spcPts val="0"/>
-              </a:spcAft>
-              <a:buClr>
-                <a:srgbClr val="000000"/>
-              </a:buClr>
-              <a:buSzPts val="1400"/>
-              <a:buFont typeface="Arial"/>
-              <a:buNone/>
-            </a:pPr>
-            <a:endParaRPr sz="1400" b="0" i="0" u="none" strike="noStrike" cap="none">
-              <a:solidFill>
-                <a:srgbClr val="000000"/>
-              </a:solidFill>
-              <a:latin typeface="Arial"/>
-              <a:ea typeface="Arial"/>
-              <a:cs typeface="Arial"/>
-              <a:sym typeface="Arial"/>
-            </a:endParaRPr>
-          </a:p>
-        </p:txBody>
-      </p:sp>
-      <p:sp>
-        <p:nvSpPr>
-          <p:cNvPr id="519" name="Google Shape;519;p94"/>
-          <p:cNvSpPr/>
-          <p:nvPr/>
-        </p:nvSpPr>
-        <p:spPr>
-          <a:xfrm>
-            <a:off x="4673550" y="1264075"/>
-            <a:ext cx="3417900" cy="1135500"/>
-          </a:xfrm>
-          <a:prstGeom prst="rect">
-            <a:avLst/>
-          </a:prstGeom>
-          <a:solidFill>
-            <a:srgbClr val="F3F3F3"/>
-          </a:solidFill>
-          <a:ln>
-            <a:noFill/>
-          </a:ln>
-        </p:spPr>
-        <p:txBody>
-          <a:bodyPr spcFirstLastPara="1" wrap="square" lIns="91425" tIns="91425" rIns="91425" bIns="91425" anchor="ctr" anchorCtr="0">
-            <a:noAutofit/>
-          </a:bodyPr>
-          <a:lstStyle/>
-          <a:p>
-            <a:pPr marL="0" marR="0" lvl="0" indent="0" algn="l" rtl="0">
-              <a:lnSpc>
-                <a:spcPct val="100000"/>
-              </a:lnSpc>
-              <a:spcBef>
-                <a:spcPts val="0"/>
-              </a:spcBef>
-              <a:spcAft>
-                <a:spcPts val="0"/>
-              </a:spcAft>
-              <a:buClr>
-                <a:srgbClr val="000000"/>
-              </a:buClr>
-              <a:buSzPts val="1400"/>
-              <a:buFont typeface="Arial"/>
-              <a:buNone/>
-            </a:pPr>
-            <a:endParaRPr sz="1400" b="0" i="0" u="none" strike="noStrike" cap="none">
-              <a:solidFill>
-                <a:srgbClr val="000000"/>
-              </a:solidFill>
-              <a:latin typeface="Arial"/>
-              <a:ea typeface="Arial"/>
-              <a:cs typeface="Arial"/>
-              <a:sym typeface="Arial"/>
-            </a:endParaRPr>
-          </a:p>
-        </p:txBody>
-      </p:sp>
-      <p:sp>
-        <p:nvSpPr>
-          <p:cNvPr id="520" name="Google Shape;520;p94"/>
-          <p:cNvSpPr/>
-          <p:nvPr/>
-        </p:nvSpPr>
-        <p:spPr>
-          <a:xfrm>
-            <a:off x="4673550" y="2579575"/>
-            <a:ext cx="3417900" cy="848100"/>
-          </a:xfrm>
-          <a:prstGeom prst="rect">
-            <a:avLst/>
-          </a:prstGeom>
-          <a:solidFill>
-            <a:srgbClr val="F3F3F3"/>
-          </a:solidFill>
-          <a:ln>
-            <a:noFill/>
-          </a:ln>
-        </p:spPr>
-        <p:txBody>
-          <a:bodyPr spcFirstLastPara="1" wrap="square" lIns="91425" tIns="91425" rIns="91425" bIns="91425" anchor="ctr" anchorCtr="0">
-            <a:noAutofit/>
-          </a:bodyPr>
-          <a:lstStyle/>
-          <a:p>
-            <a:pPr marL="0" marR="0" lvl="0" indent="0" algn="l" rtl="0">
-              <a:lnSpc>
-                <a:spcPct val="100000"/>
-              </a:lnSpc>
-              <a:spcBef>
-                <a:spcPts val="0"/>
-              </a:spcBef>
-              <a:spcAft>
-                <a:spcPts val="0"/>
-              </a:spcAft>
-              <a:buClr>
-                <a:srgbClr val="000000"/>
-              </a:buClr>
-              <a:buSzPts val="1400"/>
-              <a:buFont typeface="Arial"/>
-              <a:buNone/>
-            </a:pPr>
-            <a:endParaRPr sz="1400" b="0" i="0" u="none" strike="noStrike" cap="none">
-              <a:solidFill>
-                <a:srgbClr val="000000"/>
-              </a:solidFill>
-              <a:latin typeface="Arial"/>
-              <a:ea typeface="Arial"/>
-              <a:cs typeface="Arial"/>
-              <a:sym typeface="Arial"/>
-            </a:endParaRPr>
-          </a:p>
-        </p:txBody>
-      </p:sp>
-      <p:sp>
-        <p:nvSpPr>
-          <p:cNvPr id="521" name="Google Shape;521;p94"/>
-          <p:cNvSpPr/>
-          <p:nvPr/>
-        </p:nvSpPr>
-        <p:spPr>
-          <a:xfrm>
-            <a:off x="4673550" y="3607675"/>
-            <a:ext cx="3417900" cy="951000"/>
-          </a:xfrm>
-          <a:prstGeom prst="rect">
-            <a:avLst/>
-          </a:prstGeom>
-          <a:solidFill>
-            <a:srgbClr val="F3F3F3"/>
-          </a:solidFill>
-          <a:ln>
-            <a:noFill/>
-          </a:ln>
-        </p:spPr>
-        <p:txBody>
-          <a:bodyPr spcFirstLastPara="1" wrap="square" lIns="91425" tIns="91425" rIns="91425" bIns="91425" anchor="ctr" anchorCtr="0">
-            <a:noAutofit/>
-          </a:bodyPr>
-          <a:lstStyle/>
-          <a:p>
-            <a:pPr marL="0" marR="0" lvl="0" indent="0" algn="l" rtl="0">
-              <a:lnSpc>
-                <a:spcPct val="100000"/>
-              </a:lnSpc>
-              <a:spcBef>
-                <a:spcPts val="0"/>
-              </a:spcBef>
-              <a:spcAft>
-                <a:spcPts val="0"/>
-              </a:spcAft>
-              <a:buClr>
-                <a:srgbClr val="000000"/>
-              </a:buClr>
-              <a:buSzPts val="1400"/>
-              <a:buFont typeface="Arial"/>
-              <a:buNone/>
-            </a:pPr>
-            <a:endParaRPr sz="1400" b="0" i="0" u="none" strike="noStrike" cap="none">
-              <a:solidFill>
-                <a:srgbClr val="000000"/>
-              </a:solidFill>
-              <a:latin typeface="Arial"/>
-              <a:ea typeface="Arial"/>
-              <a:cs typeface="Arial"/>
-              <a:sym typeface="Arial"/>
-            </a:endParaRPr>
-          </a:p>
-        </p:txBody>
-      </p:sp>
-      <p:pic>
-        <p:nvPicPr>
-          <p:cNvPr id="522" name="Google Shape;522;p94"/>
-          <p:cNvPicPr preferRelativeResize="0"/>
-          <p:nvPr/>
-        </p:nvPicPr>
-        <p:blipFill rotWithShape="1">
-          <a:blip r:embed="rId3">
-            <a:alphaModFix/>
-          </a:blip>
-          <a:srcRect/>
-          <a:stretch/>
-        </p:blipFill>
-        <p:spPr>
-          <a:xfrm>
-            <a:off x="1237900" y="1421375"/>
-            <a:ext cx="460475" cy="460475"/>
-          </a:xfrm>
-          <a:prstGeom prst="rect">
-            <a:avLst/>
-          </a:prstGeom>
-          <a:noFill/>
-          <a:ln>
-            <a:noFill/>
-          </a:ln>
-        </p:spPr>
-      </p:pic>
-      <p:sp>
-        <p:nvSpPr>
-          <p:cNvPr id="523" name="Google Shape;523;p94"/>
-          <p:cNvSpPr txBox="1"/>
-          <p:nvPr/>
-        </p:nvSpPr>
-        <p:spPr>
-          <a:xfrm>
-            <a:off x="1763275" y="1326125"/>
-            <a:ext cx="2529600" cy="651000"/>
-          </a:xfrm>
-          <a:prstGeom prst="rect">
-            <a:avLst/>
-          </a:prstGeom>
-          <a:noFill/>
-          <a:ln>
-            <a:noFill/>
-          </a:ln>
-        </p:spPr>
-        <p:txBody>
-          <a:bodyPr spcFirstLastPara="1" wrap="square" lIns="91425" tIns="91425" rIns="54000" bIns="91425" anchor="t" anchorCtr="0">
-            <a:normAutofit lnSpcReduction="10000"/>
-          </a:bodyPr>
-          <a:lstStyle/>
-          <a:p>
-            <a:pPr marL="0" marR="0" lvl="0" indent="0" algn="l" rtl="0">
-              <a:lnSpc>
-                <a:spcPct val="120000"/>
-              </a:lnSpc>
-              <a:spcBef>
-                <a:spcPts val="0"/>
-              </a:spcBef>
-              <a:spcAft>
-                <a:spcPts val="0"/>
-              </a:spcAft>
-              <a:buClr>
-                <a:schemeClr val="dk1"/>
-              </a:buClr>
-              <a:buSzPts val="1100"/>
-              <a:buFont typeface="Arial"/>
-              <a:buNone/>
-            </a:pPr>
-            <a:r>
-              <a:rPr lang="ru" sz="900" b="0" i="0" u="none" strike="noStrike" cap="none">
-                <a:solidFill>
-                  <a:srgbClr val="000000"/>
-                </a:solidFill>
-                <a:latin typeface="Roboto"/>
-                <a:ea typeface="Roboto"/>
-                <a:cs typeface="Roboto"/>
-                <a:sym typeface="Roboto"/>
-              </a:rPr>
-              <a:t>Обучение выстроено в формате вебинаров (онлайн). Онлайн-вебинары проводятся</a:t>
-            </a:r>
-            <a:endParaRPr sz="900" b="0" i="0" u="none" strike="noStrike" cap="none">
-              <a:solidFill>
-                <a:srgbClr val="000000"/>
-              </a:solidFill>
-              <a:latin typeface="Roboto"/>
-              <a:ea typeface="Roboto"/>
-              <a:cs typeface="Roboto"/>
-              <a:sym typeface="Roboto"/>
-            </a:endParaRPr>
-          </a:p>
-          <a:p>
-            <a:pPr marL="0" marR="0" lvl="0" indent="0" algn="l" rtl="0">
-              <a:lnSpc>
-                <a:spcPct val="120000"/>
-              </a:lnSpc>
-              <a:spcBef>
-                <a:spcPts val="0"/>
-              </a:spcBef>
-              <a:spcAft>
-                <a:spcPts val="0"/>
-              </a:spcAft>
-              <a:buClr>
-                <a:schemeClr val="dk1"/>
-              </a:buClr>
-              <a:buSzPts val="1100"/>
-              <a:buFont typeface="Arial"/>
-              <a:buNone/>
-            </a:pPr>
-            <a:r>
-              <a:rPr lang="ru" sz="900" b="0" i="0" u="none" strike="noStrike" cap="none">
-                <a:solidFill>
-                  <a:srgbClr val="000000"/>
-                </a:solidFill>
-                <a:latin typeface="Roboto"/>
-                <a:ea typeface="Roboto"/>
-                <a:cs typeface="Roboto"/>
-                <a:sym typeface="Roboto"/>
-              </a:rPr>
-              <a:t>по вечерам или в выходные дни</a:t>
-            </a:r>
-            <a:endParaRPr sz="900" b="0" i="0" u="none" strike="noStrike" cap="none">
-              <a:solidFill>
-                <a:srgbClr val="000000"/>
-              </a:solidFill>
-              <a:latin typeface="Roboto"/>
-              <a:ea typeface="Roboto"/>
-              <a:cs typeface="Roboto"/>
-              <a:sym typeface="Roboto"/>
-            </a:endParaRPr>
-          </a:p>
-        </p:txBody>
-      </p:sp>
-      <p:pic>
-        <p:nvPicPr>
-          <p:cNvPr id="524" name="Google Shape;524;p94"/>
-          <p:cNvPicPr preferRelativeResize="0"/>
-          <p:nvPr/>
-        </p:nvPicPr>
-        <p:blipFill rotWithShape="1">
-          <a:blip r:embed="rId4">
-            <a:alphaModFix/>
-          </a:blip>
-          <a:srcRect/>
-          <a:stretch/>
-        </p:blipFill>
-        <p:spPr>
-          <a:xfrm>
-            <a:off x="1237900" y="2440438"/>
-            <a:ext cx="460475" cy="460475"/>
-          </a:xfrm>
-          <a:prstGeom prst="rect">
-            <a:avLst/>
-          </a:prstGeom>
-          <a:noFill/>
-          <a:ln>
-            <a:noFill/>
-          </a:ln>
-        </p:spPr>
-      </p:pic>
-      <p:sp>
-        <p:nvSpPr>
-          <p:cNvPr id="525" name="Google Shape;525;p94"/>
-          <p:cNvSpPr txBox="1"/>
-          <p:nvPr/>
-        </p:nvSpPr>
-        <p:spPr>
-          <a:xfrm>
-            <a:off x="1763275" y="2305525"/>
-            <a:ext cx="2626500" cy="951000"/>
-          </a:xfrm>
-          <a:prstGeom prst="rect">
-            <a:avLst/>
-          </a:prstGeom>
-          <a:noFill/>
-          <a:ln>
-            <a:noFill/>
-          </a:ln>
-        </p:spPr>
-        <p:txBody>
-          <a:bodyPr spcFirstLastPara="1" wrap="square" lIns="91425" tIns="91425" rIns="54000" bIns="91425" anchor="t" anchorCtr="0">
-            <a:normAutofit/>
-          </a:bodyPr>
-          <a:lstStyle/>
-          <a:p>
-            <a:pPr marL="0" marR="0" lvl="0" indent="0" algn="l" rtl="0">
-              <a:lnSpc>
-                <a:spcPct val="120000"/>
-              </a:lnSpc>
-              <a:spcBef>
-                <a:spcPts val="0"/>
-              </a:spcBef>
-              <a:spcAft>
-                <a:spcPts val="0"/>
-              </a:spcAft>
-              <a:buClr>
-                <a:schemeClr val="dk1"/>
-              </a:buClr>
-              <a:buSzPts val="1100"/>
-              <a:buFont typeface="Arial"/>
-              <a:buNone/>
-            </a:pPr>
-            <a:r>
-              <a:rPr lang="ru" sz="900" b="0" i="0" u="none" strike="noStrike" cap="none">
-                <a:solidFill>
-                  <a:srgbClr val="000000"/>
-                </a:solidFill>
-                <a:latin typeface="Roboto"/>
-                <a:ea typeface="Roboto"/>
-                <a:cs typeface="Roboto"/>
-                <a:sym typeface="Roboto"/>
-              </a:rPr>
-              <a:t>Все записи занятий и материалы, предоставляемые преподавателями, сохраняются в личном кабинете и остаются доступны даже после окончания обучения</a:t>
-            </a:r>
-            <a:endParaRPr sz="900" b="0" i="0" u="none" strike="noStrike" cap="none">
-              <a:solidFill>
-                <a:srgbClr val="000000"/>
-              </a:solidFill>
-              <a:latin typeface="Roboto"/>
-              <a:ea typeface="Roboto"/>
-              <a:cs typeface="Roboto"/>
-              <a:sym typeface="Roboto"/>
-            </a:endParaRPr>
-          </a:p>
-        </p:txBody>
-      </p:sp>
-      <p:pic>
-        <p:nvPicPr>
-          <p:cNvPr id="526" name="Google Shape;526;p94"/>
-          <p:cNvPicPr preferRelativeResize="0"/>
-          <p:nvPr/>
-        </p:nvPicPr>
-        <p:blipFill rotWithShape="1">
-          <a:blip r:embed="rId5">
-            <a:alphaModFix/>
-          </a:blip>
-          <a:srcRect/>
-          <a:stretch/>
-        </p:blipFill>
-        <p:spPr>
-          <a:xfrm>
-            <a:off x="1237900" y="3632238"/>
-            <a:ext cx="460475" cy="460475"/>
-          </a:xfrm>
-          <a:prstGeom prst="rect">
-            <a:avLst/>
-          </a:prstGeom>
-          <a:noFill/>
-          <a:ln>
-            <a:noFill/>
-          </a:ln>
-        </p:spPr>
-      </p:pic>
-      <p:sp>
-        <p:nvSpPr>
-          <p:cNvPr id="527" name="Google Shape;527;p94"/>
-          <p:cNvSpPr txBox="1"/>
-          <p:nvPr/>
-        </p:nvSpPr>
-        <p:spPr>
-          <a:xfrm>
-            <a:off x="1763275" y="3495075"/>
-            <a:ext cx="2493300" cy="1035300"/>
-          </a:xfrm>
-          <a:prstGeom prst="rect">
-            <a:avLst/>
-          </a:prstGeom>
-          <a:noFill/>
-          <a:ln>
-            <a:noFill/>
-          </a:ln>
-        </p:spPr>
-        <p:txBody>
-          <a:bodyPr spcFirstLastPara="1" wrap="square" lIns="91425" tIns="91425" rIns="54000" bIns="91425" anchor="t" anchorCtr="0">
-            <a:normAutofit/>
-          </a:bodyPr>
-          <a:lstStyle/>
-          <a:p>
-            <a:pPr marL="0" marR="0" lvl="0" indent="0" algn="l" rtl="0">
-              <a:lnSpc>
-                <a:spcPct val="120000"/>
-              </a:lnSpc>
-              <a:spcBef>
-                <a:spcPts val="0"/>
-              </a:spcBef>
-              <a:spcAft>
-                <a:spcPts val="0"/>
-              </a:spcAft>
-              <a:buClr>
-                <a:schemeClr val="dk1"/>
-              </a:buClr>
-              <a:buSzPts val="1100"/>
-              <a:buFont typeface="Arial"/>
-              <a:buNone/>
-            </a:pPr>
-            <a:r>
-              <a:rPr lang="ru" sz="900" b="0" i="0" u="none" strike="noStrike" cap="none">
-                <a:solidFill>
-                  <a:srgbClr val="000000"/>
-                </a:solidFill>
-                <a:latin typeface="Roboto"/>
-                <a:ea typeface="Roboto"/>
-                <a:cs typeface="Roboto"/>
-                <a:sym typeface="Roboto"/>
-              </a:rPr>
-              <a:t>Домашние задания позволят Вам применить на практике полученные</a:t>
-            </a:r>
-            <a:endParaRPr sz="900" b="0" i="0" u="none" strike="noStrike" cap="none">
-              <a:solidFill>
-                <a:srgbClr val="000000"/>
-              </a:solidFill>
-              <a:latin typeface="Roboto"/>
-              <a:ea typeface="Roboto"/>
-              <a:cs typeface="Roboto"/>
-              <a:sym typeface="Roboto"/>
-            </a:endParaRPr>
-          </a:p>
-          <a:p>
-            <a:pPr marL="0" marR="0" lvl="0" indent="0" algn="l" rtl="0">
-              <a:lnSpc>
-                <a:spcPct val="120000"/>
-              </a:lnSpc>
-              <a:spcBef>
-                <a:spcPts val="0"/>
-              </a:spcBef>
-              <a:spcAft>
-                <a:spcPts val="0"/>
-              </a:spcAft>
-              <a:buClr>
-                <a:schemeClr val="dk1"/>
-              </a:buClr>
-              <a:buSzPts val="1100"/>
-              <a:buFont typeface="Arial"/>
-              <a:buNone/>
-            </a:pPr>
-            <a:r>
-              <a:rPr lang="ru" sz="900" b="0" i="0" u="none" strike="noStrike" cap="none">
-                <a:solidFill>
-                  <a:srgbClr val="000000"/>
-                </a:solidFill>
-                <a:latin typeface="Roboto"/>
-                <a:ea typeface="Roboto"/>
-                <a:cs typeface="Roboto"/>
-                <a:sym typeface="Roboto"/>
-              </a:rPr>
-              <a:t>во время вебинаров знания.</a:t>
-            </a:r>
-            <a:endParaRPr sz="900" b="0" i="0" u="none" strike="noStrike" cap="none">
-              <a:solidFill>
-                <a:srgbClr val="000000"/>
-              </a:solidFill>
-              <a:latin typeface="Roboto"/>
-              <a:ea typeface="Roboto"/>
-              <a:cs typeface="Roboto"/>
-              <a:sym typeface="Roboto"/>
-            </a:endParaRPr>
-          </a:p>
-          <a:p>
-            <a:pPr marL="0" marR="0" lvl="0" indent="0" algn="l" rtl="0">
-              <a:lnSpc>
-                <a:spcPct val="120000"/>
-              </a:lnSpc>
-              <a:spcBef>
-                <a:spcPts val="0"/>
-              </a:spcBef>
-              <a:spcAft>
-                <a:spcPts val="0"/>
-              </a:spcAft>
-              <a:buClr>
-                <a:schemeClr val="dk1"/>
-              </a:buClr>
-              <a:buSzPts val="1100"/>
-              <a:buFont typeface="Arial"/>
-              <a:buNone/>
-            </a:pPr>
-            <a:r>
-              <a:rPr lang="ru" sz="900" b="0" i="0" u="none" strike="noStrike" cap="none">
-                <a:solidFill>
-                  <a:srgbClr val="000000"/>
-                </a:solidFill>
-                <a:latin typeface="Roboto"/>
-                <a:ea typeface="Roboto"/>
-                <a:cs typeface="Roboto"/>
-                <a:sym typeface="Roboto"/>
-              </a:rPr>
-              <a:t>По каждому домашнему заданию</a:t>
-            </a:r>
-            <a:endParaRPr sz="900" b="0" i="0" u="none" strike="noStrike" cap="none">
-              <a:solidFill>
-                <a:srgbClr val="000000"/>
-              </a:solidFill>
-              <a:latin typeface="Roboto"/>
-              <a:ea typeface="Roboto"/>
-              <a:cs typeface="Roboto"/>
-              <a:sym typeface="Roboto"/>
-            </a:endParaRPr>
-          </a:p>
-          <a:p>
-            <a:pPr marL="0" marR="0" lvl="0" indent="0" algn="l" rtl="0">
-              <a:lnSpc>
-                <a:spcPct val="120000"/>
-              </a:lnSpc>
-              <a:spcBef>
-                <a:spcPts val="0"/>
-              </a:spcBef>
-              <a:spcAft>
-                <a:spcPts val="0"/>
-              </a:spcAft>
-              <a:buClr>
-                <a:schemeClr val="dk1"/>
-              </a:buClr>
-              <a:buSzPts val="1100"/>
-              <a:buFont typeface="Arial"/>
-              <a:buNone/>
-            </a:pPr>
-            <a:r>
-              <a:rPr lang="ru" sz="900" b="0" i="0" u="none" strike="noStrike" cap="none">
-                <a:solidFill>
-                  <a:srgbClr val="000000"/>
-                </a:solidFill>
-                <a:latin typeface="Roboto"/>
-                <a:ea typeface="Roboto"/>
-                <a:cs typeface="Roboto"/>
-                <a:sym typeface="Roboto"/>
-              </a:rPr>
-              <a:t>преподаватель дает развернутый фидбек</a:t>
-            </a:r>
-            <a:endParaRPr sz="900" b="0" i="0" u="none" strike="noStrike" cap="none">
-              <a:solidFill>
-                <a:srgbClr val="000000"/>
-              </a:solidFill>
-              <a:latin typeface="Roboto"/>
-              <a:ea typeface="Roboto"/>
-              <a:cs typeface="Roboto"/>
-              <a:sym typeface="Roboto"/>
-            </a:endParaRPr>
-          </a:p>
-        </p:txBody>
-      </p:sp>
-      <p:pic>
-        <p:nvPicPr>
-          <p:cNvPr id="528" name="Google Shape;528;p94"/>
-          <p:cNvPicPr preferRelativeResize="0"/>
-          <p:nvPr/>
-        </p:nvPicPr>
-        <p:blipFill rotWithShape="1">
-          <a:blip r:embed="rId6">
-            <a:alphaModFix/>
-          </a:blip>
-          <a:srcRect/>
-          <a:stretch/>
-        </p:blipFill>
-        <p:spPr>
-          <a:xfrm>
-            <a:off x="4853100" y="1421375"/>
-            <a:ext cx="460475" cy="460475"/>
-          </a:xfrm>
-          <a:prstGeom prst="rect">
-            <a:avLst/>
-          </a:prstGeom>
-          <a:noFill/>
-          <a:ln>
-            <a:noFill/>
-          </a:ln>
-        </p:spPr>
-      </p:pic>
-      <p:sp>
-        <p:nvSpPr>
-          <p:cNvPr id="529" name="Google Shape;529;p94"/>
-          <p:cNvSpPr txBox="1"/>
-          <p:nvPr/>
-        </p:nvSpPr>
-        <p:spPr>
-          <a:xfrm>
-            <a:off x="5378475" y="1326125"/>
-            <a:ext cx="2493300" cy="993300"/>
-          </a:xfrm>
-          <a:prstGeom prst="rect">
-            <a:avLst/>
-          </a:prstGeom>
-          <a:noFill/>
-          <a:ln>
-            <a:noFill/>
-          </a:ln>
-        </p:spPr>
-        <p:txBody>
-          <a:bodyPr spcFirstLastPara="1" wrap="square" lIns="91425" tIns="91425" rIns="54000" bIns="91425" anchor="t" anchorCtr="0">
-            <a:normAutofit lnSpcReduction="10000"/>
-          </a:bodyPr>
-          <a:lstStyle/>
-          <a:p>
-            <a:pPr marL="0" marR="0" lvl="0" indent="0" algn="l" rtl="0">
-              <a:lnSpc>
-                <a:spcPct val="120000"/>
-              </a:lnSpc>
-              <a:spcBef>
-                <a:spcPts val="0"/>
-              </a:spcBef>
-              <a:spcAft>
-                <a:spcPts val="0"/>
-              </a:spcAft>
-              <a:buClr>
-                <a:schemeClr val="dk1"/>
-              </a:buClr>
-              <a:buSzPts val="1100"/>
-              <a:buFont typeface="Arial"/>
-              <a:buNone/>
-            </a:pPr>
-            <a:r>
-              <a:rPr lang="ru" sz="900" b="0" i="0" u="none" strike="noStrike" cap="none">
-                <a:solidFill>
-                  <a:srgbClr val="000000"/>
-                </a:solidFill>
-                <a:latin typeface="Roboto"/>
-                <a:ea typeface="Roboto"/>
-                <a:cs typeface="Roboto"/>
-                <a:sym typeface="Roboto"/>
-              </a:rPr>
-              <a:t>В процессе обучения Вы можете задавать преподавателю вопросы по материалам лекций и домашних заданий, уточнять моменты, которые были непонятны</a:t>
-            </a:r>
-            <a:endParaRPr sz="900" b="0" i="0" u="none" strike="noStrike" cap="none">
-              <a:solidFill>
-                <a:srgbClr val="000000"/>
-              </a:solidFill>
-              <a:latin typeface="Roboto"/>
-              <a:ea typeface="Roboto"/>
-              <a:cs typeface="Roboto"/>
-              <a:sym typeface="Roboto"/>
-            </a:endParaRPr>
-          </a:p>
-          <a:p>
-            <a:pPr marL="0" marR="0" lvl="0" indent="0" algn="l" rtl="0">
-              <a:lnSpc>
-                <a:spcPct val="120000"/>
-              </a:lnSpc>
-              <a:spcBef>
-                <a:spcPts val="0"/>
-              </a:spcBef>
-              <a:spcAft>
-                <a:spcPts val="0"/>
-              </a:spcAft>
-              <a:buClr>
-                <a:schemeClr val="dk1"/>
-              </a:buClr>
-              <a:buSzPts val="1100"/>
-              <a:buFont typeface="Arial"/>
-              <a:buNone/>
-            </a:pPr>
-            <a:r>
-              <a:rPr lang="ru" sz="900" b="0" i="0" u="none" strike="noStrike" cap="none">
-                <a:solidFill>
-                  <a:srgbClr val="000000"/>
-                </a:solidFill>
-                <a:latin typeface="Roboto"/>
-                <a:ea typeface="Roboto"/>
-                <a:cs typeface="Roboto"/>
-                <a:sym typeface="Roboto"/>
-              </a:rPr>
-              <a:t>на уроке</a:t>
-            </a:r>
-            <a:endParaRPr sz="900" b="0" i="0" u="none" strike="noStrike" cap="none">
-              <a:solidFill>
-                <a:srgbClr val="000000"/>
-              </a:solidFill>
-              <a:latin typeface="Roboto"/>
-              <a:ea typeface="Roboto"/>
-              <a:cs typeface="Roboto"/>
-              <a:sym typeface="Roboto"/>
-            </a:endParaRPr>
-          </a:p>
-        </p:txBody>
-      </p:sp>
-      <p:pic>
-        <p:nvPicPr>
-          <p:cNvPr id="530" name="Google Shape;530;p94"/>
-          <p:cNvPicPr preferRelativeResize="0"/>
-          <p:nvPr/>
-        </p:nvPicPr>
-        <p:blipFill rotWithShape="1">
-          <a:blip r:embed="rId7">
-            <a:alphaModFix/>
-          </a:blip>
-          <a:srcRect/>
-          <a:stretch/>
-        </p:blipFill>
-        <p:spPr>
-          <a:xfrm>
-            <a:off x="4853100" y="2743075"/>
-            <a:ext cx="460475" cy="460475"/>
-          </a:xfrm>
-          <a:prstGeom prst="rect">
-            <a:avLst/>
-          </a:prstGeom>
-          <a:noFill/>
-          <a:ln>
-            <a:noFill/>
-          </a:ln>
-        </p:spPr>
-      </p:pic>
-      <p:sp>
-        <p:nvSpPr>
-          <p:cNvPr id="531" name="Google Shape;531;p94"/>
-          <p:cNvSpPr txBox="1"/>
-          <p:nvPr/>
-        </p:nvSpPr>
-        <p:spPr>
-          <a:xfrm>
-            <a:off x="5378475" y="2647825"/>
-            <a:ext cx="2626500" cy="651000"/>
-          </a:xfrm>
-          <a:prstGeom prst="rect">
-            <a:avLst/>
-          </a:prstGeom>
-          <a:noFill/>
-          <a:ln>
-            <a:noFill/>
-          </a:ln>
-        </p:spPr>
-        <p:txBody>
-          <a:bodyPr spcFirstLastPara="1" wrap="square" lIns="91425" tIns="91425" rIns="54000" bIns="91425" anchor="t" anchorCtr="0">
-            <a:normAutofit lnSpcReduction="10000"/>
-          </a:bodyPr>
-          <a:lstStyle/>
-          <a:p>
-            <a:pPr marL="0" marR="0" lvl="0" indent="0" algn="l" rtl="0">
-              <a:lnSpc>
-                <a:spcPct val="120000"/>
-              </a:lnSpc>
-              <a:spcBef>
-                <a:spcPts val="0"/>
-              </a:spcBef>
-              <a:spcAft>
-                <a:spcPts val="0"/>
-              </a:spcAft>
-              <a:buClr>
-                <a:schemeClr val="dk1"/>
-              </a:buClr>
-              <a:buSzPts val="1100"/>
-              <a:buFont typeface="Arial"/>
-              <a:buNone/>
-            </a:pPr>
-            <a:r>
-              <a:rPr lang="ru" sz="900" b="0" i="0" u="none" strike="noStrike" cap="none">
-                <a:solidFill>
-                  <a:srgbClr val="000000"/>
-                </a:solidFill>
-                <a:latin typeface="Roboto"/>
-                <a:ea typeface="Roboto"/>
-                <a:cs typeface="Roboto"/>
-                <a:sym typeface="Roboto"/>
-              </a:rPr>
-              <a:t>Время на обучение: от 4 ак. часов</a:t>
-            </a:r>
-            <a:endParaRPr sz="900" b="0" i="0" u="none" strike="noStrike" cap="none">
-              <a:solidFill>
-                <a:srgbClr val="000000"/>
-              </a:solidFill>
-              <a:latin typeface="Roboto"/>
-              <a:ea typeface="Roboto"/>
-              <a:cs typeface="Roboto"/>
-              <a:sym typeface="Roboto"/>
-            </a:endParaRPr>
-          </a:p>
-          <a:p>
-            <a:pPr marL="0" marR="0" lvl="0" indent="0" algn="l" rtl="0">
-              <a:lnSpc>
-                <a:spcPct val="120000"/>
-              </a:lnSpc>
-              <a:spcBef>
-                <a:spcPts val="0"/>
-              </a:spcBef>
-              <a:spcAft>
-                <a:spcPts val="0"/>
-              </a:spcAft>
-              <a:buClr>
-                <a:schemeClr val="dk1"/>
-              </a:buClr>
-              <a:buSzPts val="1100"/>
-              <a:buFont typeface="Arial"/>
-              <a:buNone/>
-            </a:pPr>
-            <a:r>
-              <a:rPr lang="ru" sz="900" b="0" i="0" u="none" strike="noStrike" cap="none">
-                <a:solidFill>
-                  <a:srgbClr val="000000"/>
-                </a:solidFill>
-                <a:latin typeface="Roboto"/>
-                <a:ea typeface="Roboto"/>
-                <a:cs typeface="Roboto"/>
-                <a:sym typeface="Roboto"/>
-              </a:rPr>
-              <a:t>на занятия и 4-8 часов на домашнюю</a:t>
-            </a:r>
-            <a:endParaRPr sz="900" b="0" i="0" u="none" strike="noStrike" cap="none">
-              <a:solidFill>
-                <a:srgbClr val="000000"/>
-              </a:solidFill>
-              <a:latin typeface="Roboto"/>
-              <a:ea typeface="Roboto"/>
-              <a:cs typeface="Roboto"/>
-              <a:sym typeface="Roboto"/>
-            </a:endParaRPr>
-          </a:p>
-          <a:p>
-            <a:pPr marL="0" marR="0" lvl="0" indent="0" algn="l" rtl="0">
-              <a:lnSpc>
-                <a:spcPct val="120000"/>
-              </a:lnSpc>
-              <a:spcBef>
-                <a:spcPts val="0"/>
-              </a:spcBef>
-              <a:spcAft>
-                <a:spcPts val="0"/>
-              </a:spcAft>
-              <a:buClr>
-                <a:schemeClr val="dk1"/>
-              </a:buClr>
-              <a:buSzPts val="1100"/>
-              <a:buFont typeface="Arial"/>
-              <a:buNone/>
-            </a:pPr>
-            <a:r>
-              <a:rPr lang="ru" sz="900" b="0" i="0" u="none" strike="noStrike" cap="none">
-                <a:solidFill>
-                  <a:srgbClr val="000000"/>
-                </a:solidFill>
-                <a:latin typeface="Roboto"/>
-                <a:ea typeface="Roboto"/>
-                <a:cs typeface="Roboto"/>
-                <a:sym typeface="Roboto"/>
-              </a:rPr>
-              <a:t>работу в неделю</a:t>
-            </a:r>
-            <a:endParaRPr sz="900" b="0" i="0" u="none" strike="noStrike" cap="none">
-              <a:solidFill>
-                <a:srgbClr val="000000"/>
-              </a:solidFill>
-              <a:latin typeface="Roboto"/>
-              <a:ea typeface="Roboto"/>
-              <a:cs typeface="Roboto"/>
-              <a:sym typeface="Roboto"/>
-            </a:endParaRPr>
-          </a:p>
-        </p:txBody>
-      </p:sp>
-      <p:pic>
-        <p:nvPicPr>
-          <p:cNvPr id="532" name="Google Shape;532;p94"/>
-          <p:cNvPicPr preferRelativeResize="0"/>
-          <p:nvPr/>
-        </p:nvPicPr>
-        <p:blipFill rotWithShape="1">
-          <a:blip r:embed="rId8">
-            <a:alphaModFix/>
-          </a:blip>
-          <a:srcRect/>
-          <a:stretch/>
-        </p:blipFill>
-        <p:spPr>
-          <a:xfrm>
-            <a:off x="4853100" y="3760075"/>
-            <a:ext cx="460475" cy="460475"/>
-          </a:xfrm>
-          <a:prstGeom prst="rect">
-            <a:avLst/>
-          </a:prstGeom>
-          <a:noFill/>
-          <a:ln>
-            <a:noFill/>
-          </a:ln>
-        </p:spPr>
-      </p:pic>
-      <p:sp>
-        <p:nvSpPr>
-          <p:cNvPr id="533" name="Google Shape;533;p94"/>
-          <p:cNvSpPr txBox="1"/>
-          <p:nvPr/>
-        </p:nvSpPr>
-        <p:spPr>
-          <a:xfrm>
-            <a:off x="5378475" y="3664825"/>
-            <a:ext cx="2529600" cy="820500"/>
-          </a:xfrm>
-          <a:prstGeom prst="rect">
-            <a:avLst/>
-          </a:prstGeom>
-          <a:noFill/>
-          <a:ln>
-            <a:noFill/>
-          </a:ln>
-        </p:spPr>
-        <p:txBody>
-          <a:bodyPr spcFirstLastPara="1" wrap="square" lIns="91425" tIns="91425" rIns="54000" bIns="91425" anchor="t" anchorCtr="0">
-            <a:normAutofit lnSpcReduction="10000"/>
-          </a:bodyPr>
-          <a:lstStyle/>
-          <a:p>
-            <a:pPr marL="0" marR="0" lvl="0" indent="0" algn="l" rtl="0">
-              <a:lnSpc>
-                <a:spcPct val="120000"/>
-              </a:lnSpc>
-              <a:spcBef>
-                <a:spcPts val="0"/>
-              </a:spcBef>
-              <a:spcAft>
-                <a:spcPts val="0"/>
-              </a:spcAft>
-              <a:buClr>
-                <a:schemeClr val="dk1"/>
-              </a:buClr>
-              <a:buSzPts val="1100"/>
-              <a:buFont typeface="Arial"/>
-              <a:buNone/>
-            </a:pPr>
-            <a:r>
-              <a:rPr lang="ru" sz="900" b="0" i="0" u="none" strike="noStrike" cap="none">
-                <a:solidFill>
-                  <a:srgbClr val="000000"/>
-                </a:solidFill>
-                <a:latin typeface="Roboto"/>
-                <a:ea typeface="Roboto"/>
-                <a:cs typeface="Roboto"/>
-                <a:sym typeface="Roboto"/>
-              </a:rPr>
-              <a:t>Программа обучения на курсах обновляется каждый запуск в зависимости от актуальных запросов в сфере IТ-технологий</a:t>
-            </a:r>
-            <a:endParaRPr sz="900" b="0" i="0" u="none" strike="noStrike" cap="none">
-              <a:solidFill>
-                <a:srgbClr val="000000"/>
-              </a:solidFill>
-              <a:latin typeface="Roboto"/>
-              <a:ea typeface="Roboto"/>
-              <a:cs typeface="Roboto"/>
-              <a:sym typeface="Roboto"/>
-            </a:endParaRPr>
-          </a:p>
-        </p:txBody>
-      </p:sp>
-      <p:sp>
-        <p:nvSpPr>
-          <p:cNvPr id="534" name="Google Shape;534;p94"/>
-          <p:cNvSpPr txBox="1"/>
-          <p:nvPr/>
-        </p:nvSpPr>
-        <p:spPr>
-          <a:xfrm>
-            <a:off x="500550" y="336745"/>
-            <a:ext cx="8307600" cy="1180200"/>
-          </a:xfrm>
-          <a:prstGeom prst="rect">
-            <a:avLst/>
-          </a:prstGeom>
-          <a:noFill/>
-          <a:ln>
-            <a:noFill/>
-          </a:ln>
-        </p:spPr>
-        <p:txBody>
-          <a:bodyPr spcFirstLastPara="1" wrap="square" lIns="91425" tIns="91425" rIns="91425" bIns="91425" anchor="t" anchorCtr="0">
-            <a:noAutofit/>
-          </a:bodyPr>
-          <a:lstStyle/>
-          <a:p>
-            <a:pPr marL="0" lvl="0" indent="0" algn="l" rtl="0">
-              <a:spcBef>
-                <a:spcPts val="0"/>
-              </a:spcBef>
-              <a:spcAft>
-                <a:spcPts val="0"/>
-              </a:spcAft>
-              <a:buNone/>
-            </a:pPr>
-            <a:r>
-              <a:rPr lang="ru" sz="3100" b="1" dirty="0">
-                <a:latin typeface="Roboto"/>
-                <a:ea typeface="Roboto"/>
-                <a:cs typeface="Roboto"/>
-                <a:sym typeface="Roboto"/>
-              </a:rPr>
-              <a:t>Процесс обучения</a:t>
-            </a:r>
-            <a:endParaRPr sz="3100" b="1" dirty="0">
-              <a:latin typeface="Roboto"/>
-              <a:ea typeface="Roboto"/>
-              <a:cs typeface="Roboto"/>
-              <a:sym typeface="Roboto"/>
-            </a:endParaRPr>
-          </a:p>
-        </p:txBody>
-      </p:sp>
-    </p:spTree>
-  </p:cSld>
-  <p:clrMapOvr>
-    <a:masterClrMapping/>
-  </p:clrMapOvr>
-</p:sld>
-</file>
-
-<file path=ppt/slides/slide35.xml><?xml version="1.0" encoding="utf-8"?>
-<p:sld xmlns:a="http://schemas.openxmlformats.org/drawingml/2006/main" xmlns:r="http://schemas.openxmlformats.org/officeDocument/2006/relationships" xmlns:p="http://schemas.openxmlformats.org/presentationml/2006/main">
-  <p:cSld>
-    <p:spTree>
-      <p:nvGrpSpPr>
-        <p:cNvPr id="1" name="Shape 627"/>
-        <p:cNvGrpSpPr/>
-        <p:nvPr/>
-      </p:nvGrpSpPr>
-      <p:grpSpPr>
-        <a:xfrm>
-          <a:off x="0" y="0"/>
-          <a:ext cx="0" cy="0"/>
-          <a:chOff x="0" y="0"/>
-          <a:chExt cx="0" cy="0"/>
-        </a:xfrm>
-      </p:grpSpPr>
-      <p:sp>
-        <p:nvSpPr>
-          <p:cNvPr id="628" name="Google Shape;628;p107"/>
-          <p:cNvSpPr txBox="1">
-            <a:spLocks noGrp="1"/>
-          </p:cNvSpPr>
-          <p:nvPr>
-            <p:ph type="title"/>
-          </p:nvPr>
-        </p:nvSpPr>
-        <p:spPr>
-          <a:xfrm>
-            <a:off x="500550" y="330736"/>
-            <a:ext cx="8520600" cy="979800"/>
-          </a:xfrm>
-          <a:prstGeom prst="rect">
-            <a:avLst/>
-          </a:prstGeom>
-        </p:spPr>
-        <p:txBody>
-          <a:bodyPr spcFirstLastPara="1" wrap="square" lIns="91425" tIns="91425" rIns="91425" bIns="91425" anchor="t" anchorCtr="0">
-            <a:noAutofit/>
-          </a:bodyPr>
-          <a:lstStyle/>
-          <a:p>
-            <a:pPr marL="0" lvl="0" indent="0" algn="l" rtl="0">
-              <a:spcBef>
-                <a:spcPts val="0"/>
-              </a:spcBef>
-              <a:spcAft>
-                <a:spcPts val="0"/>
-              </a:spcAft>
-              <a:buNone/>
-            </a:pPr>
-            <a:r>
-              <a:rPr lang="ru"/>
-              <a:t>О курсе</a:t>
-            </a:r>
-            <a:endParaRPr/>
-          </a:p>
-        </p:txBody>
-      </p:sp>
-      <p:pic>
-        <p:nvPicPr>
-          <p:cNvPr id="630" name="Google Shape;630;p107"/>
-          <p:cNvPicPr preferRelativeResize="0"/>
-          <p:nvPr/>
-        </p:nvPicPr>
-        <p:blipFill rotWithShape="1">
-          <a:blip r:embed="rId3">
-            <a:alphaModFix/>
-          </a:blip>
-          <a:srcRect/>
-          <a:stretch/>
-        </p:blipFill>
-        <p:spPr>
-          <a:xfrm>
-            <a:off x="634240" y="2418961"/>
-            <a:ext cx="608438" cy="608424"/>
-          </a:xfrm>
-          <a:prstGeom prst="rect">
-            <a:avLst/>
-          </a:prstGeom>
-          <a:noFill/>
-          <a:ln>
-            <a:noFill/>
-          </a:ln>
-        </p:spPr>
-      </p:pic>
-      <p:sp>
-        <p:nvSpPr>
-          <p:cNvPr id="631" name="Google Shape;631;p107"/>
-          <p:cNvSpPr txBox="1"/>
-          <p:nvPr/>
-        </p:nvSpPr>
-        <p:spPr>
-          <a:xfrm>
-            <a:off x="500550" y="950100"/>
-            <a:ext cx="5538300" cy="554100"/>
-          </a:xfrm>
-          <a:prstGeom prst="rect">
-            <a:avLst/>
-          </a:prstGeom>
-          <a:noFill/>
-          <a:ln>
-            <a:noFill/>
-          </a:ln>
-        </p:spPr>
-        <p:txBody>
-          <a:bodyPr spcFirstLastPara="1" wrap="square" lIns="91425" tIns="91425" rIns="91425" bIns="91425" anchor="t" anchorCtr="0">
-            <a:spAutoFit/>
-          </a:bodyPr>
-          <a:lstStyle/>
-          <a:p>
-            <a:pPr marL="0" lvl="0" indent="0" algn="l" rtl="0">
-              <a:spcBef>
-                <a:spcPts val="0"/>
-              </a:spcBef>
-              <a:spcAft>
-                <a:spcPts val="0"/>
-              </a:spcAft>
-              <a:buNone/>
-            </a:pPr>
-            <a:r>
-              <a:rPr lang="en-US" sz="2400" b="1" i="1" dirty="0">
-                <a:solidFill>
-                  <a:srgbClr val="45818E"/>
-                </a:solidFill>
-                <a:latin typeface="Roboto"/>
-                <a:ea typeface="Roboto"/>
-                <a:cs typeface="Roboto"/>
-                <a:sym typeface="Roboto"/>
-              </a:rPr>
-              <a:t>ML </a:t>
-            </a:r>
-            <a:r>
-              <a:rPr lang="ru-RU" sz="2400" b="1" i="1" dirty="0">
-                <a:solidFill>
-                  <a:srgbClr val="45818E"/>
-                </a:solidFill>
-                <a:latin typeface="Roboto"/>
-                <a:ea typeface="Roboto"/>
-                <a:cs typeface="Roboto"/>
-                <a:sym typeface="Roboto"/>
-              </a:rPr>
-              <a:t>для финансового анализа</a:t>
-            </a:r>
-            <a:endParaRPr sz="2400" b="1" i="1" dirty="0">
-              <a:solidFill>
-                <a:srgbClr val="45818E"/>
-              </a:solidFill>
-              <a:latin typeface="Roboto"/>
-              <a:ea typeface="Roboto"/>
-              <a:cs typeface="Roboto"/>
-              <a:sym typeface="Roboto"/>
-            </a:endParaRPr>
-          </a:p>
-        </p:txBody>
-      </p:sp>
-      <p:sp>
-        <p:nvSpPr>
-          <p:cNvPr id="632" name="Google Shape;632;p107"/>
-          <p:cNvSpPr txBox="1"/>
-          <p:nvPr/>
-        </p:nvSpPr>
-        <p:spPr>
-          <a:xfrm>
-            <a:off x="1813965" y="2446096"/>
-            <a:ext cx="4182900" cy="461700"/>
-          </a:xfrm>
-          <a:prstGeom prst="rect">
-            <a:avLst/>
-          </a:prstGeom>
-          <a:noFill/>
-          <a:ln>
-            <a:noFill/>
-          </a:ln>
-        </p:spPr>
-        <p:txBody>
-          <a:bodyPr spcFirstLastPara="1" wrap="square" lIns="91425" tIns="91425" rIns="91425" bIns="91425" anchor="t" anchorCtr="0">
-            <a:spAutoFit/>
-          </a:bodyPr>
-          <a:lstStyle/>
-          <a:p>
-            <a:pPr marL="0" lvl="0" indent="0" algn="l" rtl="0">
-              <a:spcBef>
-                <a:spcPts val="0"/>
-              </a:spcBef>
-              <a:spcAft>
-                <a:spcPts val="0"/>
-              </a:spcAft>
-              <a:buNone/>
-            </a:pPr>
-            <a:r>
-              <a:rPr lang="ru" sz="1800" b="1" dirty="0">
-                <a:solidFill>
-                  <a:schemeClr val="dk1"/>
-                </a:solidFill>
-                <a:latin typeface="Roboto"/>
-                <a:ea typeface="Roboto"/>
-                <a:cs typeface="Roboto"/>
-                <a:sym typeface="Roboto"/>
-              </a:rPr>
-              <a:t>старт обучения: </a:t>
-            </a:r>
-            <a:r>
-              <a:rPr lang="ru-RU" sz="1800" b="1" i="1" dirty="0">
-                <a:solidFill>
-                  <a:schemeClr val="dk1"/>
-                </a:solidFill>
-                <a:latin typeface="Roboto"/>
-                <a:ea typeface="Roboto"/>
-                <a:cs typeface="Roboto"/>
-                <a:sym typeface="Roboto"/>
-              </a:rPr>
-              <a:t>31</a:t>
-            </a:r>
-            <a:r>
-              <a:rPr lang="ru" sz="1800" b="1" i="1" dirty="0">
-                <a:solidFill>
-                  <a:schemeClr val="dk1"/>
-                </a:solidFill>
-                <a:latin typeface="Roboto"/>
-                <a:ea typeface="Roboto"/>
-                <a:cs typeface="Roboto"/>
-                <a:sym typeface="Roboto"/>
-              </a:rPr>
-              <a:t>.</a:t>
-            </a:r>
-            <a:r>
-              <a:rPr lang="en-US" sz="1800" b="1" i="1" dirty="0">
-                <a:solidFill>
-                  <a:schemeClr val="dk1"/>
-                </a:solidFill>
-                <a:latin typeface="Roboto"/>
-                <a:ea typeface="Roboto"/>
-                <a:cs typeface="Roboto"/>
-                <a:sym typeface="Roboto"/>
-              </a:rPr>
-              <a:t>0</a:t>
-            </a:r>
-            <a:r>
-              <a:rPr lang="ru-RU" sz="1800" b="1" i="1" dirty="0">
-                <a:solidFill>
-                  <a:schemeClr val="dk1"/>
-                </a:solidFill>
-                <a:latin typeface="Roboto"/>
-                <a:ea typeface="Roboto"/>
-                <a:cs typeface="Roboto"/>
-                <a:sym typeface="Roboto"/>
-              </a:rPr>
-              <a:t>7</a:t>
-            </a:r>
-            <a:r>
-              <a:rPr lang="ru" sz="1800" b="1" i="1" dirty="0">
-                <a:solidFill>
-                  <a:schemeClr val="dk1"/>
-                </a:solidFill>
-                <a:latin typeface="Roboto"/>
-                <a:ea typeface="Roboto"/>
-                <a:cs typeface="Roboto"/>
-                <a:sym typeface="Roboto"/>
-              </a:rPr>
-              <a:t>.202</a:t>
-            </a:r>
-            <a:r>
-              <a:rPr lang="en-US" sz="1800" b="1" i="1" dirty="0">
-                <a:solidFill>
-                  <a:schemeClr val="dk1"/>
-                </a:solidFill>
-                <a:latin typeface="Roboto"/>
-                <a:ea typeface="Roboto"/>
-                <a:cs typeface="Roboto"/>
-                <a:sym typeface="Roboto"/>
-              </a:rPr>
-              <a:t>4</a:t>
-            </a:r>
-            <a:r>
-              <a:rPr lang="ru" sz="1800" b="1" i="1" dirty="0">
-                <a:solidFill>
-                  <a:schemeClr val="dk1"/>
-                </a:solidFill>
-                <a:latin typeface="Roboto"/>
-                <a:ea typeface="Roboto"/>
-                <a:cs typeface="Roboto"/>
-                <a:sym typeface="Roboto"/>
-              </a:rPr>
-              <a:t> </a:t>
-            </a:r>
-            <a:endParaRPr sz="2400" b="1" i="1" dirty="0">
-              <a:solidFill>
-                <a:srgbClr val="3F3F3F"/>
-              </a:solidFill>
-              <a:latin typeface="Roboto"/>
-              <a:ea typeface="Roboto"/>
-              <a:cs typeface="Roboto"/>
-              <a:sym typeface="Roboto"/>
-            </a:endParaRPr>
-          </a:p>
-        </p:txBody>
-      </p:sp>
-      <p:pic>
-        <p:nvPicPr>
-          <p:cNvPr id="636" name="Google Shape;636;p107"/>
-          <p:cNvPicPr preferRelativeResize="0"/>
-          <p:nvPr/>
-        </p:nvPicPr>
-        <p:blipFill>
-          <a:blip r:embed="rId4">
-            <a:alphaModFix/>
-          </a:blip>
-          <a:stretch>
-            <a:fillRect/>
-          </a:stretch>
-        </p:blipFill>
-        <p:spPr>
-          <a:xfrm>
-            <a:off x="2204125" y="0"/>
-            <a:ext cx="1064725" cy="1064725"/>
-          </a:xfrm>
-          <a:prstGeom prst="rect">
-            <a:avLst/>
-          </a:prstGeom>
-          <a:noFill/>
-          <a:ln>
-            <a:noFill/>
-          </a:ln>
-        </p:spPr>
-      </p:pic>
-      <p:pic>
-        <p:nvPicPr>
-          <p:cNvPr id="7" name="Google Shape;629;p107">
-            <a:extLst>
-              <a:ext uri="{FF2B5EF4-FFF2-40B4-BE49-F238E27FC236}">
-                <a16:creationId xmlns:a16="http://schemas.microsoft.com/office/drawing/2014/main" id="{FE912D26-1600-F444-9932-9CF67168F298}"/>
-              </a:ext>
-            </a:extLst>
-          </p:cNvPr>
-          <p:cNvPicPr preferRelativeResize="0"/>
-          <p:nvPr/>
-        </p:nvPicPr>
-        <p:blipFill rotWithShape="1">
-          <a:blip r:embed="rId5">
-            <a:alphaModFix/>
-          </a:blip>
-          <a:srcRect/>
-          <a:stretch/>
-        </p:blipFill>
-        <p:spPr>
-          <a:xfrm>
-            <a:off x="634240" y="3466860"/>
-            <a:ext cx="608438" cy="608424"/>
-          </a:xfrm>
-          <a:prstGeom prst="rect">
-            <a:avLst/>
-          </a:prstGeom>
-          <a:noFill/>
-          <a:ln>
-            <a:noFill/>
-          </a:ln>
-        </p:spPr>
-      </p:pic>
-      <p:sp>
-        <p:nvSpPr>
-          <p:cNvPr id="8" name="Google Shape;633;p107">
-            <a:extLst>
-              <a:ext uri="{FF2B5EF4-FFF2-40B4-BE49-F238E27FC236}">
-                <a16:creationId xmlns:a16="http://schemas.microsoft.com/office/drawing/2014/main" id="{F6148E04-5806-3545-ABA2-9C226DF43871}"/>
-              </a:ext>
-            </a:extLst>
-          </p:cNvPr>
-          <p:cNvSpPr txBox="1"/>
-          <p:nvPr/>
-        </p:nvSpPr>
-        <p:spPr>
-          <a:xfrm>
-            <a:off x="1909887" y="3592010"/>
-            <a:ext cx="6747600" cy="448200"/>
-          </a:xfrm>
-          <a:prstGeom prst="rect">
-            <a:avLst/>
-          </a:prstGeom>
-          <a:noFill/>
-          <a:ln>
-            <a:noFill/>
-          </a:ln>
-        </p:spPr>
-        <p:txBody>
-          <a:bodyPr spcFirstLastPara="1" wrap="square" lIns="0" tIns="0" rIns="0" bIns="0" anchor="t" anchorCtr="0">
-            <a:noAutofit/>
-          </a:bodyPr>
-          <a:lstStyle/>
-          <a:p>
-            <a:pPr marL="0" marR="0" lvl="0" indent="0" algn="l" rtl="0">
-              <a:lnSpc>
-                <a:spcPct val="100000"/>
-              </a:lnSpc>
-              <a:spcBef>
-                <a:spcPts val="0"/>
-              </a:spcBef>
-              <a:spcAft>
-                <a:spcPts val="0"/>
-              </a:spcAft>
-              <a:buClr>
-                <a:srgbClr val="000000"/>
-              </a:buClr>
-              <a:buSzPts val="2400"/>
-              <a:buFont typeface="Arial"/>
-              <a:buNone/>
-            </a:pPr>
-            <a:r>
-              <a:rPr lang="ru" dirty="0">
-                <a:solidFill>
-                  <a:schemeClr val="dk1"/>
-                </a:solidFill>
-                <a:latin typeface="Roboto"/>
-                <a:ea typeface="Roboto"/>
-                <a:cs typeface="Roboto"/>
-                <a:sym typeface="Roboto"/>
-              </a:rPr>
-              <a:t>Следующий открытый урок: </a:t>
-            </a:r>
-            <a:r>
-              <a:rPr lang="ru-RU" i="1" dirty="0">
-                <a:solidFill>
-                  <a:schemeClr val="dk1"/>
-                </a:solidFill>
-                <a:latin typeface="Roboto"/>
-                <a:ea typeface="Roboto"/>
-                <a:cs typeface="Roboto"/>
-                <a:sym typeface="Roboto"/>
-              </a:rPr>
-              <a:t>17</a:t>
-            </a:r>
-            <a:r>
-              <a:rPr lang="ru" i="1" dirty="0">
-                <a:solidFill>
-                  <a:schemeClr val="dk1"/>
-                </a:solidFill>
-                <a:latin typeface="Roboto"/>
-                <a:ea typeface="Roboto"/>
-                <a:cs typeface="Roboto"/>
-                <a:sym typeface="Roboto"/>
-              </a:rPr>
-              <a:t>.</a:t>
-            </a:r>
-            <a:r>
-              <a:rPr lang="en-US" i="1" dirty="0">
-                <a:solidFill>
-                  <a:schemeClr val="dk1"/>
-                </a:solidFill>
-                <a:latin typeface="Roboto"/>
-                <a:ea typeface="Roboto"/>
-                <a:cs typeface="Roboto"/>
-                <a:sym typeface="Roboto"/>
-              </a:rPr>
-              <a:t>0</a:t>
-            </a:r>
-            <a:r>
-              <a:rPr lang="ru-RU" i="1" dirty="0">
-                <a:solidFill>
-                  <a:schemeClr val="dk1"/>
-                </a:solidFill>
-                <a:latin typeface="Roboto"/>
-                <a:ea typeface="Roboto"/>
-                <a:cs typeface="Roboto"/>
-                <a:sym typeface="Roboto"/>
-              </a:rPr>
-              <a:t>7</a:t>
-            </a:r>
-            <a:r>
-              <a:rPr lang="ru" i="1" dirty="0">
-                <a:solidFill>
-                  <a:schemeClr val="dk1"/>
-                </a:solidFill>
-                <a:latin typeface="Roboto"/>
-                <a:ea typeface="Roboto"/>
-                <a:cs typeface="Roboto"/>
-                <a:sym typeface="Roboto"/>
-              </a:rPr>
-              <a:t>.202</a:t>
-            </a:r>
-            <a:r>
-              <a:rPr lang="en-US" i="1" dirty="0">
-                <a:solidFill>
-                  <a:schemeClr val="dk1"/>
-                </a:solidFill>
-                <a:latin typeface="Roboto"/>
-                <a:ea typeface="Roboto"/>
-                <a:cs typeface="Roboto"/>
-                <a:sym typeface="Roboto"/>
-              </a:rPr>
-              <a:t>4</a:t>
-            </a:r>
-            <a:r>
-              <a:rPr lang="ru" dirty="0">
-                <a:solidFill>
-                  <a:schemeClr val="dk1"/>
-                </a:solidFill>
-                <a:latin typeface="Roboto"/>
-                <a:ea typeface="Roboto"/>
-                <a:cs typeface="Roboto"/>
-                <a:sym typeface="Roboto"/>
-              </a:rPr>
-              <a:t> </a:t>
-            </a:r>
-          </a:p>
-          <a:p>
-            <a:pPr marL="0" marR="0" lvl="0" indent="0" algn="l" rtl="0">
-              <a:lnSpc>
-                <a:spcPct val="100000"/>
-              </a:lnSpc>
-              <a:spcBef>
-                <a:spcPts val="0"/>
-              </a:spcBef>
-              <a:spcAft>
-                <a:spcPts val="0"/>
-              </a:spcAft>
-              <a:buClr>
-                <a:srgbClr val="000000"/>
-              </a:buClr>
-              <a:buSzPts val="2400"/>
-              <a:buFont typeface="Arial"/>
-              <a:buNone/>
-            </a:pPr>
-            <a:endParaRPr lang="en-US" dirty="0">
-              <a:solidFill>
-                <a:schemeClr val="dk1"/>
-              </a:solidFill>
-              <a:latin typeface="Roboto"/>
-              <a:ea typeface="Roboto"/>
-              <a:cs typeface="Roboto"/>
-              <a:sym typeface="Roboto"/>
-            </a:endParaRPr>
-          </a:p>
-          <a:p>
-            <a:pPr marL="0" marR="0" lvl="0" indent="0" algn="l" rtl="0">
-              <a:lnSpc>
-                <a:spcPct val="100000"/>
-              </a:lnSpc>
-              <a:spcBef>
-                <a:spcPts val="0"/>
-              </a:spcBef>
-              <a:spcAft>
-                <a:spcPts val="0"/>
-              </a:spcAft>
-              <a:buClr>
-                <a:srgbClr val="000000"/>
-              </a:buClr>
-              <a:buSzPts val="2400"/>
-              <a:buFont typeface="Arial"/>
-              <a:buNone/>
-            </a:pPr>
-            <a:r>
-              <a:rPr lang="ru-RU" i="1" dirty="0">
-                <a:solidFill>
-                  <a:schemeClr val="dk1"/>
-                </a:solidFill>
-                <a:latin typeface="Roboto"/>
-                <a:ea typeface="Roboto"/>
-                <a:cs typeface="Roboto"/>
-                <a:sym typeface="Roboto"/>
-              </a:rPr>
-              <a:t>Применение нейронных сетей в анализе финансовых рынков</a:t>
-            </a:r>
-            <a:endParaRPr i="1" dirty="0">
-              <a:solidFill>
-                <a:schemeClr val="dk1"/>
-              </a:solidFill>
-              <a:latin typeface="Roboto"/>
-              <a:ea typeface="Roboto"/>
-              <a:cs typeface="Roboto"/>
-              <a:sym typeface="Roboto"/>
-            </a:endParaRPr>
-          </a:p>
-        </p:txBody>
-      </p:sp>
-    </p:spTree>
-  </p:cSld>
-  <p:clrMapOvr>
-    <a:masterClrMapping/>
-  </p:clrMapOvr>
-</p:sld>
-</file>
-
-<file path=ppt/slides/slide36.xml><?xml version="1.0" encoding="utf-8"?>
-<p:sld xmlns:a="http://schemas.openxmlformats.org/drawingml/2006/main" xmlns:r="http://schemas.openxmlformats.org/officeDocument/2006/relationships" xmlns:p="http://schemas.openxmlformats.org/presentationml/2006/main">
-  <p:cSld>
-    <p:spTree>
-      <p:nvGrpSpPr>
-        <p:cNvPr id="1" name="Shape 640"/>
-        <p:cNvGrpSpPr/>
-        <p:nvPr/>
-      </p:nvGrpSpPr>
-      <p:grpSpPr>
-        <a:xfrm>
-          <a:off x="0" y="0"/>
-          <a:ext cx="0" cy="0"/>
-          <a:chOff x="0" y="0"/>
-          <a:chExt cx="0" cy="0"/>
-        </a:xfrm>
-      </p:grpSpPr>
-      <p:sp>
-        <p:nvSpPr>
-          <p:cNvPr id="641" name="Google Shape;641;p108"/>
-          <p:cNvSpPr txBox="1">
-            <a:spLocks noGrp="1"/>
-          </p:cNvSpPr>
-          <p:nvPr>
-            <p:ph type="title"/>
-          </p:nvPr>
-        </p:nvSpPr>
-        <p:spPr>
-          <a:xfrm>
-            <a:off x="956225" y="777400"/>
-            <a:ext cx="6931800" cy="4090800"/>
-          </a:xfrm>
-          <a:prstGeom prst="rect">
-            <a:avLst/>
-          </a:prstGeom>
-        </p:spPr>
-        <p:txBody>
-          <a:bodyPr spcFirstLastPara="1" wrap="square" lIns="91425" tIns="91425" rIns="91425" bIns="91425" anchor="ctr" anchorCtr="0">
-            <a:noAutofit/>
-          </a:bodyPr>
-          <a:lstStyle/>
-          <a:p>
-            <a:pPr marL="0" lvl="0" indent="0" algn="l" rtl="0">
-              <a:spcBef>
-                <a:spcPts val="0"/>
-              </a:spcBef>
-              <a:spcAft>
-                <a:spcPts val="0"/>
-              </a:spcAft>
-              <a:buClr>
-                <a:schemeClr val="dk1"/>
-              </a:buClr>
-              <a:buSzPts val="1100"/>
-              <a:buFont typeface="Arial"/>
-              <a:buNone/>
-            </a:pPr>
-            <a:r>
-              <a:rPr lang="ru" sz="3500" b="0"/>
-              <a:t>Заполните, пожалуйста,</a:t>
-            </a:r>
-            <a:endParaRPr sz="3500" b="0"/>
-          </a:p>
-          <a:p>
-            <a:pPr marL="0" lvl="0" indent="0" algn="l" rtl="0">
-              <a:spcBef>
-                <a:spcPts val="0"/>
-              </a:spcBef>
-              <a:spcAft>
-                <a:spcPts val="0"/>
-              </a:spcAft>
-              <a:buClr>
-                <a:schemeClr val="dk1"/>
-              </a:buClr>
-              <a:buSzPts val="1100"/>
-              <a:buFont typeface="Arial"/>
-              <a:buNone/>
-            </a:pPr>
-            <a:r>
-              <a:rPr lang="ru" sz="3500"/>
-              <a:t>опрос</a:t>
-            </a:r>
-            <a:r>
-              <a:rPr lang="ru" sz="3500" b="0"/>
-              <a:t> о занятии</a:t>
-            </a:r>
-            <a:endParaRPr sz="3500" b="0"/>
-          </a:p>
-          <a:p>
-            <a:pPr marL="0" lvl="0" indent="0" algn="l" rtl="0">
-              <a:spcBef>
-                <a:spcPts val="0"/>
-              </a:spcBef>
-              <a:spcAft>
-                <a:spcPts val="0"/>
-              </a:spcAft>
-              <a:buNone/>
-            </a:pPr>
-            <a:r>
-              <a:rPr lang="ru" sz="1800" i="1" u="sng">
-                <a:solidFill>
-                  <a:schemeClr val="accent6"/>
-                </a:solidFill>
-              </a:rPr>
-              <a:t>Важно! Пройти опрос могут только залогиненные пользователи платформы OTUS</a:t>
-            </a:r>
-            <a:r>
-              <a:rPr lang="ru" sz="1800" i="1" u="sng">
-                <a:solidFill>
-                  <a:srgbClr val="E06666"/>
-                </a:solidFill>
-              </a:rPr>
-              <a:t> </a:t>
-            </a:r>
-            <a:endParaRPr sz="1800" i="1" u="sng">
-              <a:solidFill>
-                <a:srgbClr val="E06666"/>
-              </a:solidFill>
-            </a:endParaRPr>
-          </a:p>
-          <a:p>
-            <a:pPr marL="0" lvl="0" indent="0" algn="l" rtl="0">
-              <a:spcBef>
-                <a:spcPts val="0"/>
-              </a:spcBef>
-              <a:spcAft>
-                <a:spcPts val="0"/>
-              </a:spcAft>
-              <a:buNone/>
-            </a:pPr>
-            <a:endParaRPr sz="1800" i="1" u="sng">
-              <a:solidFill>
-                <a:srgbClr val="E06666"/>
-              </a:solidFill>
-            </a:endParaRPr>
-          </a:p>
-          <a:p>
-            <a:pPr marL="0" lvl="0" indent="0" algn="l" rtl="0">
-              <a:spcBef>
-                <a:spcPts val="0"/>
-              </a:spcBef>
-              <a:spcAft>
-                <a:spcPts val="0"/>
-              </a:spcAft>
-              <a:buNone/>
-            </a:pPr>
-            <a:endParaRPr sz="1800" i="1" u="sng">
-              <a:solidFill>
-                <a:srgbClr val="E06666"/>
-              </a:solidFill>
-            </a:endParaRPr>
-          </a:p>
-          <a:p>
-            <a:pPr marL="0" lvl="0" indent="0" algn="l" rtl="0">
-              <a:spcBef>
-                <a:spcPts val="0"/>
-              </a:spcBef>
-              <a:spcAft>
-                <a:spcPts val="0"/>
-              </a:spcAft>
-              <a:buNone/>
-            </a:pPr>
-            <a:endParaRPr sz="1800" i="1" u="sng">
-              <a:solidFill>
-                <a:srgbClr val="E06666"/>
-              </a:solidFill>
-            </a:endParaRPr>
-          </a:p>
-          <a:p>
-            <a:pPr marL="0" lvl="0" indent="0" algn="l" rtl="0">
-              <a:spcBef>
-                <a:spcPts val="0"/>
-              </a:spcBef>
-              <a:spcAft>
-                <a:spcPts val="0"/>
-              </a:spcAft>
-              <a:buNone/>
-            </a:pPr>
-            <a:endParaRPr sz="1800" i="1" u="sng">
-              <a:solidFill>
-                <a:srgbClr val="E06666"/>
-              </a:solidFill>
-            </a:endParaRPr>
-          </a:p>
-          <a:p>
-            <a:pPr marL="0" lvl="0" indent="0" algn="l" rtl="0">
-              <a:spcBef>
-                <a:spcPts val="0"/>
-              </a:spcBef>
-              <a:spcAft>
-                <a:spcPts val="0"/>
-              </a:spcAft>
-              <a:buNone/>
-            </a:pPr>
-            <a:endParaRPr sz="2000" i="1"/>
-          </a:p>
-          <a:p>
-            <a:pPr marL="0" lvl="0" indent="0" algn="l" rtl="0">
-              <a:spcBef>
-                <a:spcPts val="0"/>
-              </a:spcBef>
-              <a:spcAft>
-                <a:spcPts val="0"/>
-              </a:spcAft>
-              <a:buClr>
-                <a:schemeClr val="dk1"/>
-              </a:buClr>
-              <a:buSzPts val="4200"/>
-              <a:buFont typeface="Arial"/>
-              <a:buNone/>
-            </a:pPr>
-            <a:r>
-              <a:rPr lang="ru"/>
-              <a:t>Спасибо за внимание!</a:t>
-            </a:r>
-            <a:endParaRPr/>
-          </a:p>
-        </p:txBody>
-      </p:sp>
-      <p:pic>
-        <p:nvPicPr>
-          <p:cNvPr id="643" name="Google Shape;643;p108"/>
-          <p:cNvPicPr preferRelativeResize="0"/>
-          <p:nvPr/>
-        </p:nvPicPr>
-        <p:blipFill>
-          <a:blip r:embed="rId3">
-            <a:alphaModFix/>
-          </a:blip>
-          <a:stretch>
-            <a:fillRect/>
-          </a:stretch>
-        </p:blipFill>
-        <p:spPr>
-          <a:xfrm>
-            <a:off x="4368775" y="2131625"/>
-            <a:ext cx="2392300" cy="2392300"/>
-          </a:xfrm>
-          <a:prstGeom prst="rect">
-            <a:avLst/>
-          </a:prstGeom>
-          <a:noFill/>
-          <a:ln>
-            <a:noFill/>
-          </a:ln>
-        </p:spPr>
-      </p:pic>
-    </p:spTree>
-  </p:cSld>
-  <p:clrMapOvr>
-    <a:masterClrMapping/>
-  </p:clrMapOvr>
-</p:sld>
-</file>
-
 <file path=ppt/slides/slide4.xml><?xml version="1.0" encoding="utf-8"?>
 <p:sld xmlns:a="http://schemas.openxmlformats.org/drawingml/2006/main" xmlns:r="http://schemas.openxmlformats.org/officeDocument/2006/relationships" xmlns:p="http://schemas.openxmlformats.org/presentationml/2006/main">
   <p:cSld>
@@ -33746,6 +33783,2093 @@
           <a:prstGeom prst="rect">
             <a:avLst/>
           </a:prstGeom>
+        </p:spPr>
+      </p:pic>
+    </p:spTree>
+  </p:cSld>
+  <p:clrMapOvr>
+    <a:masterClrMapping/>
+  </p:clrMapOvr>
+</p:sld>
+</file>
+
+<file path=ppt/slides/slide40.xml><?xml version="1.0" encoding="utf-8"?>
+<p:sld xmlns:a="http://schemas.openxmlformats.org/drawingml/2006/main" xmlns:r="http://schemas.openxmlformats.org/officeDocument/2006/relationships" xmlns:p="http://schemas.openxmlformats.org/presentationml/2006/main">
+  <p:cSld>
+    <p:spTree>
+      <p:nvGrpSpPr>
+        <p:cNvPr id="1" name="Shape 515"/>
+        <p:cNvGrpSpPr/>
+        <p:nvPr/>
+      </p:nvGrpSpPr>
+      <p:grpSpPr>
+        <a:xfrm>
+          <a:off x="0" y="0"/>
+          <a:ext cx="0" cy="0"/>
+          <a:chOff x="0" y="0"/>
+          <a:chExt cx="0" cy="0"/>
+        </a:xfrm>
+      </p:grpSpPr>
+      <p:sp>
+        <p:nvSpPr>
+          <p:cNvPr id="516" name="Google Shape;516;p94"/>
+          <p:cNvSpPr/>
+          <p:nvPr/>
+        </p:nvSpPr>
+        <p:spPr>
+          <a:xfrm>
+            <a:off x="1052550" y="1264075"/>
+            <a:ext cx="3426900" cy="779100"/>
+          </a:xfrm>
+          <a:prstGeom prst="rect">
+            <a:avLst/>
+          </a:prstGeom>
+          <a:solidFill>
+            <a:srgbClr val="F3F3F3"/>
+          </a:solidFill>
+          <a:ln>
+            <a:noFill/>
+          </a:ln>
+        </p:spPr>
+        <p:txBody>
+          <a:bodyPr spcFirstLastPara="1" wrap="square" lIns="91425" tIns="91425" rIns="91425" bIns="91425" anchor="ctr" anchorCtr="0">
+            <a:noAutofit/>
+          </a:bodyPr>
+          <a:lstStyle/>
+          <a:p>
+            <a:pPr marL="0" marR="0" lvl="0" indent="0" algn="l" rtl="0">
+              <a:lnSpc>
+                <a:spcPct val="100000"/>
+              </a:lnSpc>
+              <a:spcBef>
+                <a:spcPts val="0"/>
+              </a:spcBef>
+              <a:spcAft>
+                <a:spcPts val="0"/>
+              </a:spcAft>
+              <a:buClr>
+                <a:srgbClr val="000000"/>
+              </a:buClr>
+              <a:buSzPts val="1400"/>
+              <a:buFont typeface="Arial"/>
+              <a:buNone/>
+            </a:pPr>
+            <a:endParaRPr sz="1400" b="0" i="0" u="none" strike="noStrike" cap="none">
+              <a:solidFill>
+                <a:srgbClr val="000000"/>
+              </a:solidFill>
+              <a:latin typeface="Arial"/>
+              <a:ea typeface="Arial"/>
+              <a:cs typeface="Arial"/>
+              <a:sym typeface="Arial"/>
+            </a:endParaRPr>
+          </a:p>
+        </p:txBody>
+      </p:sp>
+      <p:sp>
+        <p:nvSpPr>
+          <p:cNvPr id="517" name="Google Shape;517;p94"/>
+          <p:cNvSpPr/>
+          <p:nvPr/>
+        </p:nvSpPr>
+        <p:spPr>
+          <a:xfrm>
+            <a:off x="1052550" y="2237575"/>
+            <a:ext cx="3426900" cy="993300"/>
+          </a:xfrm>
+          <a:prstGeom prst="rect">
+            <a:avLst/>
+          </a:prstGeom>
+          <a:solidFill>
+            <a:srgbClr val="F3F3F3"/>
+          </a:solidFill>
+          <a:ln>
+            <a:noFill/>
+          </a:ln>
+        </p:spPr>
+        <p:txBody>
+          <a:bodyPr spcFirstLastPara="1" wrap="square" lIns="91425" tIns="91425" rIns="91425" bIns="91425" anchor="ctr" anchorCtr="0">
+            <a:noAutofit/>
+          </a:bodyPr>
+          <a:lstStyle/>
+          <a:p>
+            <a:pPr marL="0" marR="0" lvl="0" indent="0" algn="l" rtl="0">
+              <a:lnSpc>
+                <a:spcPct val="100000"/>
+              </a:lnSpc>
+              <a:spcBef>
+                <a:spcPts val="0"/>
+              </a:spcBef>
+              <a:spcAft>
+                <a:spcPts val="0"/>
+              </a:spcAft>
+              <a:buClr>
+                <a:srgbClr val="000000"/>
+              </a:buClr>
+              <a:buSzPts val="1400"/>
+              <a:buFont typeface="Arial"/>
+              <a:buNone/>
+            </a:pPr>
+            <a:endParaRPr sz="1400" b="0" i="0" u="none" strike="noStrike" cap="none">
+              <a:solidFill>
+                <a:srgbClr val="000000"/>
+              </a:solidFill>
+              <a:latin typeface="Arial"/>
+              <a:ea typeface="Arial"/>
+              <a:cs typeface="Arial"/>
+              <a:sym typeface="Arial"/>
+            </a:endParaRPr>
+          </a:p>
+        </p:txBody>
+      </p:sp>
+      <p:sp>
+        <p:nvSpPr>
+          <p:cNvPr id="518" name="Google Shape;518;p94"/>
+          <p:cNvSpPr/>
+          <p:nvPr/>
+        </p:nvSpPr>
+        <p:spPr>
+          <a:xfrm>
+            <a:off x="1052550" y="3425275"/>
+            <a:ext cx="3426900" cy="1135500"/>
+          </a:xfrm>
+          <a:prstGeom prst="rect">
+            <a:avLst/>
+          </a:prstGeom>
+          <a:solidFill>
+            <a:srgbClr val="F3F3F3"/>
+          </a:solidFill>
+          <a:ln>
+            <a:noFill/>
+          </a:ln>
+        </p:spPr>
+        <p:txBody>
+          <a:bodyPr spcFirstLastPara="1" wrap="square" lIns="91425" tIns="91425" rIns="91425" bIns="91425" anchor="ctr" anchorCtr="0">
+            <a:noAutofit/>
+          </a:bodyPr>
+          <a:lstStyle/>
+          <a:p>
+            <a:pPr marL="0" marR="0" lvl="0" indent="0" algn="l" rtl="0">
+              <a:lnSpc>
+                <a:spcPct val="100000"/>
+              </a:lnSpc>
+              <a:spcBef>
+                <a:spcPts val="0"/>
+              </a:spcBef>
+              <a:spcAft>
+                <a:spcPts val="0"/>
+              </a:spcAft>
+              <a:buClr>
+                <a:srgbClr val="000000"/>
+              </a:buClr>
+              <a:buSzPts val="1400"/>
+              <a:buFont typeface="Arial"/>
+              <a:buNone/>
+            </a:pPr>
+            <a:endParaRPr sz="1400" b="0" i="0" u="none" strike="noStrike" cap="none">
+              <a:solidFill>
+                <a:srgbClr val="000000"/>
+              </a:solidFill>
+              <a:latin typeface="Arial"/>
+              <a:ea typeface="Arial"/>
+              <a:cs typeface="Arial"/>
+              <a:sym typeface="Arial"/>
+            </a:endParaRPr>
+          </a:p>
+        </p:txBody>
+      </p:sp>
+      <p:sp>
+        <p:nvSpPr>
+          <p:cNvPr id="519" name="Google Shape;519;p94"/>
+          <p:cNvSpPr/>
+          <p:nvPr/>
+        </p:nvSpPr>
+        <p:spPr>
+          <a:xfrm>
+            <a:off x="4673550" y="1264075"/>
+            <a:ext cx="3417900" cy="1135500"/>
+          </a:xfrm>
+          <a:prstGeom prst="rect">
+            <a:avLst/>
+          </a:prstGeom>
+          <a:solidFill>
+            <a:srgbClr val="F3F3F3"/>
+          </a:solidFill>
+          <a:ln>
+            <a:noFill/>
+          </a:ln>
+        </p:spPr>
+        <p:txBody>
+          <a:bodyPr spcFirstLastPara="1" wrap="square" lIns="91425" tIns="91425" rIns="91425" bIns="91425" anchor="ctr" anchorCtr="0">
+            <a:noAutofit/>
+          </a:bodyPr>
+          <a:lstStyle/>
+          <a:p>
+            <a:pPr marL="0" marR="0" lvl="0" indent="0" algn="l" rtl="0">
+              <a:lnSpc>
+                <a:spcPct val="100000"/>
+              </a:lnSpc>
+              <a:spcBef>
+                <a:spcPts val="0"/>
+              </a:spcBef>
+              <a:spcAft>
+                <a:spcPts val="0"/>
+              </a:spcAft>
+              <a:buClr>
+                <a:srgbClr val="000000"/>
+              </a:buClr>
+              <a:buSzPts val="1400"/>
+              <a:buFont typeface="Arial"/>
+              <a:buNone/>
+            </a:pPr>
+            <a:endParaRPr sz="1400" b="0" i="0" u="none" strike="noStrike" cap="none">
+              <a:solidFill>
+                <a:srgbClr val="000000"/>
+              </a:solidFill>
+              <a:latin typeface="Arial"/>
+              <a:ea typeface="Arial"/>
+              <a:cs typeface="Arial"/>
+              <a:sym typeface="Arial"/>
+            </a:endParaRPr>
+          </a:p>
+        </p:txBody>
+      </p:sp>
+      <p:sp>
+        <p:nvSpPr>
+          <p:cNvPr id="520" name="Google Shape;520;p94"/>
+          <p:cNvSpPr/>
+          <p:nvPr/>
+        </p:nvSpPr>
+        <p:spPr>
+          <a:xfrm>
+            <a:off x="4673550" y="2579575"/>
+            <a:ext cx="3417900" cy="848100"/>
+          </a:xfrm>
+          <a:prstGeom prst="rect">
+            <a:avLst/>
+          </a:prstGeom>
+          <a:solidFill>
+            <a:srgbClr val="F3F3F3"/>
+          </a:solidFill>
+          <a:ln>
+            <a:noFill/>
+          </a:ln>
+        </p:spPr>
+        <p:txBody>
+          <a:bodyPr spcFirstLastPara="1" wrap="square" lIns="91425" tIns="91425" rIns="91425" bIns="91425" anchor="ctr" anchorCtr="0">
+            <a:noAutofit/>
+          </a:bodyPr>
+          <a:lstStyle/>
+          <a:p>
+            <a:pPr marL="0" marR="0" lvl="0" indent="0" algn="l" rtl="0">
+              <a:lnSpc>
+                <a:spcPct val="100000"/>
+              </a:lnSpc>
+              <a:spcBef>
+                <a:spcPts val="0"/>
+              </a:spcBef>
+              <a:spcAft>
+                <a:spcPts val="0"/>
+              </a:spcAft>
+              <a:buClr>
+                <a:srgbClr val="000000"/>
+              </a:buClr>
+              <a:buSzPts val="1400"/>
+              <a:buFont typeface="Arial"/>
+              <a:buNone/>
+            </a:pPr>
+            <a:endParaRPr sz="1400" b="0" i="0" u="none" strike="noStrike" cap="none">
+              <a:solidFill>
+                <a:srgbClr val="000000"/>
+              </a:solidFill>
+              <a:latin typeface="Arial"/>
+              <a:ea typeface="Arial"/>
+              <a:cs typeface="Arial"/>
+              <a:sym typeface="Arial"/>
+            </a:endParaRPr>
+          </a:p>
+        </p:txBody>
+      </p:sp>
+      <p:sp>
+        <p:nvSpPr>
+          <p:cNvPr id="521" name="Google Shape;521;p94"/>
+          <p:cNvSpPr/>
+          <p:nvPr/>
+        </p:nvSpPr>
+        <p:spPr>
+          <a:xfrm>
+            <a:off x="4673550" y="3607675"/>
+            <a:ext cx="3417900" cy="951000"/>
+          </a:xfrm>
+          <a:prstGeom prst="rect">
+            <a:avLst/>
+          </a:prstGeom>
+          <a:solidFill>
+            <a:srgbClr val="F3F3F3"/>
+          </a:solidFill>
+          <a:ln>
+            <a:noFill/>
+          </a:ln>
+        </p:spPr>
+        <p:txBody>
+          <a:bodyPr spcFirstLastPara="1" wrap="square" lIns="91425" tIns="91425" rIns="91425" bIns="91425" anchor="ctr" anchorCtr="0">
+            <a:noAutofit/>
+          </a:bodyPr>
+          <a:lstStyle/>
+          <a:p>
+            <a:pPr marL="0" marR="0" lvl="0" indent="0" algn="l" rtl="0">
+              <a:lnSpc>
+                <a:spcPct val="100000"/>
+              </a:lnSpc>
+              <a:spcBef>
+                <a:spcPts val="0"/>
+              </a:spcBef>
+              <a:spcAft>
+                <a:spcPts val="0"/>
+              </a:spcAft>
+              <a:buClr>
+                <a:srgbClr val="000000"/>
+              </a:buClr>
+              <a:buSzPts val="1400"/>
+              <a:buFont typeface="Arial"/>
+              <a:buNone/>
+            </a:pPr>
+            <a:endParaRPr sz="1400" b="0" i="0" u="none" strike="noStrike" cap="none">
+              <a:solidFill>
+                <a:srgbClr val="000000"/>
+              </a:solidFill>
+              <a:latin typeface="Arial"/>
+              <a:ea typeface="Arial"/>
+              <a:cs typeface="Arial"/>
+              <a:sym typeface="Arial"/>
+            </a:endParaRPr>
+          </a:p>
+        </p:txBody>
+      </p:sp>
+      <p:pic>
+        <p:nvPicPr>
+          <p:cNvPr id="522" name="Google Shape;522;p94"/>
+          <p:cNvPicPr preferRelativeResize="0"/>
+          <p:nvPr/>
+        </p:nvPicPr>
+        <p:blipFill rotWithShape="1">
+          <a:blip r:embed="rId3">
+            <a:alphaModFix/>
+          </a:blip>
+          <a:srcRect/>
+          <a:stretch/>
+        </p:blipFill>
+        <p:spPr>
+          <a:xfrm>
+            <a:off x="1237900" y="1421375"/>
+            <a:ext cx="460475" cy="460475"/>
+          </a:xfrm>
+          <a:prstGeom prst="rect">
+            <a:avLst/>
+          </a:prstGeom>
+          <a:noFill/>
+          <a:ln>
+            <a:noFill/>
+          </a:ln>
+        </p:spPr>
+      </p:pic>
+      <p:sp>
+        <p:nvSpPr>
+          <p:cNvPr id="523" name="Google Shape;523;p94"/>
+          <p:cNvSpPr txBox="1"/>
+          <p:nvPr/>
+        </p:nvSpPr>
+        <p:spPr>
+          <a:xfrm>
+            <a:off x="1763275" y="1326125"/>
+            <a:ext cx="2529600" cy="651000"/>
+          </a:xfrm>
+          <a:prstGeom prst="rect">
+            <a:avLst/>
+          </a:prstGeom>
+          <a:noFill/>
+          <a:ln>
+            <a:noFill/>
+          </a:ln>
+        </p:spPr>
+        <p:txBody>
+          <a:bodyPr spcFirstLastPara="1" wrap="square" lIns="91425" tIns="91425" rIns="54000" bIns="91425" anchor="t" anchorCtr="0">
+            <a:normAutofit lnSpcReduction="10000"/>
+          </a:bodyPr>
+          <a:lstStyle/>
+          <a:p>
+            <a:pPr marL="0" marR="0" lvl="0" indent="0" algn="l" rtl="0">
+              <a:lnSpc>
+                <a:spcPct val="120000"/>
+              </a:lnSpc>
+              <a:spcBef>
+                <a:spcPts val="0"/>
+              </a:spcBef>
+              <a:spcAft>
+                <a:spcPts val="0"/>
+              </a:spcAft>
+              <a:buClr>
+                <a:schemeClr val="dk1"/>
+              </a:buClr>
+              <a:buSzPts val="1100"/>
+              <a:buFont typeface="Arial"/>
+              <a:buNone/>
+            </a:pPr>
+            <a:r>
+              <a:rPr lang="ru" sz="900" b="0" i="0" u="none" strike="noStrike" cap="none">
+                <a:solidFill>
+                  <a:srgbClr val="000000"/>
+                </a:solidFill>
+                <a:latin typeface="Roboto"/>
+                <a:ea typeface="Roboto"/>
+                <a:cs typeface="Roboto"/>
+                <a:sym typeface="Roboto"/>
+              </a:rPr>
+              <a:t>Обучение выстроено в формате вебинаров (онлайн). Онлайн-вебинары проводятся</a:t>
+            </a:r>
+            <a:endParaRPr sz="900" b="0" i="0" u="none" strike="noStrike" cap="none">
+              <a:solidFill>
+                <a:srgbClr val="000000"/>
+              </a:solidFill>
+              <a:latin typeface="Roboto"/>
+              <a:ea typeface="Roboto"/>
+              <a:cs typeface="Roboto"/>
+              <a:sym typeface="Roboto"/>
+            </a:endParaRPr>
+          </a:p>
+          <a:p>
+            <a:pPr marL="0" marR="0" lvl="0" indent="0" algn="l" rtl="0">
+              <a:lnSpc>
+                <a:spcPct val="120000"/>
+              </a:lnSpc>
+              <a:spcBef>
+                <a:spcPts val="0"/>
+              </a:spcBef>
+              <a:spcAft>
+                <a:spcPts val="0"/>
+              </a:spcAft>
+              <a:buClr>
+                <a:schemeClr val="dk1"/>
+              </a:buClr>
+              <a:buSzPts val="1100"/>
+              <a:buFont typeface="Arial"/>
+              <a:buNone/>
+            </a:pPr>
+            <a:r>
+              <a:rPr lang="ru" sz="900" b="0" i="0" u="none" strike="noStrike" cap="none">
+                <a:solidFill>
+                  <a:srgbClr val="000000"/>
+                </a:solidFill>
+                <a:latin typeface="Roboto"/>
+                <a:ea typeface="Roboto"/>
+                <a:cs typeface="Roboto"/>
+                <a:sym typeface="Roboto"/>
+              </a:rPr>
+              <a:t>по вечерам или в выходные дни</a:t>
+            </a:r>
+            <a:endParaRPr sz="900" b="0" i="0" u="none" strike="noStrike" cap="none">
+              <a:solidFill>
+                <a:srgbClr val="000000"/>
+              </a:solidFill>
+              <a:latin typeface="Roboto"/>
+              <a:ea typeface="Roboto"/>
+              <a:cs typeface="Roboto"/>
+              <a:sym typeface="Roboto"/>
+            </a:endParaRPr>
+          </a:p>
+        </p:txBody>
+      </p:sp>
+      <p:pic>
+        <p:nvPicPr>
+          <p:cNvPr id="524" name="Google Shape;524;p94"/>
+          <p:cNvPicPr preferRelativeResize="0"/>
+          <p:nvPr/>
+        </p:nvPicPr>
+        <p:blipFill rotWithShape="1">
+          <a:blip r:embed="rId4">
+            <a:alphaModFix/>
+          </a:blip>
+          <a:srcRect/>
+          <a:stretch/>
+        </p:blipFill>
+        <p:spPr>
+          <a:xfrm>
+            <a:off x="1237900" y="2440438"/>
+            <a:ext cx="460475" cy="460475"/>
+          </a:xfrm>
+          <a:prstGeom prst="rect">
+            <a:avLst/>
+          </a:prstGeom>
+          <a:noFill/>
+          <a:ln>
+            <a:noFill/>
+          </a:ln>
+        </p:spPr>
+      </p:pic>
+      <p:sp>
+        <p:nvSpPr>
+          <p:cNvPr id="525" name="Google Shape;525;p94"/>
+          <p:cNvSpPr txBox="1"/>
+          <p:nvPr/>
+        </p:nvSpPr>
+        <p:spPr>
+          <a:xfrm>
+            <a:off x="1763275" y="2305525"/>
+            <a:ext cx="2626500" cy="951000"/>
+          </a:xfrm>
+          <a:prstGeom prst="rect">
+            <a:avLst/>
+          </a:prstGeom>
+          <a:noFill/>
+          <a:ln>
+            <a:noFill/>
+          </a:ln>
+        </p:spPr>
+        <p:txBody>
+          <a:bodyPr spcFirstLastPara="1" wrap="square" lIns="91425" tIns="91425" rIns="54000" bIns="91425" anchor="t" anchorCtr="0">
+            <a:normAutofit/>
+          </a:bodyPr>
+          <a:lstStyle/>
+          <a:p>
+            <a:pPr marL="0" marR="0" lvl="0" indent="0" algn="l" rtl="0">
+              <a:lnSpc>
+                <a:spcPct val="120000"/>
+              </a:lnSpc>
+              <a:spcBef>
+                <a:spcPts val="0"/>
+              </a:spcBef>
+              <a:spcAft>
+                <a:spcPts val="0"/>
+              </a:spcAft>
+              <a:buClr>
+                <a:schemeClr val="dk1"/>
+              </a:buClr>
+              <a:buSzPts val="1100"/>
+              <a:buFont typeface="Arial"/>
+              <a:buNone/>
+            </a:pPr>
+            <a:r>
+              <a:rPr lang="ru" sz="900" b="0" i="0" u="none" strike="noStrike" cap="none">
+                <a:solidFill>
+                  <a:srgbClr val="000000"/>
+                </a:solidFill>
+                <a:latin typeface="Roboto"/>
+                <a:ea typeface="Roboto"/>
+                <a:cs typeface="Roboto"/>
+                <a:sym typeface="Roboto"/>
+              </a:rPr>
+              <a:t>Все записи занятий и материалы, предоставляемые преподавателями, сохраняются в личном кабинете и остаются доступны даже после окончания обучения</a:t>
+            </a:r>
+            <a:endParaRPr sz="900" b="0" i="0" u="none" strike="noStrike" cap="none">
+              <a:solidFill>
+                <a:srgbClr val="000000"/>
+              </a:solidFill>
+              <a:latin typeface="Roboto"/>
+              <a:ea typeface="Roboto"/>
+              <a:cs typeface="Roboto"/>
+              <a:sym typeface="Roboto"/>
+            </a:endParaRPr>
+          </a:p>
+        </p:txBody>
+      </p:sp>
+      <p:pic>
+        <p:nvPicPr>
+          <p:cNvPr id="526" name="Google Shape;526;p94"/>
+          <p:cNvPicPr preferRelativeResize="0"/>
+          <p:nvPr/>
+        </p:nvPicPr>
+        <p:blipFill rotWithShape="1">
+          <a:blip r:embed="rId5">
+            <a:alphaModFix/>
+          </a:blip>
+          <a:srcRect/>
+          <a:stretch/>
+        </p:blipFill>
+        <p:spPr>
+          <a:xfrm>
+            <a:off x="1237900" y="3632238"/>
+            <a:ext cx="460475" cy="460475"/>
+          </a:xfrm>
+          <a:prstGeom prst="rect">
+            <a:avLst/>
+          </a:prstGeom>
+          <a:noFill/>
+          <a:ln>
+            <a:noFill/>
+          </a:ln>
+        </p:spPr>
+      </p:pic>
+      <p:sp>
+        <p:nvSpPr>
+          <p:cNvPr id="527" name="Google Shape;527;p94"/>
+          <p:cNvSpPr txBox="1"/>
+          <p:nvPr/>
+        </p:nvSpPr>
+        <p:spPr>
+          <a:xfrm>
+            <a:off x="1763275" y="3495075"/>
+            <a:ext cx="2493300" cy="1035300"/>
+          </a:xfrm>
+          <a:prstGeom prst="rect">
+            <a:avLst/>
+          </a:prstGeom>
+          <a:noFill/>
+          <a:ln>
+            <a:noFill/>
+          </a:ln>
+        </p:spPr>
+        <p:txBody>
+          <a:bodyPr spcFirstLastPara="1" wrap="square" lIns="91425" tIns="91425" rIns="54000" bIns="91425" anchor="t" anchorCtr="0">
+            <a:normAutofit/>
+          </a:bodyPr>
+          <a:lstStyle/>
+          <a:p>
+            <a:pPr marL="0" marR="0" lvl="0" indent="0" algn="l" rtl="0">
+              <a:lnSpc>
+                <a:spcPct val="120000"/>
+              </a:lnSpc>
+              <a:spcBef>
+                <a:spcPts val="0"/>
+              </a:spcBef>
+              <a:spcAft>
+                <a:spcPts val="0"/>
+              </a:spcAft>
+              <a:buClr>
+                <a:schemeClr val="dk1"/>
+              </a:buClr>
+              <a:buSzPts val="1100"/>
+              <a:buFont typeface="Arial"/>
+              <a:buNone/>
+            </a:pPr>
+            <a:r>
+              <a:rPr lang="ru" sz="900" b="0" i="0" u="none" strike="noStrike" cap="none">
+                <a:solidFill>
+                  <a:srgbClr val="000000"/>
+                </a:solidFill>
+                <a:latin typeface="Roboto"/>
+                <a:ea typeface="Roboto"/>
+                <a:cs typeface="Roboto"/>
+                <a:sym typeface="Roboto"/>
+              </a:rPr>
+              <a:t>Домашние задания позволят Вам применить на практике полученные</a:t>
+            </a:r>
+            <a:endParaRPr sz="900" b="0" i="0" u="none" strike="noStrike" cap="none">
+              <a:solidFill>
+                <a:srgbClr val="000000"/>
+              </a:solidFill>
+              <a:latin typeface="Roboto"/>
+              <a:ea typeface="Roboto"/>
+              <a:cs typeface="Roboto"/>
+              <a:sym typeface="Roboto"/>
+            </a:endParaRPr>
+          </a:p>
+          <a:p>
+            <a:pPr marL="0" marR="0" lvl="0" indent="0" algn="l" rtl="0">
+              <a:lnSpc>
+                <a:spcPct val="120000"/>
+              </a:lnSpc>
+              <a:spcBef>
+                <a:spcPts val="0"/>
+              </a:spcBef>
+              <a:spcAft>
+                <a:spcPts val="0"/>
+              </a:spcAft>
+              <a:buClr>
+                <a:schemeClr val="dk1"/>
+              </a:buClr>
+              <a:buSzPts val="1100"/>
+              <a:buFont typeface="Arial"/>
+              <a:buNone/>
+            </a:pPr>
+            <a:r>
+              <a:rPr lang="ru" sz="900" b="0" i="0" u="none" strike="noStrike" cap="none">
+                <a:solidFill>
+                  <a:srgbClr val="000000"/>
+                </a:solidFill>
+                <a:latin typeface="Roboto"/>
+                <a:ea typeface="Roboto"/>
+                <a:cs typeface="Roboto"/>
+                <a:sym typeface="Roboto"/>
+              </a:rPr>
+              <a:t>во время вебинаров знания.</a:t>
+            </a:r>
+            <a:endParaRPr sz="900" b="0" i="0" u="none" strike="noStrike" cap="none">
+              <a:solidFill>
+                <a:srgbClr val="000000"/>
+              </a:solidFill>
+              <a:latin typeface="Roboto"/>
+              <a:ea typeface="Roboto"/>
+              <a:cs typeface="Roboto"/>
+              <a:sym typeface="Roboto"/>
+            </a:endParaRPr>
+          </a:p>
+          <a:p>
+            <a:pPr marL="0" marR="0" lvl="0" indent="0" algn="l" rtl="0">
+              <a:lnSpc>
+                <a:spcPct val="120000"/>
+              </a:lnSpc>
+              <a:spcBef>
+                <a:spcPts val="0"/>
+              </a:spcBef>
+              <a:spcAft>
+                <a:spcPts val="0"/>
+              </a:spcAft>
+              <a:buClr>
+                <a:schemeClr val="dk1"/>
+              </a:buClr>
+              <a:buSzPts val="1100"/>
+              <a:buFont typeface="Arial"/>
+              <a:buNone/>
+            </a:pPr>
+            <a:r>
+              <a:rPr lang="ru" sz="900" b="0" i="0" u="none" strike="noStrike" cap="none">
+                <a:solidFill>
+                  <a:srgbClr val="000000"/>
+                </a:solidFill>
+                <a:latin typeface="Roboto"/>
+                <a:ea typeface="Roboto"/>
+                <a:cs typeface="Roboto"/>
+                <a:sym typeface="Roboto"/>
+              </a:rPr>
+              <a:t>По каждому домашнему заданию</a:t>
+            </a:r>
+            <a:endParaRPr sz="900" b="0" i="0" u="none" strike="noStrike" cap="none">
+              <a:solidFill>
+                <a:srgbClr val="000000"/>
+              </a:solidFill>
+              <a:latin typeface="Roboto"/>
+              <a:ea typeface="Roboto"/>
+              <a:cs typeface="Roboto"/>
+              <a:sym typeface="Roboto"/>
+            </a:endParaRPr>
+          </a:p>
+          <a:p>
+            <a:pPr marL="0" marR="0" lvl="0" indent="0" algn="l" rtl="0">
+              <a:lnSpc>
+                <a:spcPct val="120000"/>
+              </a:lnSpc>
+              <a:spcBef>
+                <a:spcPts val="0"/>
+              </a:spcBef>
+              <a:spcAft>
+                <a:spcPts val="0"/>
+              </a:spcAft>
+              <a:buClr>
+                <a:schemeClr val="dk1"/>
+              </a:buClr>
+              <a:buSzPts val="1100"/>
+              <a:buFont typeface="Arial"/>
+              <a:buNone/>
+            </a:pPr>
+            <a:r>
+              <a:rPr lang="ru" sz="900" b="0" i="0" u="none" strike="noStrike" cap="none">
+                <a:solidFill>
+                  <a:srgbClr val="000000"/>
+                </a:solidFill>
+                <a:latin typeface="Roboto"/>
+                <a:ea typeface="Roboto"/>
+                <a:cs typeface="Roboto"/>
+                <a:sym typeface="Roboto"/>
+              </a:rPr>
+              <a:t>преподаватель дает развернутый фидбек</a:t>
+            </a:r>
+            <a:endParaRPr sz="900" b="0" i="0" u="none" strike="noStrike" cap="none">
+              <a:solidFill>
+                <a:srgbClr val="000000"/>
+              </a:solidFill>
+              <a:latin typeface="Roboto"/>
+              <a:ea typeface="Roboto"/>
+              <a:cs typeface="Roboto"/>
+              <a:sym typeface="Roboto"/>
+            </a:endParaRPr>
+          </a:p>
+        </p:txBody>
+      </p:sp>
+      <p:pic>
+        <p:nvPicPr>
+          <p:cNvPr id="528" name="Google Shape;528;p94"/>
+          <p:cNvPicPr preferRelativeResize="0"/>
+          <p:nvPr/>
+        </p:nvPicPr>
+        <p:blipFill rotWithShape="1">
+          <a:blip r:embed="rId6">
+            <a:alphaModFix/>
+          </a:blip>
+          <a:srcRect/>
+          <a:stretch/>
+        </p:blipFill>
+        <p:spPr>
+          <a:xfrm>
+            <a:off x="4853100" y="1421375"/>
+            <a:ext cx="460475" cy="460475"/>
+          </a:xfrm>
+          <a:prstGeom prst="rect">
+            <a:avLst/>
+          </a:prstGeom>
+          <a:noFill/>
+          <a:ln>
+            <a:noFill/>
+          </a:ln>
+        </p:spPr>
+      </p:pic>
+      <p:sp>
+        <p:nvSpPr>
+          <p:cNvPr id="529" name="Google Shape;529;p94"/>
+          <p:cNvSpPr txBox="1"/>
+          <p:nvPr/>
+        </p:nvSpPr>
+        <p:spPr>
+          <a:xfrm>
+            <a:off x="5378475" y="1326125"/>
+            <a:ext cx="2493300" cy="993300"/>
+          </a:xfrm>
+          <a:prstGeom prst="rect">
+            <a:avLst/>
+          </a:prstGeom>
+          <a:noFill/>
+          <a:ln>
+            <a:noFill/>
+          </a:ln>
+        </p:spPr>
+        <p:txBody>
+          <a:bodyPr spcFirstLastPara="1" wrap="square" lIns="91425" tIns="91425" rIns="54000" bIns="91425" anchor="t" anchorCtr="0">
+            <a:normAutofit lnSpcReduction="10000"/>
+          </a:bodyPr>
+          <a:lstStyle/>
+          <a:p>
+            <a:pPr marL="0" marR="0" lvl="0" indent="0" algn="l" rtl="0">
+              <a:lnSpc>
+                <a:spcPct val="120000"/>
+              </a:lnSpc>
+              <a:spcBef>
+                <a:spcPts val="0"/>
+              </a:spcBef>
+              <a:spcAft>
+                <a:spcPts val="0"/>
+              </a:spcAft>
+              <a:buClr>
+                <a:schemeClr val="dk1"/>
+              </a:buClr>
+              <a:buSzPts val="1100"/>
+              <a:buFont typeface="Arial"/>
+              <a:buNone/>
+            </a:pPr>
+            <a:r>
+              <a:rPr lang="ru" sz="900" b="0" i="0" u="none" strike="noStrike" cap="none">
+                <a:solidFill>
+                  <a:srgbClr val="000000"/>
+                </a:solidFill>
+                <a:latin typeface="Roboto"/>
+                <a:ea typeface="Roboto"/>
+                <a:cs typeface="Roboto"/>
+                <a:sym typeface="Roboto"/>
+              </a:rPr>
+              <a:t>В процессе обучения Вы можете задавать преподавателю вопросы по материалам лекций и домашних заданий, уточнять моменты, которые были непонятны</a:t>
+            </a:r>
+            <a:endParaRPr sz="900" b="0" i="0" u="none" strike="noStrike" cap="none">
+              <a:solidFill>
+                <a:srgbClr val="000000"/>
+              </a:solidFill>
+              <a:latin typeface="Roboto"/>
+              <a:ea typeface="Roboto"/>
+              <a:cs typeface="Roboto"/>
+              <a:sym typeface="Roboto"/>
+            </a:endParaRPr>
+          </a:p>
+          <a:p>
+            <a:pPr marL="0" marR="0" lvl="0" indent="0" algn="l" rtl="0">
+              <a:lnSpc>
+                <a:spcPct val="120000"/>
+              </a:lnSpc>
+              <a:spcBef>
+                <a:spcPts val="0"/>
+              </a:spcBef>
+              <a:spcAft>
+                <a:spcPts val="0"/>
+              </a:spcAft>
+              <a:buClr>
+                <a:schemeClr val="dk1"/>
+              </a:buClr>
+              <a:buSzPts val="1100"/>
+              <a:buFont typeface="Arial"/>
+              <a:buNone/>
+            </a:pPr>
+            <a:r>
+              <a:rPr lang="ru" sz="900" b="0" i="0" u="none" strike="noStrike" cap="none">
+                <a:solidFill>
+                  <a:srgbClr val="000000"/>
+                </a:solidFill>
+                <a:latin typeface="Roboto"/>
+                <a:ea typeface="Roboto"/>
+                <a:cs typeface="Roboto"/>
+                <a:sym typeface="Roboto"/>
+              </a:rPr>
+              <a:t>на уроке</a:t>
+            </a:r>
+            <a:endParaRPr sz="900" b="0" i="0" u="none" strike="noStrike" cap="none">
+              <a:solidFill>
+                <a:srgbClr val="000000"/>
+              </a:solidFill>
+              <a:latin typeface="Roboto"/>
+              <a:ea typeface="Roboto"/>
+              <a:cs typeface="Roboto"/>
+              <a:sym typeface="Roboto"/>
+            </a:endParaRPr>
+          </a:p>
+        </p:txBody>
+      </p:sp>
+      <p:pic>
+        <p:nvPicPr>
+          <p:cNvPr id="530" name="Google Shape;530;p94"/>
+          <p:cNvPicPr preferRelativeResize="0"/>
+          <p:nvPr/>
+        </p:nvPicPr>
+        <p:blipFill rotWithShape="1">
+          <a:blip r:embed="rId7">
+            <a:alphaModFix/>
+          </a:blip>
+          <a:srcRect/>
+          <a:stretch/>
+        </p:blipFill>
+        <p:spPr>
+          <a:xfrm>
+            <a:off x="4853100" y="2743075"/>
+            <a:ext cx="460475" cy="460475"/>
+          </a:xfrm>
+          <a:prstGeom prst="rect">
+            <a:avLst/>
+          </a:prstGeom>
+          <a:noFill/>
+          <a:ln>
+            <a:noFill/>
+          </a:ln>
+        </p:spPr>
+      </p:pic>
+      <p:sp>
+        <p:nvSpPr>
+          <p:cNvPr id="531" name="Google Shape;531;p94"/>
+          <p:cNvSpPr txBox="1"/>
+          <p:nvPr/>
+        </p:nvSpPr>
+        <p:spPr>
+          <a:xfrm>
+            <a:off x="5378475" y="2647825"/>
+            <a:ext cx="2626500" cy="651000"/>
+          </a:xfrm>
+          <a:prstGeom prst="rect">
+            <a:avLst/>
+          </a:prstGeom>
+          <a:noFill/>
+          <a:ln>
+            <a:noFill/>
+          </a:ln>
+        </p:spPr>
+        <p:txBody>
+          <a:bodyPr spcFirstLastPara="1" wrap="square" lIns="91425" tIns="91425" rIns="54000" bIns="91425" anchor="t" anchorCtr="0">
+            <a:normAutofit lnSpcReduction="10000"/>
+          </a:bodyPr>
+          <a:lstStyle/>
+          <a:p>
+            <a:pPr marL="0" marR="0" lvl="0" indent="0" algn="l" rtl="0">
+              <a:lnSpc>
+                <a:spcPct val="120000"/>
+              </a:lnSpc>
+              <a:spcBef>
+                <a:spcPts val="0"/>
+              </a:spcBef>
+              <a:spcAft>
+                <a:spcPts val="0"/>
+              </a:spcAft>
+              <a:buClr>
+                <a:schemeClr val="dk1"/>
+              </a:buClr>
+              <a:buSzPts val="1100"/>
+              <a:buFont typeface="Arial"/>
+              <a:buNone/>
+            </a:pPr>
+            <a:r>
+              <a:rPr lang="ru" sz="900" b="0" i="0" u="none" strike="noStrike" cap="none">
+                <a:solidFill>
+                  <a:srgbClr val="000000"/>
+                </a:solidFill>
+                <a:latin typeface="Roboto"/>
+                <a:ea typeface="Roboto"/>
+                <a:cs typeface="Roboto"/>
+                <a:sym typeface="Roboto"/>
+              </a:rPr>
+              <a:t>Время на обучение: от 4 ак. часов</a:t>
+            </a:r>
+            <a:endParaRPr sz="900" b="0" i="0" u="none" strike="noStrike" cap="none">
+              <a:solidFill>
+                <a:srgbClr val="000000"/>
+              </a:solidFill>
+              <a:latin typeface="Roboto"/>
+              <a:ea typeface="Roboto"/>
+              <a:cs typeface="Roboto"/>
+              <a:sym typeface="Roboto"/>
+            </a:endParaRPr>
+          </a:p>
+          <a:p>
+            <a:pPr marL="0" marR="0" lvl="0" indent="0" algn="l" rtl="0">
+              <a:lnSpc>
+                <a:spcPct val="120000"/>
+              </a:lnSpc>
+              <a:spcBef>
+                <a:spcPts val="0"/>
+              </a:spcBef>
+              <a:spcAft>
+                <a:spcPts val="0"/>
+              </a:spcAft>
+              <a:buClr>
+                <a:schemeClr val="dk1"/>
+              </a:buClr>
+              <a:buSzPts val="1100"/>
+              <a:buFont typeface="Arial"/>
+              <a:buNone/>
+            </a:pPr>
+            <a:r>
+              <a:rPr lang="ru" sz="900" b="0" i="0" u="none" strike="noStrike" cap="none">
+                <a:solidFill>
+                  <a:srgbClr val="000000"/>
+                </a:solidFill>
+                <a:latin typeface="Roboto"/>
+                <a:ea typeface="Roboto"/>
+                <a:cs typeface="Roboto"/>
+                <a:sym typeface="Roboto"/>
+              </a:rPr>
+              <a:t>на занятия и 4-8 часов на домашнюю</a:t>
+            </a:r>
+            <a:endParaRPr sz="900" b="0" i="0" u="none" strike="noStrike" cap="none">
+              <a:solidFill>
+                <a:srgbClr val="000000"/>
+              </a:solidFill>
+              <a:latin typeface="Roboto"/>
+              <a:ea typeface="Roboto"/>
+              <a:cs typeface="Roboto"/>
+              <a:sym typeface="Roboto"/>
+            </a:endParaRPr>
+          </a:p>
+          <a:p>
+            <a:pPr marL="0" marR="0" lvl="0" indent="0" algn="l" rtl="0">
+              <a:lnSpc>
+                <a:spcPct val="120000"/>
+              </a:lnSpc>
+              <a:spcBef>
+                <a:spcPts val="0"/>
+              </a:spcBef>
+              <a:spcAft>
+                <a:spcPts val="0"/>
+              </a:spcAft>
+              <a:buClr>
+                <a:schemeClr val="dk1"/>
+              </a:buClr>
+              <a:buSzPts val="1100"/>
+              <a:buFont typeface="Arial"/>
+              <a:buNone/>
+            </a:pPr>
+            <a:r>
+              <a:rPr lang="ru" sz="900" b="0" i="0" u="none" strike="noStrike" cap="none">
+                <a:solidFill>
+                  <a:srgbClr val="000000"/>
+                </a:solidFill>
+                <a:latin typeface="Roboto"/>
+                <a:ea typeface="Roboto"/>
+                <a:cs typeface="Roboto"/>
+                <a:sym typeface="Roboto"/>
+              </a:rPr>
+              <a:t>работу в неделю</a:t>
+            </a:r>
+            <a:endParaRPr sz="900" b="0" i="0" u="none" strike="noStrike" cap="none">
+              <a:solidFill>
+                <a:srgbClr val="000000"/>
+              </a:solidFill>
+              <a:latin typeface="Roboto"/>
+              <a:ea typeface="Roboto"/>
+              <a:cs typeface="Roboto"/>
+              <a:sym typeface="Roboto"/>
+            </a:endParaRPr>
+          </a:p>
+        </p:txBody>
+      </p:sp>
+      <p:pic>
+        <p:nvPicPr>
+          <p:cNvPr id="532" name="Google Shape;532;p94"/>
+          <p:cNvPicPr preferRelativeResize="0"/>
+          <p:nvPr/>
+        </p:nvPicPr>
+        <p:blipFill rotWithShape="1">
+          <a:blip r:embed="rId8">
+            <a:alphaModFix/>
+          </a:blip>
+          <a:srcRect/>
+          <a:stretch/>
+        </p:blipFill>
+        <p:spPr>
+          <a:xfrm>
+            <a:off x="4853100" y="3760075"/>
+            <a:ext cx="460475" cy="460475"/>
+          </a:xfrm>
+          <a:prstGeom prst="rect">
+            <a:avLst/>
+          </a:prstGeom>
+          <a:noFill/>
+          <a:ln>
+            <a:noFill/>
+          </a:ln>
+        </p:spPr>
+      </p:pic>
+      <p:sp>
+        <p:nvSpPr>
+          <p:cNvPr id="533" name="Google Shape;533;p94"/>
+          <p:cNvSpPr txBox="1"/>
+          <p:nvPr/>
+        </p:nvSpPr>
+        <p:spPr>
+          <a:xfrm>
+            <a:off x="5378475" y="3664825"/>
+            <a:ext cx="2529600" cy="820500"/>
+          </a:xfrm>
+          <a:prstGeom prst="rect">
+            <a:avLst/>
+          </a:prstGeom>
+          <a:noFill/>
+          <a:ln>
+            <a:noFill/>
+          </a:ln>
+        </p:spPr>
+        <p:txBody>
+          <a:bodyPr spcFirstLastPara="1" wrap="square" lIns="91425" tIns="91425" rIns="54000" bIns="91425" anchor="t" anchorCtr="0">
+            <a:normAutofit lnSpcReduction="10000"/>
+          </a:bodyPr>
+          <a:lstStyle/>
+          <a:p>
+            <a:pPr marL="0" marR="0" lvl="0" indent="0" algn="l" rtl="0">
+              <a:lnSpc>
+                <a:spcPct val="120000"/>
+              </a:lnSpc>
+              <a:spcBef>
+                <a:spcPts val="0"/>
+              </a:spcBef>
+              <a:spcAft>
+                <a:spcPts val="0"/>
+              </a:spcAft>
+              <a:buClr>
+                <a:schemeClr val="dk1"/>
+              </a:buClr>
+              <a:buSzPts val="1100"/>
+              <a:buFont typeface="Arial"/>
+              <a:buNone/>
+            </a:pPr>
+            <a:r>
+              <a:rPr lang="ru" sz="900" b="0" i="0" u="none" strike="noStrike" cap="none">
+                <a:solidFill>
+                  <a:srgbClr val="000000"/>
+                </a:solidFill>
+                <a:latin typeface="Roboto"/>
+                <a:ea typeface="Roboto"/>
+                <a:cs typeface="Roboto"/>
+                <a:sym typeface="Roboto"/>
+              </a:rPr>
+              <a:t>Программа обучения на курсах обновляется каждый запуск в зависимости от актуальных запросов в сфере IТ-технологий</a:t>
+            </a:r>
+            <a:endParaRPr sz="900" b="0" i="0" u="none" strike="noStrike" cap="none">
+              <a:solidFill>
+                <a:srgbClr val="000000"/>
+              </a:solidFill>
+              <a:latin typeface="Roboto"/>
+              <a:ea typeface="Roboto"/>
+              <a:cs typeface="Roboto"/>
+              <a:sym typeface="Roboto"/>
+            </a:endParaRPr>
+          </a:p>
+        </p:txBody>
+      </p:sp>
+      <p:sp>
+        <p:nvSpPr>
+          <p:cNvPr id="534" name="Google Shape;534;p94"/>
+          <p:cNvSpPr txBox="1"/>
+          <p:nvPr/>
+        </p:nvSpPr>
+        <p:spPr>
+          <a:xfrm>
+            <a:off x="500550" y="336745"/>
+            <a:ext cx="8307600" cy="1180200"/>
+          </a:xfrm>
+          <a:prstGeom prst="rect">
+            <a:avLst/>
+          </a:prstGeom>
+          <a:noFill/>
+          <a:ln>
+            <a:noFill/>
+          </a:ln>
+        </p:spPr>
+        <p:txBody>
+          <a:bodyPr spcFirstLastPara="1" wrap="square" lIns="91425" tIns="91425" rIns="91425" bIns="91425" anchor="t" anchorCtr="0">
+            <a:noAutofit/>
+          </a:bodyPr>
+          <a:lstStyle/>
+          <a:p>
+            <a:pPr marL="0" lvl="0" indent="0" algn="l" rtl="0">
+              <a:spcBef>
+                <a:spcPts val="0"/>
+              </a:spcBef>
+              <a:spcAft>
+                <a:spcPts val="0"/>
+              </a:spcAft>
+              <a:buNone/>
+            </a:pPr>
+            <a:r>
+              <a:rPr lang="ru" sz="3100" b="1" dirty="0">
+                <a:latin typeface="Roboto"/>
+                <a:ea typeface="Roboto"/>
+                <a:cs typeface="Roboto"/>
+                <a:sym typeface="Roboto"/>
+              </a:rPr>
+              <a:t>Процесс обучения</a:t>
+            </a:r>
+            <a:endParaRPr sz="3100" b="1" dirty="0">
+              <a:latin typeface="Roboto"/>
+              <a:ea typeface="Roboto"/>
+              <a:cs typeface="Roboto"/>
+              <a:sym typeface="Roboto"/>
+            </a:endParaRPr>
+          </a:p>
+        </p:txBody>
+      </p:sp>
+    </p:spTree>
+  </p:cSld>
+  <p:clrMapOvr>
+    <a:masterClrMapping/>
+  </p:clrMapOvr>
+</p:sld>
+</file>
+
+<file path=ppt/slides/slide41.xml><?xml version="1.0" encoding="utf-8"?>
+<p:sld xmlns:a="http://schemas.openxmlformats.org/drawingml/2006/main" xmlns:r="http://schemas.openxmlformats.org/officeDocument/2006/relationships" xmlns:p="http://schemas.openxmlformats.org/presentationml/2006/main">
+  <p:cSld>
+    <p:spTree>
+      <p:nvGrpSpPr>
+        <p:cNvPr id="1" name="Shape 627"/>
+        <p:cNvGrpSpPr/>
+        <p:nvPr/>
+      </p:nvGrpSpPr>
+      <p:grpSpPr>
+        <a:xfrm>
+          <a:off x="0" y="0"/>
+          <a:ext cx="0" cy="0"/>
+          <a:chOff x="0" y="0"/>
+          <a:chExt cx="0" cy="0"/>
+        </a:xfrm>
+      </p:grpSpPr>
+      <p:sp>
+        <p:nvSpPr>
+          <p:cNvPr id="628" name="Google Shape;628;p107"/>
+          <p:cNvSpPr txBox="1">
+            <a:spLocks noGrp="1"/>
+          </p:cNvSpPr>
+          <p:nvPr>
+            <p:ph type="title"/>
+          </p:nvPr>
+        </p:nvSpPr>
+        <p:spPr>
+          <a:xfrm>
+            <a:off x="500550" y="330736"/>
+            <a:ext cx="8520600" cy="979800"/>
+          </a:xfrm>
+          <a:prstGeom prst="rect">
+            <a:avLst/>
+          </a:prstGeom>
+        </p:spPr>
+        <p:txBody>
+          <a:bodyPr spcFirstLastPara="1" wrap="square" lIns="91425" tIns="91425" rIns="91425" bIns="91425" anchor="t" anchorCtr="0">
+            <a:noAutofit/>
+          </a:bodyPr>
+          <a:lstStyle/>
+          <a:p>
+            <a:pPr marL="0" lvl="0" indent="0" algn="l" rtl="0">
+              <a:spcBef>
+                <a:spcPts val="0"/>
+              </a:spcBef>
+              <a:spcAft>
+                <a:spcPts val="0"/>
+              </a:spcAft>
+              <a:buNone/>
+            </a:pPr>
+            <a:r>
+              <a:rPr lang="ru"/>
+              <a:t>О курсе</a:t>
+            </a:r>
+            <a:endParaRPr/>
+          </a:p>
+        </p:txBody>
+      </p:sp>
+      <p:pic>
+        <p:nvPicPr>
+          <p:cNvPr id="630" name="Google Shape;630;p107"/>
+          <p:cNvPicPr preferRelativeResize="0"/>
+          <p:nvPr/>
+        </p:nvPicPr>
+        <p:blipFill rotWithShape="1">
+          <a:blip r:embed="rId3">
+            <a:alphaModFix/>
+          </a:blip>
+          <a:srcRect/>
+          <a:stretch/>
+        </p:blipFill>
+        <p:spPr>
+          <a:xfrm>
+            <a:off x="634240" y="2418961"/>
+            <a:ext cx="608438" cy="608424"/>
+          </a:xfrm>
+          <a:prstGeom prst="rect">
+            <a:avLst/>
+          </a:prstGeom>
+          <a:noFill/>
+          <a:ln>
+            <a:noFill/>
+          </a:ln>
+        </p:spPr>
+      </p:pic>
+      <p:sp>
+        <p:nvSpPr>
+          <p:cNvPr id="631" name="Google Shape;631;p107"/>
+          <p:cNvSpPr txBox="1"/>
+          <p:nvPr/>
+        </p:nvSpPr>
+        <p:spPr>
+          <a:xfrm>
+            <a:off x="500550" y="950100"/>
+            <a:ext cx="5538300" cy="554100"/>
+          </a:xfrm>
+          <a:prstGeom prst="rect">
+            <a:avLst/>
+          </a:prstGeom>
+          <a:noFill/>
+          <a:ln>
+            <a:noFill/>
+          </a:ln>
+        </p:spPr>
+        <p:txBody>
+          <a:bodyPr spcFirstLastPara="1" wrap="square" lIns="91425" tIns="91425" rIns="91425" bIns="91425" anchor="t" anchorCtr="0">
+            <a:spAutoFit/>
+          </a:bodyPr>
+          <a:lstStyle/>
+          <a:p>
+            <a:pPr marL="0" lvl="0" indent="0" algn="l" rtl="0">
+              <a:spcBef>
+                <a:spcPts val="0"/>
+              </a:spcBef>
+              <a:spcAft>
+                <a:spcPts val="0"/>
+              </a:spcAft>
+              <a:buNone/>
+            </a:pPr>
+            <a:r>
+              <a:rPr lang="en-US" sz="2400" b="1" i="1" dirty="0">
+                <a:solidFill>
+                  <a:srgbClr val="45818E"/>
+                </a:solidFill>
+                <a:latin typeface="Roboto"/>
+                <a:ea typeface="Roboto"/>
+                <a:cs typeface="Roboto"/>
+                <a:sym typeface="Roboto"/>
+              </a:rPr>
+              <a:t>ML </a:t>
+            </a:r>
+            <a:r>
+              <a:rPr lang="ru-RU" sz="2400" b="1" i="1" dirty="0">
+                <a:solidFill>
+                  <a:srgbClr val="45818E"/>
+                </a:solidFill>
+                <a:latin typeface="Roboto"/>
+                <a:ea typeface="Roboto"/>
+                <a:cs typeface="Roboto"/>
+                <a:sym typeface="Roboto"/>
+              </a:rPr>
+              <a:t>для финансового анализа</a:t>
+            </a:r>
+            <a:endParaRPr sz="2400" b="1" i="1" dirty="0">
+              <a:solidFill>
+                <a:srgbClr val="45818E"/>
+              </a:solidFill>
+              <a:latin typeface="Roboto"/>
+              <a:ea typeface="Roboto"/>
+              <a:cs typeface="Roboto"/>
+              <a:sym typeface="Roboto"/>
+            </a:endParaRPr>
+          </a:p>
+        </p:txBody>
+      </p:sp>
+      <p:sp>
+        <p:nvSpPr>
+          <p:cNvPr id="632" name="Google Shape;632;p107"/>
+          <p:cNvSpPr txBox="1"/>
+          <p:nvPr/>
+        </p:nvSpPr>
+        <p:spPr>
+          <a:xfrm>
+            <a:off x="1813965" y="2446096"/>
+            <a:ext cx="4182900" cy="461700"/>
+          </a:xfrm>
+          <a:prstGeom prst="rect">
+            <a:avLst/>
+          </a:prstGeom>
+          <a:noFill/>
+          <a:ln>
+            <a:noFill/>
+          </a:ln>
+        </p:spPr>
+        <p:txBody>
+          <a:bodyPr spcFirstLastPara="1" wrap="square" lIns="91425" tIns="91425" rIns="91425" bIns="91425" anchor="t" anchorCtr="0">
+            <a:spAutoFit/>
+          </a:bodyPr>
+          <a:lstStyle/>
+          <a:p>
+            <a:pPr marL="0" lvl="0" indent="0" algn="l" rtl="0">
+              <a:spcBef>
+                <a:spcPts val="0"/>
+              </a:spcBef>
+              <a:spcAft>
+                <a:spcPts val="0"/>
+              </a:spcAft>
+              <a:buNone/>
+            </a:pPr>
+            <a:r>
+              <a:rPr lang="ru" sz="1800" b="1" dirty="0">
+                <a:solidFill>
+                  <a:schemeClr val="dk1"/>
+                </a:solidFill>
+                <a:latin typeface="Roboto"/>
+                <a:ea typeface="Roboto"/>
+                <a:cs typeface="Roboto"/>
+                <a:sym typeface="Roboto"/>
+              </a:rPr>
+              <a:t>старт обучения: </a:t>
+            </a:r>
+            <a:r>
+              <a:rPr lang="ru-RU" sz="1800" b="1" i="1" dirty="0">
+                <a:solidFill>
+                  <a:schemeClr val="dk1"/>
+                </a:solidFill>
+                <a:latin typeface="Roboto"/>
+                <a:ea typeface="Roboto"/>
+                <a:cs typeface="Roboto"/>
+                <a:sym typeface="Roboto"/>
+              </a:rPr>
+              <a:t>31</a:t>
+            </a:r>
+            <a:r>
+              <a:rPr lang="ru" sz="1800" b="1" i="1" dirty="0">
+                <a:solidFill>
+                  <a:schemeClr val="dk1"/>
+                </a:solidFill>
+                <a:latin typeface="Roboto"/>
+                <a:ea typeface="Roboto"/>
+                <a:cs typeface="Roboto"/>
+                <a:sym typeface="Roboto"/>
+              </a:rPr>
+              <a:t>.</a:t>
+            </a:r>
+            <a:r>
+              <a:rPr lang="en-US" sz="1800" b="1" i="1" dirty="0">
+                <a:solidFill>
+                  <a:schemeClr val="dk1"/>
+                </a:solidFill>
+                <a:latin typeface="Roboto"/>
+                <a:ea typeface="Roboto"/>
+                <a:cs typeface="Roboto"/>
+                <a:sym typeface="Roboto"/>
+              </a:rPr>
+              <a:t>0</a:t>
+            </a:r>
+            <a:r>
+              <a:rPr lang="ru-RU" sz="1800" b="1" i="1" dirty="0">
+                <a:solidFill>
+                  <a:schemeClr val="dk1"/>
+                </a:solidFill>
+                <a:latin typeface="Roboto"/>
+                <a:ea typeface="Roboto"/>
+                <a:cs typeface="Roboto"/>
+                <a:sym typeface="Roboto"/>
+              </a:rPr>
+              <a:t>7</a:t>
+            </a:r>
+            <a:r>
+              <a:rPr lang="ru" sz="1800" b="1" i="1" dirty="0">
+                <a:solidFill>
+                  <a:schemeClr val="dk1"/>
+                </a:solidFill>
+                <a:latin typeface="Roboto"/>
+                <a:ea typeface="Roboto"/>
+                <a:cs typeface="Roboto"/>
+                <a:sym typeface="Roboto"/>
+              </a:rPr>
+              <a:t>.202</a:t>
+            </a:r>
+            <a:r>
+              <a:rPr lang="en-US" sz="1800" b="1" i="1" dirty="0">
+                <a:solidFill>
+                  <a:schemeClr val="dk1"/>
+                </a:solidFill>
+                <a:latin typeface="Roboto"/>
+                <a:ea typeface="Roboto"/>
+                <a:cs typeface="Roboto"/>
+                <a:sym typeface="Roboto"/>
+              </a:rPr>
+              <a:t>4</a:t>
+            </a:r>
+            <a:r>
+              <a:rPr lang="ru" sz="1800" b="1" i="1" dirty="0">
+                <a:solidFill>
+                  <a:schemeClr val="dk1"/>
+                </a:solidFill>
+                <a:latin typeface="Roboto"/>
+                <a:ea typeface="Roboto"/>
+                <a:cs typeface="Roboto"/>
+                <a:sym typeface="Roboto"/>
+              </a:rPr>
+              <a:t> </a:t>
+            </a:r>
+            <a:endParaRPr sz="2400" b="1" i="1" dirty="0">
+              <a:solidFill>
+                <a:srgbClr val="3F3F3F"/>
+              </a:solidFill>
+              <a:latin typeface="Roboto"/>
+              <a:ea typeface="Roboto"/>
+              <a:cs typeface="Roboto"/>
+              <a:sym typeface="Roboto"/>
+            </a:endParaRPr>
+          </a:p>
+        </p:txBody>
+      </p:sp>
+      <p:pic>
+        <p:nvPicPr>
+          <p:cNvPr id="636" name="Google Shape;636;p107"/>
+          <p:cNvPicPr preferRelativeResize="0"/>
+          <p:nvPr/>
+        </p:nvPicPr>
+        <p:blipFill>
+          <a:blip r:embed="rId4">
+            <a:alphaModFix/>
+          </a:blip>
+          <a:stretch>
+            <a:fillRect/>
+          </a:stretch>
+        </p:blipFill>
+        <p:spPr>
+          <a:xfrm>
+            <a:off x="2204125" y="0"/>
+            <a:ext cx="1064725" cy="1064725"/>
+          </a:xfrm>
+          <a:prstGeom prst="rect">
+            <a:avLst/>
+          </a:prstGeom>
+          <a:noFill/>
+          <a:ln>
+            <a:noFill/>
+          </a:ln>
+        </p:spPr>
+      </p:pic>
+      <p:pic>
+        <p:nvPicPr>
+          <p:cNvPr id="7" name="Google Shape;629;p107">
+            <a:extLst>
+              <a:ext uri="{FF2B5EF4-FFF2-40B4-BE49-F238E27FC236}">
+                <a16:creationId xmlns:a16="http://schemas.microsoft.com/office/drawing/2014/main" id="{FE912D26-1600-F444-9932-9CF67168F298}"/>
+              </a:ext>
+            </a:extLst>
+          </p:cNvPr>
+          <p:cNvPicPr preferRelativeResize="0"/>
+          <p:nvPr/>
+        </p:nvPicPr>
+        <p:blipFill rotWithShape="1">
+          <a:blip r:embed="rId5">
+            <a:alphaModFix/>
+          </a:blip>
+          <a:srcRect/>
+          <a:stretch/>
+        </p:blipFill>
+        <p:spPr>
+          <a:xfrm>
+            <a:off x="634240" y="3466860"/>
+            <a:ext cx="608438" cy="608424"/>
+          </a:xfrm>
+          <a:prstGeom prst="rect">
+            <a:avLst/>
+          </a:prstGeom>
+          <a:noFill/>
+          <a:ln>
+            <a:noFill/>
+          </a:ln>
+        </p:spPr>
+      </p:pic>
+      <p:sp>
+        <p:nvSpPr>
+          <p:cNvPr id="8" name="Google Shape;633;p107">
+            <a:extLst>
+              <a:ext uri="{FF2B5EF4-FFF2-40B4-BE49-F238E27FC236}">
+                <a16:creationId xmlns:a16="http://schemas.microsoft.com/office/drawing/2014/main" id="{F6148E04-5806-3545-ABA2-9C226DF43871}"/>
+              </a:ext>
+            </a:extLst>
+          </p:cNvPr>
+          <p:cNvSpPr txBox="1"/>
+          <p:nvPr/>
+        </p:nvSpPr>
+        <p:spPr>
+          <a:xfrm>
+            <a:off x="1909887" y="3592010"/>
+            <a:ext cx="6747600" cy="448200"/>
+          </a:xfrm>
+          <a:prstGeom prst="rect">
+            <a:avLst/>
+          </a:prstGeom>
+          <a:noFill/>
+          <a:ln>
+            <a:noFill/>
+          </a:ln>
+        </p:spPr>
+        <p:txBody>
+          <a:bodyPr spcFirstLastPara="1" wrap="square" lIns="0" tIns="0" rIns="0" bIns="0" anchor="t" anchorCtr="0">
+            <a:noAutofit/>
+          </a:bodyPr>
+          <a:lstStyle/>
+          <a:p>
+            <a:pPr marL="0" marR="0" lvl="0" indent="0" algn="l" rtl="0">
+              <a:lnSpc>
+                <a:spcPct val="100000"/>
+              </a:lnSpc>
+              <a:spcBef>
+                <a:spcPts val="0"/>
+              </a:spcBef>
+              <a:spcAft>
+                <a:spcPts val="0"/>
+              </a:spcAft>
+              <a:buClr>
+                <a:srgbClr val="000000"/>
+              </a:buClr>
+              <a:buSzPts val="2400"/>
+              <a:buFont typeface="Arial"/>
+              <a:buNone/>
+            </a:pPr>
+            <a:r>
+              <a:rPr lang="ru" dirty="0">
+                <a:solidFill>
+                  <a:schemeClr val="dk1"/>
+                </a:solidFill>
+                <a:latin typeface="Roboto"/>
+                <a:ea typeface="Roboto"/>
+                <a:cs typeface="Roboto"/>
+                <a:sym typeface="Roboto"/>
+              </a:rPr>
+              <a:t>Следующий открытый урок: </a:t>
+            </a:r>
+            <a:r>
+              <a:rPr lang="ru-RU" i="1" dirty="0">
+                <a:solidFill>
+                  <a:schemeClr val="dk1"/>
+                </a:solidFill>
+                <a:latin typeface="Roboto"/>
+                <a:ea typeface="Roboto"/>
+                <a:cs typeface="Roboto"/>
+                <a:sym typeface="Roboto"/>
+              </a:rPr>
+              <a:t>17</a:t>
+            </a:r>
+            <a:r>
+              <a:rPr lang="ru" i="1" dirty="0">
+                <a:solidFill>
+                  <a:schemeClr val="dk1"/>
+                </a:solidFill>
+                <a:latin typeface="Roboto"/>
+                <a:ea typeface="Roboto"/>
+                <a:cs typeface="Roboto"/>
+                <a:sym typeface="Roboto"/>
+              </a:rPr>
+              <a:t>.</a:t>
+            </a:r>
+            <a:r>
+              <a:rPr lang="en-US" i="1" dirty="0">
+                <a:solidFill>
+                  <a:schemeClr val="dk1"/>
+                </a:solidFill>
+                <a:latin typeface="Roboto"/>
+                <a:ea typeface="Roboto"/>
+                <a:cs typeface="Roboto"/>
+                <a:sym typeface="Roboto"/>
+              </a:rPr>
+              <a:t>0</a:t>
+            </a:r>
+            <a:r>
+              <a:rPr lang="ru-RU" i="1" dirty="0">
+                <a:solidFill>
+                  <a:schemeClr val="dk1"/>
+                </a:solidFill>
+                <a:latin typeface="Roboto"/>
+                <a:ea typeface="Roboto"/>
+                <a:cs typeface="Roboto"/>
+                <a:sym typeface="Roboto"/>
+              </a:rPr>
+              <a:t>7</a:t>
+            </a:r>
+            <a:r>
+              <a:rPr lang="ru" i="1" dirty="0">
+                <a:solidFill>
+                  <a:schemeClr val="dk1"/>
+                </a:solidFill>
+                <a:latin typeface="Roboto"/>
+                <a:ea typeface="Roboto"/>
+                <a:cs typeface="Roboto"/>
+                <a:sym typeface="Roboto"/>
+              </a:rPr>
+              <a:t>.202</a:t>
+            </a:r>
+            <a:r>
+              <a:rPr lang="en-US" i="1" dirty="0">
+                <a:solidFill>
+                  <a:schemeClr val="dk1"/>
+                </a:solidFill>
+                <a:latin typeface="Roboto"/>
+                <a:ea typeface="Roboto"/>
+                <a:cs typeface="Roboto"/>
+                <a:sym typeface="Roboto"/>
+              </a:rPr>
+              <a:t>4</a:t>
+            </a:r>
+            <a:r>
+              <a:rPr lang="ru" dirty="0">
+                <a:solidFill>
+                  <a:schemeClr val="dk1"/>
+                </a:solidFill>
+                <a:latin typeface="Roboto"/>
+                <a:ea typeface="Roboto"/>
+                <a:cs typeface="Roboto"/>
+                <a:sym typeface="Roboto"/>
+              </a:rPr>
+              <a:t> </a:t>
+            </a:r>
+          </a:p>
+          <a:p>
+            <a:pPr marL="0" marR="0" lvl="0" indent="0" algn="l" rtl="0">
+              <a:lnSpc>
+                <a:spcPct val="100000"/>
+              </a:lnSpc>
+              <a:spcBef>
+                <a:spcPts val="0"/>
+              </a:spcBef>
+              <a:spcAft>
+                <a:spcPts val="0"/>
+              </a:spcAft>
+              <a:buClr>
+                <a:srgbClr val="000000"/>
+              </a:buClr>
+              <a:buSzPts val="2400"/>
+              <a:buFont typeface="Arial"/>
+              <a:buNone/>
+            </a:pPr>
+            <a:endParaRPr lang="en-US" dirty="0">
+              <a:solidFill>
+                <a:schemeClr val="dk1"/>
+              </a:solidFill>
+              <a:latin typeface="Roboto"/>
+              <a:ea typeface="Roboto"/>
+              <a:cs typeface="Roboto"/>
+              <a:sym typeface="Roboto"/>
+            </a:endParaRPr>
+          </a:p>
+          <a:p>
+            <a:pPr marL="0" marR="0" lvl="0" indent="0" algn="l" rtl="0">
+              <a:lnSpc>
+                <a:spcPct val="100000"/>
+              </a:lnSpc>
+              <a:spcBef>
+                <a:spcPts val="0"/>
+              </a:spcBef>
+              <a:spcAft>
+                <a:spcPts val="0"/>
+              </a:spcAft>
+              <a:buClr>
+                <a:srgbClr val="000000"/>
+              </a:buClr>
+              <a:buSzPts val="2400"/>
+              <a:buFont typeface="Arial"/>
+              <a:buNone/>
+            </a:pPr>
+            <a:r>
+              <a:rPr lang="ru-RU" i="1" dirty="0">
+                <a:solidFill>
+                  <a:schemeClr val="dk1"/>
+                </a:solidFill>
+                <a:latin typeface="Roboto"/>
+                <a:ea typeface="Roboto"/>
+                <a:cs typeface="Roboto"/>
+                <a:sym typeface="Roboto"/>
+              </a:rPr>
+              <a:t>Применение нейронных сетей в анализе финансовых рынков</a:t>
+            </a:r>
+            <a:endParaRPr i="1" dirty="0">
+              <a:solidFill>
+                <a:schemeClr val="dk1"/>
+              </a:solidFill>
+              <a:latin typeface="Roboto"/>
+              <a:ea typeface="Roboto"/>
+              <a:cs typeface="Roboto"/>
+              <a:sym typeface="Roboto"/>
+            </a:endParaRPr>
+          </a:p>
+        </p:txBody>
+      </p:sp>
+    </p:spTree>
+  </p:cSld>
+  <p:clrMapOvr>
+    <a:masterClrMapping/>
+  </p:clrMapOvr>
+</p:sld>
+</file>
+
+<file path=ppt/slides/slide42.xml><?xml version="1.0" encoding="utf-8"?>
+<p:sld xmlns:a="http://schemas.openxmlformats.org/drawingml/2006/main" xmlns:r="http://schemas.openxmlformats.org/officeDocument/2006/relationships" xmlns:p="http://schemas.openxmlformats.org/presentationml/2006/main">
+  <p:cSld>
+    <p:spTree>
+      <p:nvGrpSpPr>
+        <p:cNvPr id="1" name="Shape 640"/>
+        <p:cNvGrpSpPr/>
+        <p:nvPr/>
+      </p:nvGrpSpPr>
+      <p:grpSpPr>
+        <a:xfrm>
+          <a:off x="0" y="0"/>
+          <a:ext cx="0" cy="0"/>
+          <a:chOff x="0" y="0"/>
+          <a:chExt cx="0" cy="0"/>
+        </a:xfrm>
+      </p:grpSpPr>
+      <p:sp>
+        <p:nvSpPr>
+          <p:cNvPr id="641" name="Google Shape;641;p108"/>
+          <p:cNvSpPr txBox="1">
+            <a:spLocks noGrp="1"/>
+          </p:cNvSpPr>
+          <p:nvPr>
+            <p:ph type="title"/>
+          </p:nvPr>
+        </p:nvSpPr>
+        <p:spPr>
+          <a:xfrm>
+            <a:off x="956225" y="777400"/>
+            <a:ext cx="6931800" cy="4090800"/>
+          </a:xfrm>
+          <a:prstGeom prst="rect">
+            <a:avLst/>
+          </a:prstGeom>
+        </p:spPr>
+        <p:txBody>
+          <a:bodyPr spcFirstLastPara="1" wrap="square" lIns="91425" tIns="91425" rIns="91425" bIns="91425" anchor="ctr" anchorCtr="0">
+            <a:noAutofit/>
+          </a:bodyPr>
+          <a:lstStyle/>
+          <a:p>
+            <a:pPr marL="0" lvl="0" indent="0" algn="l" rtl="0">
+              <a:spcBef>
+                <a:spcPts val="0"/>
+              </a:spcBef>
+              <a:spcAft>
+                <a:spcPts val="0"/>
+              </a:spcAft>
+              <a:buClr>
+                <a:schemeClr val="dk1"/>
+              </a:buClr>
+              <a:buSzPts val="1100"/>
+              <a:buFont typeface="Arial"/>
+              <a:buNone/>
+            </a:pPr>
+            <a:r>
+              <a:rPr lang="ru" sz="3500" b="0"/>
+              <a:t>Заполните, пожалуйста,</a:t>
+            </a:r>
+            <a:endParaRPr sz="3500" b="0"/>
+          </a:p>
+          <a:p>
+            <a:pPr marL="0" lvl="0" indent="0" algn="l" rtl="0">
+              <a:spcBef>
+                <a:spcPts val="0"/>
+              </a:spcBef>
+              <a:spcAft>
+                <a:spcPts val="0"/>
+              </a:spcAft>
+              <a:buClr>
+                <a:schemeClr val="dk1"/>
+              </a:buClr>
+              <a:buSzPts val="1100"/>
+              <a:buFont typeface="Arial"/>
+              <a:buNone/>
+            </a:pPr>
+            <a:r>
+              <a:rPr lang="ru" sz="3500"/>
+              <a:t>опрос</a:t>
+            </a:r>
+            <a:r>
+              <a:rPr lang="ru" sz="3500" b="0"/>
+              <a:t> о занятии</a:t>
+            </a:r>
+            <a:endParaRPr sz="3500" b="0"/>
+          </a:p>
+          <a:p>
+            <a:pPr marL="0" lvl="0" indent="0" algn="l" rtl="0">
+              <a:spcBef>
+                <a:spcPts val="0"/>
+              </a:spcBef>
+              <a:spcAft>
+                <a:spcPts val="0"/>
+              </a:spcAft>
+              <a:buNone/>
+            </a:pPr>
+            <a:r>
+              <a:rPr lang="ru" sz="1800" i="1" u="sng">
+                <a:solidFill>
+                  <a:schemeClr val="accent6"/>
+                </a:solidFill>
+              </a:rPr>
+              <a:t>Важно! Пройти опрос могут только залогиненные пользователи платформы OTUS</a:t>
+            </a:r>
+            <a:r>
+              <a:rPr lang="ru" sz="1800" i="1" u="sng">
+                <a:solidFill>
+                  <a:srgbClr val="E06666"/>
+                </a:solidFill>
+              </a:rPr>
+              <a:t> </a:t>
+            </a:r>
+            <a:endParaRPr sz="1800" i="1" u="sng">
+              <a:solidFill>
+                <a:srgbClr val="E06666"/>
+              </a:solidFill>
+            </a:endParaRPr>
+          </a:p>
+          <a:p>
+            <a:pPr marL="0" lvl="0" indent="0" algn="l" rtl="0">
+              <a:spcBef>
+                <a:spcPts val="0"/>
+              </a:spcBef>
+              <a:spcAft>
+                <a:spcPts val="0"/>
+              </a:spcAft>
+              <a:buNone/>
+            </a:pPr>
+            <a:endParaRPr sz="1800" i="1" u="sng">
+              <a:solidFill>
+                <a:srgbClr val="E06666"/>
+              </a:solidFill>
+            </a:endParaRPr>
+          </a:p>
+          <a:p>
+            <a:pPr marL="0" lvl="0" indent="0" algn="l" rtl="0">
+              <a:spcBef>
+                <a:spcPts val="0"/>
+              </a:spcBef>
+              <a:spcAft>
+                <a:spcPts val="0"/>
+              </a:spcAft>
+              <a:buNone/>
+            </a:pPr>
+            <a:endParaRPr sz="1800" i="1" u="sng">
+              <a:solidFill>
+                <a:srgbClr val="E06666"/>
+              </a:solidFill>
+            </a:endParaRPr>
+          </a:p>
+          <a:p>
+            <a:pPr marL="0" lvl="0" indent="0" algn="l" rtl="0">
+              <a:spcBef>
+                <a:spcPts val="0"/>
+              </a:spcBef>
+              <a:spcAft>
+                <a:spcPts val="0"/>
+              </a:spcAft>
+              <a:buNone/>
+            </a:pPr>
+            <a:endParaRPr sz="1800" i="1" u="sng">
+              <a:solidFill>
+                <a:srgbClr val="E06666"/>
+              </a:solidFill>
+            </a:endParaRPr>
+          </a:p>
+          <a:p>
+            <a:pPr marL="0" lvl="0" indent="0" algn="l" rtl="0">
+              <a:spcBef>
+                <a:spcPts val="0"/>
+              </a:spcBef>
+              <a:spcAft>
+                <a:spcPts val="0"/>
+              </a:spcAft>
+              <a:buNone/>
+            </a:pPr>
+            <a:endParaRPr sz="1800" i="1" u="sng">
+              <a:solidFill>
+                <a:srgbClr val="E06666"/>
+              </a:solidFill>
+            </a:endParaRPr>
+          </a:p>
+          <a:p>
+            <a:pPr marL="0" lvl="0" indent="0" algn="l" rtl="0">
+              <a:spcBef>
+                <a:spcPts val="0"/>
+              </a:spcBef>
+              <a:spcAft>
+                <a:spcPts val="0"/>
+              </a:spcAft>
+              <a:buNone/>
+            </a:pPr>
+            <a:endParaRPr sz="2000" i="1"/>
+          </a:p>
+          <a:p>
+            <a:pPr marL="0" lvl="0" indent="0" algn="l" rtl="0">
+              <a:spcBef>
+                <a:spcPts val="0"/>
+              </a:spcBef>
+              <a:spcAft>
+                <a:spcPts val="0"/>
+              </a:spcAft>
+              <a:buClr>
+                <a:schemeClr val="dk1"/>
+              </a:buClr>
+              <a:buSzPts val="4200"/>
+              <a:buFont typeface="Arial"/>
+              <a:buNone/>
+            </a:pPr>
+            <a:r>
+              <a:rPr lang="ru"/>
+              <a:t>Спасибо за внимание!</a:t>
+            </a:r>
+            <a:endParaRPr/>
+          </a:p>
+        </p:txBody>
+      </p:sp>
+      <p:pic>
+        <p:nvPicPr>
+          <p:cNvPr id="643" name="Google Shape;643;p108"/>
+          <p:cNvPicPr preferRelativeResize="0"/>
+          <p:nvPr/>
+        </p:nvPicPr>
+        <p:blipFill>
+          <a:blip r:embed="rId3">
+            <a:alphaModFix/>
+          </a:blip>
+          <a:stretch>
+            <a:fillRect/>
+          </a:stretch>
+        </p:blipFill>
+        <p:spPr>
+          <a:xfrm>
+            <a:off x="4368775" y="2131625"/>
+            <a:ext cx="2392300" cy="2392300"/>
+          </a:xfrm>
+          <a:prstGeom prst="rect">
+            <a:avLst/>
+          </a:prstGeom>
+          <a:noFill/>
+          <a:ln>
+            <a:noFill/>
+          </a:ln>
         </p:spPr>
       </p:pic>
     </p:spTree>
